--- a/21 - Análise dos Ciclo de Vida(Todas as Capacidades).pptx
+++ b/21 - Análise dos Ciclo de Vida(Todas as Capacidades).pptx
@@ -3,12 +3,24 @@
 <p:presentation xmlns:a="http://schemas.openxmlformats.org/drawingml/2006/main" xmlns:p="http://schemas.openxmlformats.org/presentationml/2006/main" xmlns:r="http://schemas.openxmlformats.org/officeDocument/2006/relationships" xmlns:p14="http://schemas.microsoft.com/office/powerpoint/2010/main" xmlns:p15="http://schemas.microsoft.com/office/powerpoint/2012/main" xmlns:mc="http://schemas.openxmlformats.org/markup-compatibility/2006">
   <p:sldMasterIdLst>
     <p:sldMasterId id="2147483648" r:id="rId2"/>
+    <p:sldMasterId id="2147483661" r:id="rId3"/>
+    <p:sldMasterId id="2147483674" r:id="rId4"/>
+    <p:sldMasterId id="2147483687" r:id="rId5"/>
   </p:sldMasterIdLst>
   <p:sldIdLst>
-    <p:sldId id="256" r:id="rId3"/>
+    <p:sldId id="256" r:id="rId6"/>
+    <p:sldId id="257" r:id="rId7"/>
+    <p:sldId id="258" r:id="rId8"/>
+    <p:sldId id="259" r:id="rId9"/>
+    <p:sldId id="260" r:id="rId10"/>
+    <p:sldId id="261" r:id="rId11"/>
+    <p:sldId id="262" r:id="rId12"/>
+    <p:sldId id="263" r:id="rId13"/>
+    <p:sldId id="264" r:id="rId14"/>
+    <p:sldId id="265" r:id="rId15"/>
   </p:sldIdLst>
-  <p:sldSz cx="10080625" cy="5670550"/>
-  <p:notesSz cx="7559675" cy="10691812"/>
+  <p:sldSz cx="12192000" cy="6858000"/>
+  <p:notesSz cx="6858000" cy="9144000"/>
 </p:presentation>
 </file>
 
@@ -53,7 +65,7 @@
       </p:grpSpPr>
       <p:sp>
         <p:nvSpPr>
-          <p:cNvPr id="23" name="PlaceHolder 1"/>
+          <p:cNvPr id="26" name="PlaceHolder 1"/>
           <p:cNvSpPr>
             <a:spLocks noGrp="1"/>
           </p:cNvSpPr>
@@ -63,8 +75,8 @@
         </p:nvSpPr>
         <p:spPr>
           <a:xfrm>
-            <a:off x="504000" y="226080"/>
-            <a:ext cx="9072000" cy="946440"/>
+            <a:off x="838080" y="365040"/>
+            <a:ext cx="10515240" cy="1325160"/>
           </a:xfrm>
           <a:prstGeom prst="rect">
             <a:avLst/>
@@ -75,16 +87,18 @@
             <a:noAutofit/>
           </a:bodyPr>
           <a:p>
-            <a:pPr algn="ctr"/>
-            <a:endParaRPr b="0" lang="pt-BR" sz="4400" spc="-1" strike="noStrike">
-              <a:latin typeface="Arial"/>
-            </a:endParaRPr>
-          </a:p>
-        </p:txBody>
-      </p:sp>
-      <p:sp>
-        <p:nvSpPr>
-          <p:cNvPr id="24" name="PlaceHolder 2"/>
+            <a:endParaRPr b="0" lang="pt-BR" sz="1800" spc="-1" strike="noStrike">
+              <a:solidFill>
+                <a:srgbClr val="000000"/>
+              </a:solidFill>
+              <a:latin typeface="Calibri"/>
+            </a:endParaRPr>
+          </a:p>
+        </p:txBody>
+      </p:sp>
+      <p:sp>
+        <p:nvSpPr>
+          <p:cNvPr id="27" name="PlaceHolder 2"/>
           <p:cNvSpPr>
             <a:spLocks noGrp="1"/>
           </p:cNvSpPr>
@@ -94,8 +108,8 @@
         </p:nvSpPr>
         <p:spPr>
           <a:xfrm>
-            <a:off x="504000" y="1326600"/>
-            <a:ext cx="9072000" cy="1568520"/>
+            <a:off x="838080" y="1825560"/>
+            <a:ext cx="10515240" cy="2075040"/>
           </a:xfrm>
           <a:prstGeom prst="rect">
             <a:avLst/>
@@ -106,15 +120,18 @@
             <a:normAutofit/>
           </a:bodyPr>
           <a:p>
-            <a:endParaRPr b="0" lang="pt-BR" sz="3200" spc="-1" strike="noStrike">
-              <a:latin typeface="Arial"/>
-            </a:endParaRPr>
-          </a:p>
-        </p:txBody>
-      </p:sp>
-      <p:sp>
-        <p:nvSpPr>
-          <p:cNvPr id="25" name="PlaceHolder 3"/>
+            <a:endParaRPr b="0" lang="pt-BR" sz="2800" spc="-1" strike="noStrike">
+              <a:solidFill>
+                <a:srgbClr val="000000"/>
+              </a:solidFill>
+              <a:latin typeface="Calibri"/>
+            </a:endParaRPr>
+          </a:p>
+        </p:txBody>
+      </p:sp>
+      <p:sp>
+        <p:nvSpPr>
+          <p:cNvPr id="28" name="PlaceHolder 3"/>
           <p:cNvSpPr>
             <a:spLocks noGrp="1"/>
           </p:cNvSpPr>
@@ -124,8 +141,8 @@
         </p:nvSpPr>
         <p:spPr>
           <a:xfrm>
-            <a:off x="504000" y="3044520"/>
-            <a:ext cx="9072000" cy="1568520"/>
+            <a:off x="838080" y="4098240"/>
+            <a:ext cx="10515240" cy="2075040"/>
           </a:xfrm>
           <a:prstGeom prst="rect">
             <a:avLst/>
@@ -136,8 +153,11 @@
             <a:normAutofit/>
           </a:bodyPr>
           <a:p>
-            <a:endParaRPr b="0" lang="pt-BR" sz="3200" spc="-1" strike="noStrike">
-              <a:latin typeface="Arial"/>
+            <a:endParaRPr b="0" lang="pt-BR" sz="2800" spc="-1" strike="noStrike">
+              <a:solidFill>
+                <a:srgbClr val="000000"/>
+              </a:solidFill>
+              <a:latin typeface="Calibri"/>
             </a:endParaRPr>
           </a:p>
         </p:txBody>
@@ -166,7 +186,7 @@
       </p:grpSpPr>
       <p:sp>
         <p:nvSpPr>
-          <p:cNvPr id="26" name="PlaceHolder 1"/>
+          <p:cNvPr id="29" name="PlaceHolder 1"/>
           <p:cNvSpPr>
             <a:spLocks noGrp="1"/>
           </p:cNvSpPr>
@@ -176,8 +196,8 @@
         </p:nvSpPr>
         <p:spPr>
           <a:xfrm>
-            <a:off x="504000" y="226080"/>
-            <a:ext cx="9072000" cy="946440"/>
+            <a:off x="838080" y="365040"/>
+            <a:ext cx="10515240" cy="1325160"/>
           </a:xfrm>
           <a:prstGeom prst="rect">
             <a:avLst/>
@@ -188,16 +208,18 @@
             <a:noAutofit/>
           </a:bodyPr>
           <a:p>
-            <a:pPr algn="ctr"/>
-            <a:endParaRPr b="0" lang="pt-BR" sz="4400" spc="-1" strike="noStrike">
-              <a:latin typeface="Arial"/>
-            </a:endParaRPr>
-          </a:p>
-        </p:txBody>
-      </p:sp>
-      <p:sp>
-        <p:nvSpPr>
-          <p:cNvPr id="27" name="PlaceHolder 2"/>
+            <a:endParaRPr b="0" lang="pt-BR" sz="1800" spc="-1" strike="noStrike">
+              <a:solidFill>
+                <a:srgbClr val="000000"/>
+              </a:solidFill>
+              <a:latin typeface="Calibri"/>
+            </a:endParaRPr>
+          </a:p>
+        </p:txBody>
+      </p:sp>
+      <p:sp>
+        <p:nvSpPr>
+          <p:cNvPr id="30" name="PlaceHolder 2"/>
           <p:cNvSpPr>
             <a:spLocks noGrp="1"/>
           </p:cNvSpPr>
@@ -207,8 +229,8 @@
         </p:nvSpPr>
         <p:spPr>
           <a:xfrm>
-            <a:off x="504000" y="1326600"/>
-            <a:ext cx="4426920" cy="1568520"/>
+            <a:off x="838080" y="1825560"/>
+            <a:ext cx="5131080" cy="2075040"/>
           </a:xfrm>
           <a:prstGeom prst="rect">
             <a:avLst/>
@@ -219,15 +241,18 @@
             <a:normAutofit/>
           </a:bodyPr>
           <a:p>
-            <a:endParaRPr b="0" lang="pt-BR" sz="3200" spc="-1" strike="noStrike">
-              <a:latin typeface="Arial"/>
-            </a:endParaRPr>
-          </a:p>
-        </p:txBody>
-      </p:sp>
-      <p:sp>
-        <p:nvSpPr>
-          <p:cNvPr id="28" name="PlaceHolder 3"/>
+            <a:endParaRPr b="0" lang="pt-BR" sz="2800" spc="-1" strike="noStrike">
+              <a:solidFill>
+                <a:srgbClr val="000000"/>
+              </a:solidFill>
+              <a:latin typeface="Calibri"/>
+            </a:endParaRPr>
+          </a:p>
+        </p:txBody>
+      </p:sp>
+      <p:sp>
+        <p:nvSpPr>
+          <p:cNvPr id="31" name="PlaceHolder 3"/>
           <p:cNvSpPr>
             <a:spLocks noGrp="1"/>
           </p:cNvSpPr>
@@ -237,8 +262,8 @@
         </p:nvSpPr>
         <p:spPr>
           <a:xfrm>
-            <a:off x="5152680" y="1326600"/>
-            <a:ext cx="4426920" cy="1568520"/>
+            <a:off x="6226200" y="1825560"/>
+            <a:ext cx="5131080" cy="2075040"/>
           </a:xfrm>
           <a:prstGeom prst="rect">
             <a:avLst/>
@@ -249,15 +274,18 @@
             <a:normAutofit/>
           </a:bodyPr>
           <a:p>
-            <a:endParaRPr b="0" lang="pt-BR" sz="3200" spc="-1" strike="noStrike">
-              <a:latin typeface="Arial"/>
-            </a:endParaRPr>
-          </a:p>
-        </p:txBody>
-      </p:sp>
-      <p:sp>
-        <p:nvSpPr>
-          <p:cNvPr id="29" name="PlaceHolder 4"/>
+            <a:endParaRPr b="0" lang="pt-BR" sz="2800" spc="-1" strike="noStrike">
+              <a:solidFill>
+                <a:srgbClr val="000000"/>
+              </a:solidFill>
+              <a:latin typeface="Calibri"/>
+            </a:endParaRPr>
+          </a:p>
+        </p:txBody>
+      </p:sp>
+      <p:sp>
+        <p:nvSpPr>
+          <p:cNvPr id="32" name="PlaceHolder 4"/>
           <p:cNvSpPr>
             <a:spLocks noGrp="1"/>
           </p:cNvSpPr>
@@ -267,8 +295,8 @@
         </p:nvSpPr>
         <p:spPr>
           <a:xfrm>
-            <a:off x="504000" y="3044520"/>
-            <a:ext cx="4426920" cy="1568520"/>
+            <a:off x="838080" y="4098240"/>
+            <a:ext cx="5131080" cy="2075040"/>
           </a:xfrm>
           <a:prstGeom prst="rect">
             <a:avLst/>
@@ -279,15 +307,18 @@
             <a:normAutofit/>
           </a:bodyPr>
           <a:p>
-            <a:endParaRPr b="0" lang="pt-BR" sz="3200" spc="-1" strike="noStrike">
-              <a:latin typeface="Arial"/>
-            </a:endParaRPr>
-          </a:p>
-        </p:txBody>
-      </p:sp>
-      <p:sp>
-        <p:nvSpPr>
-          <p:cNvPr id="30" name="PlaceHolder 5"/>
+            <a:endParaRPr b="0" lang="pt-BR" sz="2800" spc="-1" strike="noStrike">
+              <a:solidFill>
+                <a:srgbClr val="000000"/>
+              </a:solidFill>
+              <a:latin typeface="Calibri"/>
+            </a:endParaRPr>
+          </a:p>
+        </p:txBody>
+      </p:sp>
+      <p:sp>
+        <p:nvSpPr>
+          <p:cNvPr id="33" name="PlaceHolder 5"/>
           <p:cNvSpPr>
             <a:spLocks noGrp="1"/>
           </p:cNvSpPr>
@@ -297,8 +328,8 @@
         </p:nvSpPr>
         <p:spPr>
           <a:xfrm>
-            <a:off x="5152680" y="3044520"/>
-            <a:ext cx="4426920" cy="1568520"/>
+            <a:off x="6226200" y="4098240"/>
+            <a:ext cx="5131080" cy="2075040"/>
           </a:xfrm>
           <a:prstGeom prst="rect">
             <a:avLst/>
@@ -309,8 +340,11 @@
             <a:normAutofit/>
           </a:bodyPr>
           <a:p>
-            <a:endParaRPr b="0" lang="pt-BR" sz="3200" spc="-1" strike="noStrike">
-              <a:latin typeface="Arial"/>
+            <a:endParaRPr b="0" lang="pt-BR" sz="2800" spc="-1" strike="noStrike">
+              <a:solidFill>
+                <a:srgbClr val="000000"/>
+              </a:solidFill>
+              <a:latin typeface="Calibri"/>
             </a:endParaRPr>
           </a:p>
         </p:txBody>
@@ -339,7 +373,7 @@
       </p:grpSpPr>
       <p:sp>
         <p:nvSpPr>
-          <p:cNvPr id="31" name="PlaceHolder 1"/>
+          <p:cNvPr id="34" name="PlaceHolder 1"/>
           <p:cNvSpPr>
             <a:spLocks noGrp="1"/>
           </p:cNvSpPr>
@@ -349,8 +383,8 @@
         </p:nvSpPr>
         <p:spPr>
           <a:xfrm>
-            <a:off x="504000" y="226080"/>
-            <a:ext cx="9072000" cy="946440"/>
+            <a:off x="838080" y="365040"/>
+            <a:ext cx="10515240" cy="1325160"/>
           </a:xfrm>
           <a:prstGeom prst="rect">
             <a:avLst/>
@@ -361,16 +395,18 @@
             <a:noAutofit/>
           </a:bodyPr>
           <a:p>
-            <a:pPr algn="ctr"/>
-            <a:endParaRPr b="0" lang="pt-BR" sz="4400" spc="-1" strike="noStrike">
-              <a:latin typeface="Arial"/>
-            </a:endParaRPr>
-          </a:p>
-        </p:txBody>
-      </p:sp>
-      <p:sp>
-        <p:nvSpPr>
-          <p:cNvPr id="32" name="PlaceHolder 2"/>
+            <a:endParaRPr b="0" lang="pt-BR" sz="1800" spc="-1" strike="noStrike">
+              <a:solidFill>
+                <a:srgbClr val="000000"/>
+              </a:solidFill>
+              <a:latin typeface="Calibri"/>
+            </a:endParaRPr>
+          </a:p>
+        </p:txBody>
+      </p:sp>
+      <p:sp>
+        <p:nvSpPr>
+          <p:cNvPr id="35" name="PlaceHolder 2"/>
           <p:cNvSpPr>
             <a:spLocks noGrp="1"/>
           </p:cNvSpPr>
@@ -380,8 +416,8 @@
         </p:nvSpPr>
         <p:spPr>
           <a:xfrm>
-            <a:off x="504000" y="1326600"/>
-            <a:ext cx="2921040" cy="1568520"/>
+            <a:off x="838080" y="1825560"/>
+            <a:ext cx="3385800" cy="2075040"/>
           </a:xfrm>
           <a:prstGeom prst="rect">
             <a:avLst/>
@@ -392,15 +428,346 @@
             <a:normAutofit/>
           </a:bodyPr>
           <a:p>
+            <a:endParaRPr b="0" lang="pt-BR" sz="2800" spc="-1" strike="noStrike">
+              <a:solidFill>
+                <a:srgbClr val="000000"/>
+              </a:solidFill>
+              <a:latin typeface="Calibri"/>
+            </a:endParaRPr>
+          </a:p>
+        </p:txBody>
+      </p:sp>
+      <p:sp>
+        <p:nvSpPr>
+          <p:cNvPr id="36" name="PlaceHolder 3"/>
+          <p:cNvSpPr>
+            <a:spLocks noGrp="1"/>
+          </p:cNvSpPr>
+          <p:nvPr>
+            <p:ph type="body"/>
+          </p:nvPr>
+        </p:nvSpPr>
+        <p:spPr>
+          <a:xfrm>
+            <a:off x="4393440" y="1825560"/>
+            <a:ext cx="3385800" cy="2075040"/>
+          </a:xfrm>
+          <a:prstGeom prst="rect">
+            <a:avLst/>
+          </a:prstGeom>
+        </p:spPr>
+        <p:txBody>
+          <a:bodyPr lIns="0" rIns="0" tIns="0" bIns="0">
+            <a:normAutofit/>
+          </a:bodyPr>
+          <a:p>
+            <a:endParaRPr b="0" lang="pt-BR" sz="2800" spc="-1" strike="noStrike">
+              <a:solidFill>
+                <a:srgbClr val="000000"/>
+              </a:solidFill>
+              <a:latin typeface="Calibri"/>
+            </a:endParaRPr>
+          </a:p>
+        </p:txBody>
+      </p:sp>
+      <p:sp>
+        <p:nvSpPr>
+          <p:cNvPr id="37" name="PlaceHolder 4"/>
+          <p:cNvSpPr>
+            <a:spLocks noGrp="1"/>
+          </p:cNvSpPr>
+          <p:nvPr>
+            <p:ph type="body"/>
+          </p:nvPr>
+        </p:nvSpPr>
+        <p:spPr>
+          <a:xfrm>
+            <a:off x="7949160" y="1825560"/>
+            <a:ext cx="3385800" cy="2075040"/>
+          </a:xfrm>
+          <a:prstGeom prst="rect">
+            <a:avLst/>
+          </a:prstGeom>
+        </p:spPr>
+        <p:txBody>
+          <a:bodyPr lIns="0" rIns="0" tIns="0" bIns="0">
+            <a:normAutofit/>
+          </a:bodyPr>
+          <a:p>
+            <a:endParaRPr b="0" lang="pt-BR" sz="2800" spc="-1" strike="noStrike">
+              <a:solidFill>
+                <a:srgbClr val="000000"/>
+              </a:solidFill>
+              <a:latin typeface="Calibri"/>
+            </a:endParaRPr>
+          </a:p>
+        </p:txBody>
+      </p:sp>
+      <p:sp>
+        <p:nvSpPr>
+          <p:cNvPr id="38" name="PlaceHolder 5"/>
+          <p:cNvSpPr>
+            <a:spLocks noGrp="1"/>
+          </p:cNvSpPr>
+          <p:nvPr>
+            <p:ph type="body"/>
+          </p:nvPr>
+        </p:nvSpPr>
+        <p:spPr>
+          <a:xfrm>
+            <a:off x="838080" y="4098240"/>
+            <a:ext cx="3385800" cy="2075040"/>
+          </a:xfrm>
+          <a:prstGeom prst="rect">
+            <a:avLst/>
+          </a:prstGeom>
+        </p:spPr>
+        <p:txBody>
+          <a:bodyPr lIns="0" rIns="0" tIns="0" bIns="0">
+            <a:normAutofit/>
+          </a:bodyPr>
+          <a:p>
+            <a:endParaRPr b="0" lang="pt-BR" sz="2800" spc="-1" strike="noStrike">
+              <a:solidFill>
+                <a:srgbClr val="000000"/>
+              </a:solidFill>
+              <a:latin typeface="Calibri"/>
+            </a:endParaRPr>
+          </a:p>
+        </p:txBody>
+      </p:sp>
+      <p:sp>
+        <p:nvSpPr>
+          <p:cNvPr id="39" name="PlaceHolder 6"/>
+          <p:cNvSpPr>
+            <a:spLocks noGrp="1"/>
+          </p:cNvSpPr>
+          <p:nvPr>
+            <p:ph type="body"/>
+          </p:nvPr>
+        </p:nvSpPr>
+        <p:spPr>
+          <a:xfrm>
+            <a:off x="4393440" y="4098240"/>
+            <a:ext cx="3385800" cy="2075040"/>
+          </a:xfrm>
+          <a:prstGeom prst="rect">
+            <a:avLst/>
+          </a:prstGeom>
+        </p:spPr>
+        <p:txBody>
+          <a:bodyPr lIns="0" rIns="0" tIns="0" bIns="0">
+            <a:normAutofit/>
+          </a:bodyPr>
+          <a:p>
+            <a:endParaRPr b="0" lang="pt-BR" sz="2800" spc="-1" strike="noStrike">
+              <a:solidFill>
+                <a:srgbClr val="000000"/>
+              </a:solidFill>
+              <a:latin typeface="Calibri"/>
+            </a:endParaRPr>
+          </a:p>
+        </p:txBody>
+      </p:sp>
+      <p:sp>
+        <p:nvSpPr>
+          <p:cNvPr id="40" name="PlaceHolder 7"/>
+          <p:cNvSpPr>
+            <a:spLocks noGrp="1"/>
+          </p:cNvSpPr>
+          <p:nvPr>
+            <p:ph type="body"/>
+          </p:nvPr>
+        </p:nvSpPr>
+        <p:spPr>
+          <a:xfrm>
+            <a:off x="7949160" y="4098240"/>
+            <a:ext cx="3385800" cy="2075040"/>
+          </a:xfrm>
+          <a:prstGeom prst="rect">
+            <a:avLst/>
+          </a:prstGeom>
+        </p:spPr>
+        <p:txBody>
+          <a:bodyPr lIns="0" rIns="0" tIns="0" bIns="0">
+            <a:normAutofit/>
+          </a:bodyPr>
+          <a:p>
+            <a:endParaRPr b="0" lang="pt-BR" sz="2800" spc="-1" strike="noStrike">
+              <a:solidFill>
+                <a:srgbClr val="000000"/>
+              </a:solidFill>
+              <a:latin typeface="Calibri"/>
+            </a:endParaRPr>
+          </a:p>
+        </p:txBody>
+      </p:sp>
+    </p:spTree>
+  </p:cSld>
+</p:sldLayout>
+</file>
+
+<file path=ppt/slideLayouts/slideLayout13.xml><?xml version="1.0" encoding="utf-8"?>
+<p:sldLayout xmlns:a="http://schemas.openxmlformats.org/drawingml/2006/main" xmlns:p="http://schemas.openxmlformats.org/presentationml/2006/main" xmlns:r="http://schemas.openxmlformats.org/officeDocument/2006/relationships" xmlns:p14="http://schemas.microsoft.com/office/powerpoint/2010/main" xmlns:p15="http://schemas.microsoft.com/office/powerpoint/2012/main" xmlns:mc="http://schemas.openxmlformats.org/markup-compatibility/2006" type="blank" preserve="1">
+  <p:cSld name="Blank Slide">
+    <p:spTree>
+      <p:nvGrpSpPr>
+        <p:cNvPr id="1" name=""/>
+        <p:cNvGrpSpPr/>
+        <p:nvPr/>
+      </p:nvGrpSpPr>
+      <p:grpSpPr>
+        <a:xfrm>
+          <a:off x="0" y="0"/>
+          <a:ext cx="0" cy="0"/>
+          <a:chOff x="0" y="0"/>
+          <a:chExt cx="0" cy="0"/>
+        </a:xfrm>
+      </p:grpSpPr>
+    </p:spTree>
+  </p:cSld>
+</p:sldLayout>
+</file>
+
+<file path=ppt/slideLayouts/slideLayout14.xml><?xml version="1.0" encoding="utf-8"?>
+<p:sldLayout xmlns:a="http://schemas.openxmlformats.org/drawingml/2006/main" xmlns:p="http://schemas.openxmlformats.org/presentationml/2006/main" xmlns:r="http://schemas.openxmlformats.org/officeDocument/2006/relationships" xmlns:p14="http://schemas.microsoft.com/office/powerpoint/2010/main" xmlns:p15="http://schemas.microsoft.com/office/powerpoint/2012/main" xmlns:mc="http://schemas.openxmlformats.org/markup-compatibility/2006" type="tx" preserve="1">
+  <p:cSld name="Title Slide">
+    <p:spTree>
+      <p:nvGrpSpPr>
+        <p:cNvPr id="1" name=""/>
+        <p:cNvGrpSpPr/>
+        <p:nvPr/>
+      </p:nvGrpSpPr>
+      <p:grpSpPr>
+        <a:xfrm>
+          <a:off x="0" y="0"/>
+          <a:ext cx="0" cy="0"/>
+          <a:chOff x="0" y="0"/>
+          <a:chExt cx="0" cy="0"/>
+        </a:xfrm>
+      </p:grpSpPr>
+      <p:sp>
+        <p:nvSpPr>
+          <p:cNvPr id="46" name="PlaceHolder 1"/>
+          <p:cNvSpPr>
+            <a:spLocks noGrp="1"/>
+          </p:cNvSpPr>
+          <p:nvPr>
+            <p:ph type="title"/>
+          </p:nvPr>
+        </p:nvSpPr>
+        <p:spPr>
+          <a:xfrm>
+            <a:off x="838080" y="365040"/>
+            <a:ext cx="10515240" cy="1325160"/>
+          </a:xfrm>
+          <a:prstGeom prst="rect">
+            <a:avLst/>
+          </a:prstGeom>
+        </p:spPr>
+        <p:txBody>
+          <a:bodyPr lIns="0" rIns="0" tIns="0" bIns="0" anchor="ctr">
+            <a:noAutofit/>
+          </a:bodyPr>
+          <a:p>
+            <a:endParaRPr b="0" lang="pt-BR" sz="1800" spc="-1" strike="noStrike">
+              <a:solidFill>
+                <a:srgbClr val="000000"/>
+              </a:solidFill>
+              <a:latin typeface="Calibri"/>
+            </a:endParaRPr>
+          </a:p>
+        </p:txBody>
+      </p:sp>
+      <p:sp>
+        <p:nvSpPr>
+          <p:cNvPr id="47" name="PlaceHolder 2"/>
+          <p:cNvSpPr>
+            <a:spLocks noGrp="1"/>
+          </p:cNvSpPr>
+          <p:nvPr>
+            <p:ph type="subTitle"/>
+          </p:nvPr>
+        </p:nvSpPr>
+        <p:spPr>
+          <a:xfrm>
+            <a:off x="838080" y="1825560"/>
+            <a:ext cx="10515240" cy="4350960"/>
+          </a:xfrm>
+          <a:prstGeom prst="rect">
+            <a:avLst/>
+          </a:prstGeom>
+        </p:spPr>
+        <p:txBody>
+          <a:bodyPr lIns="0" rIns="0" tIns="0" bIns="0" anchor="ctr">
+            <a:noAutofit/>
+          </a:bodyPr>
+          <a:p>
+            <a:pPr algn="ctr"/>
             <a:endParaRPr b="0" lang="pt-BR" sz="3200" spc="-1" strike="noStrike">
               <a:latin typeface="Arial"/>
             </a:endParaRPr>
           </a:p>
         </p:txBody>
       </p:sp>
-      <p:sp>
-        <p:nvSpPr>
-          <p:cNvPr id="33" name="PlaceHolder 3"/>
+    </p:spTree>
+  </p:cSld>
+</p:sldLayout>
+</file>
+
+<file path=ppt/slideLayouts/slideLayout15.xml><?xml version="1.0" encoding="utf-8"?>
+<p:sldLayout xmlns:a="http://schemas.openxmlformats.org/drawingml/2006/main" xmlns:p="http://schemas.openxmlformats.org/presentationml/2006/main" xmlns:r="http://schemas.openxmlformats.org/officeDocument/2006/relationships" xmlns:p14="http://schemas.microsoft.com/office/powerpoint/2010/main" xmlns:p15="http://schemas.microsoft.com/office/powerpoint/2012/main" xmlns:mc="http://schemas.openxmlformats.org/markup-compatibility/2006" type="obj" preserve="1">
+  <p:cSld name="Title, Content">
+    <p:spTree>
+      <p:nvGrpSpPr>
+        <p:cNvPr id="1" name=""/>
+        <p:cNvGrpSpPr/>
+        <p:nvPr/>
+      </p:nvGrpSpPr>
+      <p:grpSpPr>
+        <a:xfrm>
+          <a:off x="0" y="0"/>
+          <a:ext cx="0" cy="0"/>
+          <a:chOff x="0" y="0"/>
+          <a:chExt cx="0" cy="0"/>
+        </a:xfrm>
+      </p:grpSpPr>
+      <p:sp>
+        <p:nvSpPr>
+          <p:cNvPr id="48" name="PlaceHolder 1"/>
+          <p:cNvSpPr>
+            <a:spLocks noGrp="1"/>
+          </p:cNvSpPr>
+          <p:nvPr>
+            <p:ph type="title"/>
+          </p:nvPr>
+        </p:nvSpPr>
+        <p:spPr>
+          <a:xfrm>
+            <a:off x="838080" y="365040"/>
+            <a:ext cx="10515240" cy="1325160"/>
+          </a:xfrm>
+          <a:prstGeom prst="rect">
+            <a:avLst/>
+          </a:prstGeom>
+        </p:spPr>
+        <p:txBody>
+          <a:bodyPr lIns="0" rIns="0" tIns="0" bIns="0" anchor="ctr">
+            <a:noAutofit/>
+          </a:bodyPr>
+          <a:p>
+            <a:endParaRPr b="0" lang="pt-BR" sz="1800" spc="-1" strike="noStrike">
+              <a:solidFill>
+                <a:srgbClr val="000000"/>
+              </a:solidFill>
+              <a:latin typeface="Calibri"/>
+            </a:endParaRPr>
+          </a:p>
+        </p:txBody>
+      </p:sp>
+      <p:sp>
+        <p:nvSpPr>
+          <p:cNvPr id="49" name="PlaceHolder 2"/>
           <p:cNvSpPr>
             <a:spLocks noGrp="1"/>
           </p:cNvSpPr>
@@ -410,8 +777,8 @@
         </p:nvSpPr>
         <p:spPr>
           <a:xfrm>
-            <a:off x="3571560" y="1326600"/>
-            <a:ext cx="2921040" cy="1568520"/>
+            <a:off x="838080" y="1825560"/>
+            <a:ext cx="10515240" cy="4350960"/>
           </a:xfrm>
           <a:prstGeom prst="rect">
             <a:avLst/>
@@ -422,15 +789,302 @@
             <a:normAutofit/>
           </a:bodyPr>
           <a:p>
+            <a:endParaRPr b="0" lang="pt-BR" sz="2800" spc="-1" strike="noStrike">
+              <a:solidFill>
+                <a:srgbClr val="000000"/>
+              </a:solidFill>
+              <a:latin typeface="Calibri"/>
+            </a:endParaRPr>
+          </a:p>
+        </p:txBody>
+      </p:sp>
+    </p:spTree>
+  </p:cSld>
+</p:sldLayout>
+</file>
+
+<file path=ppt/slideLayouts/slideLayout16.xml><?xml version="1.0" encoding="utf-8"?>
+<p:sldLayout xmlns:a="http://schemas.openxmlformats.org/drawingml/2006/main" xmlns:p="http://schemas.openxmlformats.org/presentationml/2006/main" xmlns:r="http://schemas.openxmlformats.org/officeDocument/2006/relationships" xmlns:p14="http://schemas.microsoft.com/office/powerpoint/2010/main" xmlns:p15="http://schemas.microsoft.com/office/powerpoint/2012/main" xmlns:mc="http://schemas.openxmlformats.org/markup-compatibility/2006" type="twoObj" preserve="1">
+  <p:cSld name="Title, 2 Content">
+    <p:spTree>
+      <p:nvGrpSpPr>
+        <p:cNvPr id="1" name=""/>
+        <p:cNvGrpSpPr/>
+        <p:nvPr/>
+      </p:nvGrpSpPr>
+      <p:grpSpPr>
+        <a:xfrm>
+          <a:off x="0" y="0"/>
+          <a:ext cx="0" cy="0"/>
+          <a:chOff x="0" y="0"/>
+          <a:chExt cx="0" cy="0"/>
+        </a:xfrm>
+      </p:grpSpPr>
+      <p:sp>
+        <p:nvSpPr>
+          <p:cNvPr id="50" name="PlaceHolder 1"/>
+          <p:cNvSpPr>
+            <a:spLocks noGrp="1"/>
+          </p:cNvSpPr>
+          <p:nvPr>
+            <p:ph type="title"/>
+          </p:nvPr>
+        </p:nvSpPr>
+        <p:spPr>
+          <a:xfrm>
+            <a:off x="838080" y="365040"/>
+            <a:ext cx="10515240" cy="1325160"/>
+          </a:xfrm>
+          <a:prstGeom prst="rect">
+            <a:avLst/>
+          </a:prstGeom>
+        </p:spPr>
+        <p:txBody>
+          <a:bodyPr lIns="0" rIns="0" tIns="0" bIns="0" anchor="ctr">
+            <a:noAutofit/>
+          </a:bodyPr>
+          <a:p>
+            <a:endParaRPr b="0" lang="pt-BR" sz="1800" spc="-1" strike="noStrike">
+              <a:solidFill>
+                <a:srgbClr val="000000"/>
+              </a:solidFill>
+              <a:latin typeface="Calibri"/>
+            </a:endParaRPr>
+          </a:p>
+        </p:txBody>
+      </p:sp>
+      <p:sp>
+        <p:nvSpPr>
+          <p:cNvPr id="51" name="PlaceHolder 2"/>
+          <p:cNvSpPr>
+            <a:spLocks noGrp="1"/>
+          </p:cNvSpPr>
+          <p:nvPr>
+            <p:ph type="body"/>
+          </p:nvPr>
+        </p:nvSpPr>
+        <p:spPr>
+          <a:xfrm>
+            <a:off x="838080" y="1825560"/>
+            <a:ext cx="5131080" cy="4350960"/>
+          </a:xfrm>
+          <a:prstGeom prst="rect">
+            <a:avLst/>
+          </a:prstGeom>
+        </p:spPr>
+        <p:txBody>
+          <a:bodyPr lIns="0" rIns="0" tIns="0" bIns="0">
+            <a:normAutofit/>
+          </a:bodyPr>
+          <a:p>
+            <a:endParaRPr b="0" lang="pt-BR" sz="2800" spc="-1" strike="noStrike">
+              <a:solidFill>
+                <a:srgbClr val="000000"/>
+              </a:solidFill>
+              <a:latin typeface="Calibri"/>
+            </a:endParaRPr>
+          </a:p>
+        </p:txBody>
+      </p:sp>
+      <p:sp>
+        <p:nvSpPr>
+          <p:cNvPr id="52" name="PlaceHolder 3"/>
+          <p:cNvSpPr>
+            <a:spLocks noGrp="1"/>
+          </p:cNvSpPr>
+          <p:nvPr>
+            <p:ph type="body"/>
+          </p:nvPr>
+        </p:nvSpPr>
+        <p:spPr>
+          <a:xfrm>
+            <a:off x="6226200" y="1825560"/>
+            <a:ext cx="5131080" cy="4350960"/>
+          </a:xfrm>
+          <a:prstGeom prst="rect">
+            <a:avLst/>
+          </a:prstGeom>
+        </p:spPr>
+        <p:txBody>
+          <a:bodyPr lIns="0" rIns="0" tIns="0" bIns="0">
+            <a:normAutofit/>
+          </a:bodyPr>
+          <a:p>
+            <a:endParaRPr b="0" lang="pt-BR" sz="2800" spc="-1" strike="noStrike">
+              <a:solidFill>
+                <a:srgbClr val="000000"/>
+              </a:solidFill>
+              <a:latin typeface="Calibri"/>
+            </a:endParaRPr>
+          </a:p>
+        </p:txBody>
+      </p:sp>
+    </p:spTree>
+  </p:cSld>
+</p:sldLayout>
+</file>
+
+<file path=ppt/slideLayouts/slideLayout17.xml><?xml version="1.0" encoding="utf-8"?>
+<p:sldLayout xmlns:a="http://schemas.openxmlformats.org/drawingml/2006/main" xmlns:p="http://schemas.openxmlformats.org/presentationml/2006/main" xmlns:r="http://schemas.openxmlformats.org/officeDocument/2006/relationships" xmlns:p14="http://schemas.microsoft.com/office/powerpoint/2010/main" xmlns:p15="http://schemas.microsoft.com/office/powerpoint/2012/main" xmlns:mc="http://schemas.openxmlformats.org/markup-compatibility/2006" type="titleOnly" preserve="1">
+  <p:cSld name="Title Only">
+    <p:spTree>
+      <p:nvGrpSpPr>
+        <p:cNvPr id="1" name=""/>
+        <p:cNvGrpSpPr/>
+        <p:nvPr/>
+      </p:nvGrpSpPr>
+      <p:grpSpPr>
+        <a:xfrm>
+          <a:off x="0" y="0"/>
+          <a:ext cx="0" cy="0"/>
+          <a:chOff x="0" y="0"/>
+          <a:chExt cx="0" cy="0"/>
+        </a:xfrm>
+      </p:grpSpPr>
+      <p:sp>
+        <p:nvSpPr>
+          <p:cNvPr id="53" name="PlaceHolder 1"/>
+          <p:cNvSpPr>
+            <a:spLocks noGrp="1"/>
+          </p:cNvSpPr>
+          <p:nvPr>
+            <p:ph type="title"/>
+          </p:nvPr>
+        </p:nvSpPr>
+        <p:spPr>
+          <a:xfrm>
+            <a:off x="838080" y="365040"/>
+            <a:ext cx="10515240" cy="1325160"/>
+          </a:xfrm>
+          <a:prstGeom prst="rect">
+            <a:avLst/>
+          </a:prstGeom>
+        </p:spPr>
+        <p:txBody>
+          <a:bodyPr lIns="0" rIns="0" tIns="0" bIns="0" anchor="ctr">
+            <a:noAutofit/>
+          </a:bodyPr>
+          <a:p>
+            <a:endParaRPr b="0" lang="pt-BR" sz="1800" spc="-1" strike="noStrike">
+              <a:solidFill>
+                <a:srgbClr val="000000"/>
+              </a:solidFill>
+              <a:latin typeface="Calibri"/>
+            </a:endParaRPr>
+          </a:p>
+        </p:txBody>
+      </p:sp>
+    </p:spTree>
+  </p:cSld>
+</p:sldLayout>
+</file>
+
+<file path=ppt/slideLayouts/slideLayout18.xml><?xml version="1.0" encoding="utf-8"?>
+<p:sldLayout xmlns:a="http://schemas.openxmlformats.org/drawingml/2006/main" xmlns:p="http://schemas.openxmlformats.org/presentationml/2006/main" xmlns:r="http://schemas.openxmlformats.org/officeDocument/2006/relationships" xmlns:p14="http://schemas.microsoft.com/office/powerpoint/2010/main" xmlns:p15="http://schemas.microsoft.com/office/powerpoint/2012/main" xmlns:mc="http://schemas.openxmlformats.org/markup-compatibility/2006" type="objOnly" preserve="1">
+  <p:cSld name="Centered Text">
+    <p:spTree>
+      <p:nvGrpSpPr>
+        <p:cNvPr id="1" name=""/>
+        <p:cNvGrpSpPr/>
+        <p:nvPr/>
+      </p:nvGrpSpPr>
+      <p:grpSpPr>
+        <a:xfrm>
+          <a:off x="0" y="0"/>
+          <a:ext cx="0" cy="0"/>
+          <a:chOff x="0" y="0"/>
+          <a:chExt cx="0" cy="0"/>
+        </a:xfrm>
+      </p:grpSpPr>
+      <p:sp>
+        <p:nvSpPr>
+          <p:cNvPr id="54" name="PlaceHolder 1"/>
+          <p:cNvSpPr>
+            <a:spLocks noGrp="1"/>
+          </p:cNvSpPr>
+          <p:nvPr>
+            <p:ph type="subTitle"/>
+          </p:nvPr>
+        </p:nvSpPr>
+        <p:spPr>
+          <a:xfrm>
+            <a:off x="838080" y="365040"/>
+            <a:ext cx="10515240" cy="6144120"/>
+          </a:xfrm>
+          <a:prstGeom prst="rect">
+            <a:avLst/>
+          </a:prstGeom>
+        </p:spPr>
+        <p:txBody>
+          <a:bodyPr lIns="0" rIns="0" tIns="0" bIns="0" anchor="ctr">
+            <a:noAutofit/>
+          </a:bodyPr>
+          <a:p>
+            <a:pPr algn="ctr"/>
             <a:endParaRPr b="0" lang="pt-BR" sz="3200" spc="-1" strike="noStrike">
               <a:latin typeface="Arial"/>
             </a:endParaRPr>
           </a:p>
         </p:txBody>
       </p:sp>
-      <p:sp>
-        <p:nvSpPr>
-          <p:cNvPr id="34" name="PlaceHolder 4"/>
+    </p:spTree>
+  </p:cSld>
+</p:sldLayout>
+</file>
+
+<file path=ppt/slideLayouts/slideLayout19.xml><?xml version="1.0" encoding="utf-8"?>
+<p:sldLayout xmlns:a="http://schemas.openxmlformats.org/drawingml/2006/main" xmlns:p="http://schemas.openxmlformats.org/presentationml/2006/main" xmlns:r="http://schemas.openxmlformats.org/officeDocument/2006/relationships" xmlns:p14="http://schemas.microsoft.com/office/powerpoint/2010/main" xmlns:p15="http://schemas.microsoft.com/office/powerpoint/2012/main" xmlns:mc="http://schemas.openxmlformats.org/markup-compatibility/2006" type="twoObjAndObj" preserve="1">
+  <p:cSld name="Title, 2 Content and Content">
+    <p:spTree>
+      <p:nvGrpSpPr>
+        <p:cNvPr id="1" name=""/>
+        <p:cNvGrpSpPr/>
+        <p:nvPr/>
+      </p:nvGrpSpPr>
+      <p:grpSpPr>
+        <a:xfrm>
+          <a:off x="0" y="0"/>
+          <a:ext cx="0" cy="0"/>
+          <a:chOff x="0" y="0"/>
+          <a:chExt cx="0" cy="0"/>
+        </a:xfrm>
+      </p:grpSpPr>
+      <p:sp>
+        <p:nvSpPr>
+          <p:cNvPr id="55" name="PlaceHolder 1"/>
+          <p:cNvSpPr>
+            <a:spLocks noGrp="1"/>
+          </p:cNvSpPr>
+          <p:nvPr>
+            <p:ph type="title"/>
+          </p:nvPr>
+        </p:nvSpPr>
+        <p:spPr>
+          <a:xfrm>
+            <a:off x="838080" y="365040"/>
+            <a:ext cx="10515240" cy="1325160"/>
+          </a:xfrm>
+          <a:prstGeom prst="rect">
+            <a:avLst/>
+          </a:prstGeom>
+        </p:spPr>
+        <p:txBody>
+          <a:bodyPr lIns="0" rIns="0" tIns="0" bIns="0" anchor="ctr">
+            <a:noAutofit/>
+          </a:bodyPr>
+          <a:p>
+            <a:endParaRPr b="0" lang="pt-BR" sz="1800" spc="-1" strike="noStrike">
+              <a:solidFill>
+                <a:srgbClr val="000000"/>
+              </a:solidFill>
+              <a:latin typeface="Calibri"/>
+            </a:endParaRPr>
+          </a:p>
+        </p:txBody>
+      </p:sp>
+      <p:sp>
+        <p:nvSpPr>
+          <p:cNvPr id="56" name="PlaceHolder 2"/>
           <p:cNvSpPr>
             <a:spLocks noGrp="1"/>
           </p:cNvSpPr>
@@ -440,8 +1094,8 @@
         </p:nvSpPr>
         <p:spPr>
           <a:xfrm>
-            <a:off x="6639120" y="1326600"/>
-            <a:ext cx="2921040" cy="1568520"/>
+            <a:off x="838080" y="1825560"/>
+            <a:ext cx="5131080" cy="2075040"/>
           </a:xfrm>
           <a:prstGeom prst="rect">
             <a:avLst/>
@@ -452,15 +1106,18 @@
             <a:normAutofit/>
           </a:bodyPr>
           <a:p>
-            <a:endParaRPr b="0" lang="pt-BR" sz="3200" spc="-1" strike="noStrike">
-              <a:latin typeface="Arial"/>
-            </a:endParaRPr>
-          </a:p>
-        </p:txBody>
-      </p:sp>
-      <p:sp>
-        <p:nvSpPr>
-          <p:cNvPr id="35" name="PlaceHolder 5"/>
+            <a:endParaRPr b="0" lang="pt-BR" sz="2800" spc="-1" strike="noStrike">
+              <a:solidFill>
+                <a:srgbClr val="000000"/>
+              </a:solidFill>
+              <a:latin typeface="Calibri"/>
+            </a:endParaRPr>
+          </a:p>
+        </p:txBody>
+      </p:sp>
+      <p:sp>
+        <p:nvSpPr>
+          <p:cNvPr id="57" name="PlaceHolder 3"/>
           <p:cNvSpPr>
             <a:spLocks noGrp="1"/>
           </p:cNvSpPr>
@@ -470,8 +1127,8 @@
         </p:nvSpPr>
         <p:spPr>
           <a:xfrm>
-            <a:off x="504000" y="3044520"/>
-            <a:ext cx="2921040" cy="1568520"/>
+            <a:off x="6226200" y="1825560"/>
+            <a:ext cx="5131080" cy="4350960"/>
           </a:xfrm>
           <a:prstGeom prst="rect">
             <a:avLst/>
@@ -482,15 +1139,18 @@
             <a:normAutofit/>
           </a:bodyPr>
           <a:p>
-            <a:endParaRPr b="0" lang="pt-BR" sz="3200" spc="-1" strike="noStrike">
-              <a:latin typeface="Arial"/>
-            </a:endParaRPr>
-          </a:p>
-        </p:txBody>
-      </p:sp>
-      <p:sp>
-        <p:nvSpPr>
-          <p:cNvPr id="36" name="PlaceHolder 6"/>
+            <a:endParaRPr b="0" lang="pt-BR" sz="2800" spc="-1" strike="noStrike">
+              <a:solidFill>
+                <a:srgbClr val="000000"/>
+              </a:solidFill>
+              <a:latin typeface="Calibri"/>
+            </a:endParaRPr>
+          </a:p>
+        </p:txBody>
+      </p:sp>
+      <p:sp>
+        <p:nvSpPr>
+          <p:cNvPr id="58" name="PlaceHolder 4"/>
           <p:cNvSpPr>
             <a:spLocks noGrp="1"/>
           </p:cNvSpPr>
@@ -500,8 +1160,8 @@
         </p:nvSpPr>
         <p:spPr>
           <a:xfrm>
-            <a:off x="3571560" y="3044520"/>
-            <a:ext cx="2921040" cy="1568520"/>
+            <a:off x="838080" y="4098240"/>
+            <a:ext cx="5131080" cy="2075040"/>
           </a:xfrm>
           <a:prstGeom prst="rect">
             <a:avLst/>
@@ -512,38 +1172,11 @@
             <a:normAutofit/>
           </a:bodyPr>
           <a:p>
-            <a:endParaRPr b="0" lang="pt-BR" sz="3200" spc="-1" strike="noStrike">
-              <a:latin typeface="Arial"/>
-            </a:endParaRPr>
-          </a:p>
-        </p:txBody>
-      </p:sp>
-      <p:sp>
-        <p:nvSpPr>
-          <p:cNvPr id="37" name="PlaceHolder 7"/>
-          <p:cNvSpPr>
-            <a:spLocks noGrp="1"/>
-          </p:cNvSpPr>
-          <p:nvPr>
-            <p:ph type="body"/>
-          </p:nvPr>
-        </p:nvSpPr>
-        <p:spPr>
-          <a:xfrm>
-            <a:off x="6639120" y="3044520"/>
-            <a:ext cx="2921040" cy="1568520"/>
-          </a:xfrm>
-          <a:prstGeom prst="rect">
-            <a:avLst/>
-          </a:prstGeom>
-        </p:spPr>
-        <p:txBody>
-          <a:bodyPr lIns="0" rIns="0" tIns="0" bIns="0">
-            <a:normAutofit/>
-          </a:bodyPr>
-          <a:p>
-            <a:endParaRPr b="0" lang="pt-BR" sz="3200" spc="-1" strike="noStrike">
-              <a:latin typeface="Arial"/>
+            <a:endParaRPr b="0" lang="pt-BR" sz="2800" spc="-1" strike="noStrike">
+              <a:solidFill>
+                <a:srgbClr val="000000"/>
+              </a:solidFill>
+              <a:latin typeface="Calibri"/>
             </a:endParaRPr>
           </a:p>
         </p:txBody>
@@ -572,7 +1205,7 @@
       </p:grpSpPr>
       <p:sp>
         <p:nvSpPr>
-          <p:cNvPr id="2" name="PlaceHolder 1"/>
+          <p:cNvPr id="5" name="PlaceHolder 1"/>
           <p:cNvSpPr>
             <a:spLocks noGrp="1"/>
           </p:cNvSpPr>
@@ -582,8 +1215,8 @@
         </p:nvSpPr>
         <p:spPr>
           <a:xfrm>
-            <a:off x="504000" y="226080"/>
-            <a:ext cx="9072000" cy="946440"/>
+            <a:off x="838080" y="365040"/>
+            <a:ext cx="10515240" cy="1325160"/>
           </a:xfrm>
           <a:prstGeom prst="rect">
             <a:avLst/>
@@ -594,16 +1227,18 @@
             <a:noAutofit/>
           </a:bodyPr>
           <a:p>
-            <a:pPr algn="ctr"/>
-            <a:endParaRPr b="0" lang="pt-BR" sz="4400" spc="-1" strike="noStrike">
-              <a:latin typeface="Arial"/>
-            </a:endParaRPr>
-          </a:p>
-        </p:txBody>
-      </p:sp>
-      <p:sp>
-        <p:nvSpPr>
-          <p:cNvPr id="3" name="PlaceHolder 2"/>
+            <a:endParaRPr b="0" lang="pt-BR" sz="1800" spc="-1" strike="noStrike">
+              <a:solidFill>
+                <a:srgbClr val="000000"/>
+              </a:solidFill>
+              <a:latin typeface="Calibri"/>
+            </a:endParaRPr>
+          </a:p>
+        </p:txBody>
+      </p:sp>
+      <p:sp>
+        <p:nvSpPr>
+          <p:cNvPr id="6" name="PlaceHolder 2"/>
           <p:cNvSpPr>
             <a:spLocks noGrp="1"/>
           </p:cNvSpPr>
@@ -613,8 +1248,8 @@
         </p:nvSpPr>
         <p:spPr>
           <a:xfrm>
-            <a:off x="504000" y="1326600"/>
-            <a:ext cx="9072000" cy="3288600"/>
+            <a:off x="838080" y="1825560"/>
+            <a:ext cx="10515240" cy="4350960"/>
           </a:xfrm>
           <a:prstGeom prst="rect">
             <a:avLst/>
@@ -628,6 +1263,1247 @@
             <a:pPr algn="ctr"/>
             <a:endParaRPr b="0" lang="pt-BR" sz="3200" spc="-1" strike="noStrike">
               <a:latin typeface="Arial"/>
+            </a:endParaRPr>
+          </a:p>
+        </p:txBody>
+      </p:sp>
+    </p:spTree>
+  </p:cSld>
+</p:sldLayout>
+</file>
+
+<file path=ppt/slideLayouts/slideLayout20.xml><?xml version="1.0" encoding="utf-8"?>
+<p:sldLayout xmlns:a="http://schemas.openxmlformats.org/drawingml/2006/main" xmlns:p="http://schemas.openxmlformats.org/presentationml/2006/main" xmlns:r="http://schemas.openxmlformats.org/officeDocument/2006/relationships" xmlns:p14="http://schemas.microsoft.com/office/powerpoint/2010/main" xmlns:p15="http://schemas.microsoft.com/office/powerpoint/2012/main" xmlns:mc="http://schemas.openxmlformats.org/markup-compatibility/2006" type="objAndTwoObj" preserve="1">
+  <p:cSld name="Title Content and 2 Content">
+    <p:spTree>
+      <p:nvGrpSpPr>
+        <p:cNvPr id="1" name=""/>
+        <p:cNvGrpSpPr/>
+        <p:nvPr/>
+      </p:nvGrpSpPr>
+      <p:grpSpPr>
+        <a:xfrm>
+          <a:off x="0" y="0"/>
+          <a:ext cx="0" cy="0"/>
+          <a:chOff x="0" y="0"/>
+          <a:chExt cx="0" cy="0"/>
+        </a:xfrm>
+      </p:grpSpPr>
+      <p:sp>
+        <p:nvSpPr>
+          <p:cNvPr id="59" name="PlaceHolder 1"/>
+          <p:cNvSpPr>
+            <a:spLocks noGrp="1"/>
+          </p:cNvSpPr>
+          <p:nvPr>
+            <p:ph type="title"/>
+          </p:nvPr>
+        </p:nvSpPr>
+        <p:spPr>
+          <a:xfrm>
+            <a:off x="838080" y="365040"/>
+            <a:ext cx="10515240" cy="1325160"/>
+          </a:xfrm>
+          <a:prstGeom prst="rect">
+            <a:avLst/>
+          </a:prstGeom>
+        </p:spPr>
+        <p:txBody>
+          <a:bodyPr lIns="0" rIns="0" tIns="0" bIns="0" anchor="ctr">
+            <a:noAutofit/>
+          </a:bodyPr>
+          <a:p>
+            <a:endParaRPr b="0" lang="pt-BR" sz="1800" spc="-1" strike="noStrike">
+              <a:solidFill>
+                <a:srgbClr val="000000"/>
+              </a:solidFill>
+              <a:latin typeface="Calibri"/>
+            </a:endParaRPr>
+          </a:p>
+        </p:txBody>
+      </p:sp>
+      <p:sp>
+        <p:nvSpPr>
+          <p:cNvPr id="60" name="PlaceHolder 2"/>
+          <p:cNvSpPr>
+            <a:spLocks noGrp="1"/>
+          </p:cNvSpPr>
+          <p:nvPr>
+            <p:ph type="body"/>
+          </p:nvPr>
+        </p:nvSpPr>
+        <p:spPr>
+          <a:xfrm>
+            <a:off x="838080" y="1825560"/>
+            <a:ext cx="5131080" cy="4350960"/>
+          </a:xfrm>
+          <a:prstGeom prst="rect">
+            <a:avLst/>
+          </a:prstGeom>
+        </p:spPr>
+        <p:txBody>
+          <a:bodyPr lIns="0" rIns="0" tIns="0" bIns="0">
+            <a:normAutofit/>
+          </a:bodyPr>
+          <a:p>
+            <a:endParaRPr b="0" lang="pt-BR" sz="2800" spc="-1" strike="noStrike">
+              <a:solidFill>
+                <a:srgbClr val="000000"/>
+              </a:solidFill>
+              <a:latin typeface="Calibri"/>
+            </a:endParaRPr>
+          </a:p>
+        </p:txBody>
+      </p:sp>
+      <p:sp>
+        <p:nvSpPr>
+          <p:cNvPr id="61" name="PlaceHolder 3"/>
+          <p:cNvSpPr>
+            <a:spLocks noGrp="1"/>
+          </p:cNvSpPr>
+          <p:nvPr>
+            <p:ph type="body"/>
+          </p:nvPr>
+        </p:nvSpPr>
+        <p:spPr>
+          <a:xfrm>
+            <a:off x="6226200" y="1825560"/>
+            <a:ext cx="5131080" cy="2075040"/>
+          </a:xfrm>
+          <a:prstGeom prst="rect">
+            <a:avLst/>
+          </a:prstGeom>
+        </p:spPr>
+        <p:txBody>
+          <a:bodyPr lIns="0" rIns="0" tIns="0" bIns="0">
+            <a:normAutofit/>
+          </a:bodyPr>
+          <a:p>
+            <a:endParaRPr b="0" lang="pt-BR" sz="2800" spc="-1" strike="noStrike">
+              <a:solidFill>
+                <a:srgbClr val="000000"/>
+              </a:solidFill>
+              <a:latin typeface="Calibri"/>
+            </a:endParaRPr>
+          </a:p>
+        </p:txBody>
+      </p:sp>
+      <p:sp>
+        <p:nvSpPr>
+          <p:cNvPr id="62" name="PlaceHolder 4"/>
+          <p:cNvSpPr>
+            <a:spLocks noGrp="1"/>
+          </p:cNvSpPr>
+          <p:nvPr>
+            <p:ph type="body"/>
+          </p:nvPr>
+        </p:nvSpPr>
+        <p:spPr>
+          <a:xfrm>
+            <a:off x="6226200" y="4098240"/>
+            <a:ext cx="5131080" cy="2075040"/>
+          </a:xfrm>
+          <a:prstGeom prst="rect">
+            <a:avLst/>
+          </a:prstGeom>
+        </p:spPr>
+        <p:txBody>
+          <a:bodyPr lIns="0" rIns="0" tIns="0" bIns="0">
+            <a:normAutofit/>
+          </a:bodyPr>
+          <a:p>
+            <a:endParaRPr b="0" lang="pt-BR" sz="2800" spc="-1" strike="noStrike">
+              <a:solidFill>
+                <a:srgbClr val="000000"/>
+              </a:solidFill>
+              <a:latin typeface="Calibri"/>
+            </a:endParaRPr>
+          </a:p>
+        </p:txBody>
+      </p:sp>
+    </p:spTree>
+  </p:cSld>
+</p:sldLayout>
+</file>
+
+<file path=ppt/slideLayouts/slideLayout21.xml><?xml version="1.0" encoding="utf-8"?>
+<p:sldLayout xmlns:a="http://schemas.openxmlformats.org/drawingml/2006/main" xmlns:p="http://schemas.openxmlformats.org/presentationml/2006/main" xmlns:r="http://schemas.openxmlformats.org/officeDocument/2006/relationships" xmlns:p14="http://schemas.microsoft.com/office/powerpoint/2010/main" xmlns:p15="http://schemas.microsoft.com/office/powerpoint/2012/main" xmlns:mc="http://schemas.openxmlformats.org/markup-compatibility/2006" type="twoObjOverTx" preserve="1">
+  <p:cSld name="Title, 2 Content over Content">
+    <p:spTree>
+      <p:nvGrpSpPr>
+        <p:cNvPr id="1" name=""/>
+        <p:cNvGrpSpPr/>
+        <p:nvPr/>
+      </p:nvGrpSpPr>
+      <p:grpSpPr>
+        <a:xfrm>
+          <a:off x="0" y="0"/>
+          <a:ext cx="0" cy="0"/>
+          <a:chOff x="0" y="0"/>
+          <a:chExt cx="0" cy="0"/>
+        </a:xfrm>
+      </p:grpSpPr>
+      <p:sp>
+        <p:nvSpPr>
+          <p:cNvPr id="63" name="PlaceHolder 1"/>
+          <p:cNvSpPr>
+            <a:spLocks noGrp="1"/>
+          </p:cNvSpPr>
+          <p:nvPr>
+            <p:ph type="title"/>
+          </p:nvPr>
+        </p:nvSpPr>
+        <p:spPr>
+          <a:xfrm>
+            <a:off x="838080" y="365040"/>
+            <a:ext cx="10515240" cy="1325160"/>
+          </a:xfrm>
+          <a:prstGeom prst="rect">
+            <a:avLst/>
+          </a:prstGeom>
+        </p:spPr>
+        <p:txBody>
+          <a:bodyPr lIns="0" rIns="0" tIns="0" bIns="0" anchor="ctr">
+            <a:noAutofit/>
+          </a:bodyPr>
+          <a:p>
+            <a:endParaRPr b="0" lang="pt-BR" sz="1800" spc="-1" strike="noStrike">
+              <a:solidFill>
+                <a:srgbClr val="000000"/>
+              </a:solidFill>
+              <a:latin typeface="Calibri"/>
+            </a:endParaRPr>
+          </a:p>
+        </p:txBody>
+      </p:sp>
+      <p:sp>
+        <p:nvSpPr>
+          <p:cNvPr id="64" name="PlaceHolder 2"/>
+          <p:cNvSpPr>
+            <a:spLocks noGrp="1"/>
+          </p:cNvSpPr>
+          <p:nvPr>
+            <p:ph type="body"/>
+          </p:nvPr>
+        </p:nvSpPr>
+        <p:spPr>
+          <a:xfrm>
+            <a:off x="838080" y="1825560"/>
+            <a:ext cx="5131080" cy="2075040"/>
+          </a:xfrm>
+          <a:prstGeom prst="rect">
+            <a:avLst/>
+          </a:prstGeom>
+        </p:spPr>
+        <p:txBody>
+          <a:bodyPr lIns="0" rIns="0" tIns="0" bIns="0">
+            <a:normAutofit/>
+          </a:bodyPr>
+          <a:p>
+            <a:endParaRPr b="0" lang="pt-BR" sz="2800" spc="-1" strike="noStrike">
+              <a:solidFill>
+                <a:srgbClr val="000000"/>
+              </a:solidFill>
+              <a:latin typeface="Calibri"/>
+            </a:endParaRPr>
+          </a:p>
+        </p:txBody>
+      </p:sp>
+      <p:sp>
+        <p:nvSpPr>
+          <p:cNvPr id="65" name="PlaceHolder 3"/>
+          <p:cNvSpPr>
+            <a:spLocks noGrp="1"/>
+          </p:cNvSpPr>
+          <p:nvPr>
+            <p:ph type="body"/>
+          </p:nvPr>
+        </p:nvSpPr>
+        <p:spPr>
+          <a:xfrm>
+            <a:off x="6226200" y="1825560"/>
+            <a:ext cx="5131080" cy="2075040"/>
+          </a:xfrm>
+          <a:prstGeom prst="rect">
+            <a:avLst/>
+          </a:prstGeom>
+        </p:spPr>
+        <p:txBody>
+          <a:bodyPr lIns="0" rIns="0" tIns="0" bIns="0">
+            <a:normAutofit/>
+          </a:bodyPr>
+          <a:p>
+            <a:endParaRPr b="0" lang="pt-BR" sz="2800" spc="-1" strike="noStrike">
+              <a:solidFill>
+                <a:srgbClr val="000000"/>
+              </a:solidFill>
+              <a:latin typeface="Calibri"/>
+            </a:endParaRPr>
+          </a:p>
+        </p:txBody>
+      </p:sp>
+      <p:sp>
+        <p:nvSpPr>
+          <p:cNvPr id="66" name="PlaceHolder 4"/>
+          <p:cNvSpPr>
+            <a:spLocks noGrp="1"/>
+          </p:cNvSpPr>
+          <p:nvPr>
+            <p:ph type="body"/>
+          </p:nvPr>
+        </p:nvSpPr>
+        <p:spPr>
+          <a:xfrm>
+            <a:off x="838080" y="4098240"/>
+            <a:ext cx="10515240" cy="2075040"/>
+          </a:xfrm>
+          <a:prstGeom prst="rect">
+            <a:avLst/>
+          </a:prstGeom>
+        </p:spPr>
+        <p:txBody>
+          <a:bodyPr lIns="0" rIns="0" tIns="0" bIns="0">
+            <a:normAutofit/>
+          </a:bodyPr>
+          <a:p>
+            <a:endParaRPr b="0" lang="pt-BR" sz="2800" spc="-1" strike="noStrike">
+              <a:solidFill>
+                <a:srgbClr val="000000"/>
+              </a:solidFill>
+              <a:latin typeface="Calibri"/>
+            </a:endParaRPr>
+          </a:p>
+        </p:txBody>
+      </p:sp>
+    </p:spTree>
+  </p:cSld>
+</p:sldLayout>
+</file>
+
+<file path=ppt/slideLayouts/slideLayout22.xml><?xml version="1.0" encoding="utf-8"?>
+<p:sldLayout xmlns:a="http://schemas.openxmlformats.org/drawingml/2006/main" xmlns:p="http://schemas.openxmlformats.org/presentationml/2006/main" xmlns:r="http://schemas.openxmlformats.org/officeDocument/2006/relationships" xmlns:p14="http://schemas.microsoft.com/office/powerpoint/2010/main" xmlns:p15="http://schemas.microsoft.com/office/powerpoint/2012/main" xmlns:mc="http://schemas.openxmlformats.org/markup-compatibility/2006" type="objOverTx" preserve="1">
+  <p:cSld name="Title, Content over Content">
+    <p:spTree>
+      <p:nvGrpSpPr>
+        <p:cNvPr id="1" name=""/>
+        <p:cNvGrpSpPr/>
+        <p:nvPr/>
+      </p:nvGrpSpPr>
+      <p:grpSpPr>
+        <a:xfrm>
+          <a:off x="0" y="0"/>
+          <a:ext cx="0" cy="0"/>
+          <a:chOff x="0" y="0"/>
+          <a:chExt cx="0" cy="0"/>
+        </a:xfrm>
+      </p:grpSpPr>
+      <p:sp>
+        <p:nvSpPr>
+          <p:cNvPr id="67" name="PlaceHolder 1"/>
+          <p:cNvSpPr>
+            <a:spLocks noGrp="1"/>
+          </p:cNvSpPr>
+          <p:nvPr>
+            <p:ph type="title"/>
+          </p:nvPr>
+        </p:nvSpPr>
+        <p:spPr>
+          <a:xfrm>
+            <a:off x="838080" y="365040"/>
+            <a:ext cx="10515240" cy="1325160"/>
+          </a:xfrm>
+          <a:prstGeom prst="rect">
+            <a:avLst/>
+          </a:prstGeom>
+        </p:spPr>
+        <p:txBody>
+          <a:bodyPr lIns="0" rIns="0" tIns="0" bIns="0" anchor="ctr">
+            <a:noAutofit/>
+          </a:bodyPr>
+          <a:p>
+            <a:endParaRPr b="0" lang="pt-BR" sz="1800" spc="-1" strike="noStrike">
+              <a:solidFill>
+                <a:srgbClr val="000000"/>
+              </a:solidFill>
+              <a:latin typeface="Calibri"/>
+            </a:endParaRPr>
+          </a:p>
+        </p:txBody>
+      </p:sp>
+      <p:sp>
+        <p:nvSpPr>
+          <p:cNvPr id="68" name="PlaceHolder 2"/>
+          <p:cNvSpPr>
+            <a:spLocks noGrp="1"/>
+          </p:cNvSpPr>
+          <p:nvPr>
+            <p:ph type="body"/>
+          </p:nvPr>
+        </p:nvSpPr>
+        <p:spPr>
+          <a:xfrm>
+            <a:off x="838080" y="1825560"/>
+            <a:ext cx="10515240" cy="2075040"/>
+          </a:xfrm>
+          <a:prstGeom prst="rect">
+            <a:avLst/>
+          </a:prstGeom>
+        </p:spPr>
+        <p:txBody>
+          <a:bodyPr lIns="0" rIns="0" tIns="0" bIns="0">
+            <a:normAutofit/>
+          </a:bodyPr>
+          <a:p>
+            <a:endParaRPr b="0" lang="pt-BR" sz="2800" spc="-1" strike="noStrike">
+              <a:solidFill>
+                <a:srgbClr val="000000"/>
+              </a:solidFill>
+              <a:latin typeface="Calibri"/>
+            </a:endParaRPr>
+          </a:p>
+        </p:txBody>
+      </p:sp>
+      <p:sp>
+        <p:nvSpPr>
+          <p:cNvPr id="69" name="PlaceHolder 3"/>
+          <p:cNvSpPr>
+            <a:spLocks noGrp="1"/>
+          </p:cNvSpPr>
+          <p:nvPr>
+            <p:ph type="body"/>
+          </p:nvPr>
+        </p:nvSpPr>
+        <p:spPr>
+          <a:xfrm>
+            <a:off x="838080" y="4098240"/>
+            <a:ext cx="10515240" cy="2075040"/>
+          </a:xfrm>
+          <a:prstGeom prst="rect">
+            <a:avLst/>
+          </a:prstGeom>
+        </p:spPr>
+        <p:txBody>
+          <a:bodyPr lIns="0" rIns="0" tIns="0" bIns="0">
+            <a:normAutofit/>
+          </a:bodyPr>
+          <a:p>
+            <a:endParaRPr b="0" lang="pt-BR" sz="2800" spc="-1" strike="noStrike">
+              <a:solidFill>
+                <a:srgbClr val="000000"/>
+              </a:solidFill>
+              <a:latin typeface="Calibri"/>
+            </a:endParaRPr>
+          </a:p>
+        </p:txBody>
+      </p:sp>
+    </p:spTree>
+  </p:cSld>
+</p:sldLayout>
+</file>
+
+<file path=ppt/slideLayouts/slideLayout23.xml><?xml version="1.0" encoding="utf-8"?>
+<p:sldLayout xmlns:a="http://schemas.openxmlformats.org/drawingml/2006/main" xmlns:p="http://schemas.openxmlformats.org/presentationml/2006/main" xmlns:r="http://schemas.openxmlformats.org/officeDocument/2006/relationships" xmlns:p14="http://schemas.microsoft.com/office/powerpoint/2010/main" xmlns:p15="http://schemas.microsoft.com/office/powerpoint/2012/main" xmlns:mc="http://schemas.openxmlformats.org/markup-compatibility/2006" type="fourObj" preserve="1">
+  <p:cSld name="Title, 4 Content">
+    <p:spTree>
+      <p:nvGrpSpPr>
+        <p:cNvPr id="1" name=""/>
+        <p:cNvGrpSpPr/>
+        <p:nvPr/>
+      </p:nvGrpSpPr>
+      <p:grpSpPr>
+        <a:xfrm>
+          <a:off x="0" y="0"/>
+          <a:ext cx="0" cy="0"/>
+          <a:chOff x="0" y="0"/>
+          <a:chExt cx="0" cy="0"/>
+        </a:xfrm>
+      </p:grpSpPr>
+      <p:sp>
+        <p:nvSpPr>
+          <p:cNvPr id="70" name="PlaceHolder 1"/>
+          <p:cNvSpPr>
+            <a:spLocks noGrp="1"/>
+          </p:cNvSpPr>
+          <p:nvPr>
+            <p:ph type="title"/>
+          </p:nvPr>
+        </p:nvSpPr>
+        <p:spPr>
+          <a:xfrm>
+            <a:off x="838080" y="365040"/>
+            <a:ext cx="10515240" cy="1325160"/>
+          </a:xfrm>
+          <a:prstGeom prst="rect">
+            <a:avLst/>
+          </a:prstGeom>
+        </p:spPr>
+        <p:txBody>
+          <a:bodyPr lIns="0" rIns="0" tIns="0" bIns="0" anchor="ctr">
+            <a:noAutofit/>
+          </a:bodyPr>
+          <a:p>
+            <a:endParaRPr b="0" lang="pt-BR" sz="1800" spc="-1" strike="noStrike">
+              <a:solidFill>
+                <a:srgbClr val="000000"/>
+              </a:solidFill>
+              <a:latin typeface="Calibri"/>
+            </a:endParaRPr>
+          </a:p>
+        </p:txBody>
+      </p:sp>
+      <p:sp>
+        <p:nvSpPr>
+          <p:cNvPr id="71" name="PlaceHolder 2"/>
+          <p:cNvSpPr>
+            <a:spLocks noGrp="1"/>
+          </p:cNvSpPr>
+          <p:nvPr>
+            <p:ph type="body"/>
+          </p:nvPr>
+        </p:nvSpPr>
+        <p:spPr>
+          <a:xfrm>
+            <a:off x="838080" y="1825560"/>
+            <a:ext cx="5131080" cy="2075040"/>
+          </a:xfrm>
+          <a:prstGeom prst="rect">
+            <a:avLst/>
+          </a:prstGeom>
+        </p:spPr>
+        <p:txBody>
+          <a:bodyPr lIns="0" rIns="0" tIns="0" bIns="0">
+            <a:normAutofit/>
+          </a:bodyPr>
+          <a:p>
+            <a:endParaRPr b="0" lang="pt-BR" sz="2800" spc="-1" strike="noStrike">
+              <a:solidFill>
+                <a:srgbClr val="000000"/>
+              </a:solidFill>
+              <a:latin typeface="Calibri"/>
+            </a:endParaRPr>
+          </a:p>
+        </p:txBody>
+      </p:sp>
+      <p:sp>
+        <p:nvSpPr>
+          <p:cNvPr id="72" name="PlaceHolder 3"/>
+          <p:cNvSpPr>
+            <a:spLocks noGrp="1"/>
+          </p:cNvSpPr>
+          <p:nvPr>
+            <p:ph type="body"/>
+          </p:nvPr>
+        </p:nvSpPr>
+        <p:spPr>
+          <a:xfrm>
+            <a:off x="6226200" y="1825560"/>
+            <a:ext cx="5131080" cy="2075040"/>
+          </a:xfrm>
+          <a:prstGeom prst="rect">
+            <a:avLst/>
+          </a:prstGeom>
+        </p:spPr>
+        <p:txBody>
+          <a:bodyPr lIns="0" rIns="0" tIns="0" bIns="0">
+            <a:normAutofit/>
+          </a:bodyPr>
+          <a:p>
+            <a:endParaRPr b="0" lang="pt-BR" sz="2800" spc="-1" strike="noStrike">
+              <a:solidFill>
+                <a:srgbClr val="000000"/>
+              </a:solidFill>
+              <a:latin typeface="Calibri"/>
+            </a:endParaRPr>
+          </a:p>
+        </p:txBody>
+      </p:sp>
+      <p:sp>
+        <p:nvSpPr>
+          <p:cNvPr id="73" name="PlaceHolder 4"/>
+          <p:cNvSpPr>
+            <a:spLocks noGrp="1"/>
+          </p:cNvSpPr>
+          <p:nvPr>
+            <p:ph type="body"/>
+          </p:nvPr>
+        </p:nvSpPr>
+        <p:spPr>
+          <a:xfrm>
+            <a:off x="838080" y="4098240"/>
+            <a:ext cx="5131080" cy="2075040"/>
+          </a:xfrm>
+          <a:prstGeom prst="rect">
+            <a:avLst/>
+          </a:prstGeom>
+        </p:spPr>
+        <p:txBody>
+          <a:bodyPr lIns="0" rIns="0" tIns="0" bIns="0">
+            <a:normAutofit/>
+          </a:bodyPr>
+          <a:p>
+            <a:endParaRPr b="0" lang="pt-BR" sz="2800" spc="-1" strike="noStrike">
+              <a:solidFill>
+                <a:srgbClr val="000000"/>
+              </a:solidFill>
+              <a:latin typeface="Calibri"/>
+            </a:endParaRPr>
+          </a:p>
+        </p:txBody>
+      </p:sp>
+      <p:sp>
+        <p:nvSpPr>
+          <p:cNvPr id="74" name="PlaceHolder 5"/>
+          <p:cNvSpPr>
+            <a:spLocks noGrp="1"/>
+          </p:cNvSpPr>
+          <p:nvPr>
+            <p:ph type="body"/>
+          </p:nvPr>
+        </p:nvSpPr>
+        <p:spPr>
+          <a:xfrm>
+            <a:off x="6226200" y="4098240"/>
+            <a:ext cx="5131080" cy="2075040"/>
+          </a:xfrm>
+          <a:prstGeom prst="rect">
+            <a:avLst/>
+          </a:prstGeom>
+        </p:spPr>
+        <p:txBody>
+          <a:bodyPr lIns="0" rIns="0" tIns="0" bIns="0">
+            <a:normAutofit/>
+          </a:bodyPr>
+          <a:p>
+            <a:endParaRPr b="0" lang="pt-BR" sz="2800" spc="-1" strike="noStrike">
+              <a:solidFill>
+                <a:srgbClr val="000000"/>
+              </a:solidFill>
+              <a:latin typeface="Calibri"/>
+            </a:endParaRPr>
+          </a:p>
+        </p:txBody>
+      </p:sp>
+    </p:spTree>
+  </p:cSld>
+</p:sldLayout>
+</file>
+
+<file path=ppt/slideLayouts/slideLayout24.xml><?xml version="1.0" encoding="utf-8"?>
+<p:sldLayout xmlns:a="http://schemas.openxmlformats.org/drawingml/2006/main" xmlns:p="http://schemas.openxmlformats.org/presentationml/2006/main" xmlns:r="http://schemas.openxmlformats.org/officeDocument/2006/relationships" xmlns:p14="http://schemas.microsoft.com/office/powerpoint/2010/main" xmlns:p15="http://schemas.microsoft.com/office/powerpoint/2012/main" xmlns:mc="http://schemas.openxmlformats.org/markup-compatibility/2006" type="blank" preserve="1">
+  <p:cSld name="Title, 6 Content">
+    <p:spTree>
+      <p:nvGrpSpPr>
+        <p:cNvPr id="1" name=""/>
+        <p:cNvGrpSpPr/>
+        <p:nvPr/>
+      </p:nvGrpSpPr>
+      <p:grpSpPr>
+        <a:xfrm>
+          <a:off x="0" y="0"/>
+          <a:ext cx="0" cy="0"/>
+          <a:chOff x="0" y="0"/>
+          <a:chExt cx="0" cy="0"/>
+        </a:xfrm>
+      </p:grpSpPr>
+      <p:sp>
+        <p:nvSpPr>
+          <p:cNvPr id="75" name="PlaceHolder 1"/>
+          <p:cNvSpPr>
+            <a:spLocks noGrp="1"/>
+          </p:cNvSpPr>
+          <p:nvPr>
+            <p:ph type="title"/>
+          </p:nvPr>
+        </p:nvSpPr>
+        <p:spPr>
+          <a:xfrm>
+            <a:off x="838080" y="365040"/>
+            <a:ext cx="10515240" cy="1325160"/>
+          </a:xfrm>
+          <a:prstGeom prst="rect">
+            <a:avLst/>
+          </a:prstGeom>
+        </p:spPr>
+        <p:txBody>
+          <a:bodyPr lIns="0" rIns="0" tIns="0" bIns="0" anchor="ctr">
+            <a:noAutofit/>
+          </a:bodyPr>
+          <a:p>
+            <a:endParaRPr b="0" lang="pt-BR" sz="1800" spc="-1" strike="noStrike">
+              <a:solidFill>
+                <a:srgbClr val="000000"/>
+              </a:solidFill>
+              <a:latin typeface="Calibri"/>
+            </a:endParaRPr>
+          </a:p>
+        </p:txBody>
+      </p:sp>
+      <p:sp>
+        <p:nvSpPr>
+          <p:cNvPr id="76" name="PlaceHolder 2"/>
+          <p:cNvSpPr>
+            <a:spLocks noGrp="1"/>
+          </p:cNvSpPr>
+          <p:nvPr>
+            <p:ph type="body"/>
+          </p:nvPr>
+        </p:nvSpPr>
+        <p:spPr>
+          <a:xfrm>
+            <a:off x="838080" y="1825560"/>
+            <a:ext cx="3385800" cy="2075040"/>
+          </a:xfrm>
+          <a:prstGeom prst="rect">
+            <a:avLst/>
+          </a:prstGeom>
+        </p:spPr>
+        <p:txBody>
+          <a:bodyPr lIns="0" rIns="0" tIns="0" bIns="0">
+            <a:normAutofit/>
+          </a:bodyPr>
+          <a:p>
+            <a:endParaRPr b="0" lang="pt-BR" sz="2800" spc="-1" strike="noStrike">
+              <a:solidFill>
+                <a:srgbClr val="000000"/>
+              </a:solidFill>
+              <a:latin typeface="Calibri"/>
+            </a:endParaRPr>
+          </a:p>
+        </p:txBody>
+      </p:sp>
+      <p:sp>
+        <p:nvSpPr>
+          <p:cNvPr id="77" name="PlaceHolder 3"/>
+          <p:cNvSpPr>
+            <a:spLocks noGrp="1"/>
+          </p:cNvSpPr>
+          <p:nvPr>
+            <p:ph type="body"/>
+          </p:nvPr>
+        </p:nvSpPr>
+        <p:spPr>
+          <a:xfrm>
+            <a:off x="4393440" y="1825560"/>
+            <a:ext cx="3385800" cy="2075040"/>
+          </a:xfrm>
+          <a:prstGeom prst="rect">
+            <a:avLst/>
+          </a:prstGeom>
+        </p:spPr>
+        <p:txBody>
+          <a:bodyPr lIns="0" rIns="0" tIns="0" bIns="0">
+            <a:normAutofit/>
+          </a:bodyPr>
+          <a:p>
+            <a:endParaRPr b="0" lang="pt-BR" sz="2800" spc="-1" strike="noStrike">
+              <a:solidFill>
+                <a:srgbClr val="000000"/>
+              </a:solidFill>
+              <a:latin typeface="Calibri"/>
+            </a:endParaRPr>
+          </a:p>
+        </p:txBody>
+      </p:sp>
+      <p:sp>
+        <p:nvSpPr>
+          <p:cNvPr id="78" name="PlaceHolder 4"/>
+          <p:cNvSpPr>
+            <a:spLocks noGrp="1"/>
+          </p:cNvSpPr>
+          <p:nvPr>
+            <p:ph type="body"/>
+          </p:nvPr>
+        </p:nvSpPr>
+        <p:spPr>
+          <a:xfrm>
+            <a:off x="7949160" y="1825560"/>
+            <a:ext cx="3385800" cy="2075040"/>
+          </a:xfrm>
+          <a:prstGeom prst="rect">
+            <a:avLst/>
+          </a:prstGeom>
+        </p:spPr>
+        <p:txBody>
+          <a:bodyPr lIns="0" rIns="0" tIns="0" bIns="0">
+            <a:normAutofit/>
+          </a:bodyPr>
+          <a:p>
+            <a:endParaRPr b="0" lang="pt-BR" sz="2800" spc="-1" strike="noStrike">
+              <a:solidFill>
+                <a:srgbClr val="000000"/>
+              </a:solidFill>
+              <a:latin typeface="Calibri"/>
+            </a:endParaRPr>
+          </a:p>
+        </p:txBody>
+      </p:sp>
+      <p:sp>
+        <p:nvSpPr>
+          <p:cNvPr id="79" name="PlaceHolder 5"/>
+          <p:cNvSpPr>
+            <a:spLocks noGrp="1"/>
+          </p:cNvSpPr>
+          <p:nvPr>
+            <p:ph type="body"/>
+          </p:nvPr>
+        </p:nvSpPr>
+        <p:spPr>
+          <a:xfrm>
+            <a:off x="838080" y="4098240"/>
+            <a:ext cx="3385800" cy="2075040"/>
+          </a:xfrm>
+          <a:prstGeom prst="rect">
+            <a:avLst/>
+          </a:prstGeom>
+        </p:spPr>
+        <p:txBody>
+          <a:bodyPr lIns="0" rIns="0" tIns="0" bIns="0">
+            <a:normAutofit/>
+          </a:bodyPr>
+          <a:p>
+            <a:endParaRPr b="0" lang="pt-BR" sz="2800" spc="-1" strike="noStrike">
+              <a:solidFill>
+                <a:srgbClr val="000000"/>
+              </a:solidFill>
+              <a:latin typeface="Calibri"/>
+            </a:endParaRPr>
+          </a:p>
+        </p:txBody>
+      </p:sp>
+      <p:sp>
+        <p:nvSpPr>
+          <p:cNvPr id="80" name="PlaceHolder 6"/>
+          <p:cNvSpPr>
+            <a:spLocks noGrp="1"/>
+          </p:cNvSpPr>
+          <p:nvPr>
+            <p:ph type="body"/>
+          </p:nvPr>
+        </p:nvSpPr>
+        <p:spPr>
+          <a:xfrm>
+            <a:off x="4393440" y="4098240"/>
+            <a:ext cx="3385800" cy="2075040"/>
+          </a:xfrm>
+          <a:prstGeom prst="rect">
+            <a:avLst/>
+          </a:prstGeom>
+        </p:spPr>
+        <p:txBody>
+          <a:bodyPr lIns="0" rIns="0" tIns="0" bIns="0">
+            <a:normAutofit/>
+          </a:bodyPr>
+          <a:p>
+            <a:endParaRPr b="0" lang="pt-BR" sz="2800" spc="-1" strike="noStrike">
+              <a:solidFill>
+                <a:srgbClr val="000000"/>
+              </a:solidFill>
+              <a:latin typeface="Calibri"/>
+            </a:endParaRPr>
+          </a:p>
+        </p:txBody>
+      </p:sp>
+      <p:sp>
+        <p:nvSpPr>
+          <p:cNvPr id="81" name="PlaceHolder 7"/>
+          <p:cNvSpPr>
+            <a:spLocks noGrp="1"/>
+          </p:cNvSpPr>
+          <p:nvPr>
+            <p:ph type="body"/>
+          </p:nvPr>
+        </p:nvSpPr>
+        <p:spPr>
+          <a:xfrm>
+            <a:off x="7949160" y="4098240"/>
+            <a:ext cx="3385800" cy="2075040"/>
+          </a:xfrm>
+          <a:prstGeom prst="rect">
+            <a:avLst/>
+          </a:prstGeom>
+        </p:spPr>
+        <p:txBody>
+          <a:bodyPr lIns="0" rIns="0" tIns="0" bIns="0">
+            <a:normAutofit/>
+          </a:bodyPr>
+          <a:p>
+            <a:endParaRPr b="0" lang="pt-BR" sz="2800" spc="-1" strike="noStrike">
+              <a:solidFill>
+                <a:srgbClr val="000000"/>
+              </a:solidFill>
+              <a:latin typeface="Calibri"/>
+            </a:endParaRPr>
+          </a:p>
+        </p:txBody>
+      </p:sp>
+    </p:spTree>
+  </p:cSld>
+</p:sldLayout>
+</file>
+
+<file path=ppt/slideLayouts/slideLayout25.xml><?xml version="1.0" encoding="utf-8"?>
+<p:sldLayout xmlns:a="http://schemas.openxmlformats.org/drawingml/2006/main" xmlns:p="http://schemas.openxmlformats.org/presentationml/2006/main" xmlns:r="http://schemas.openxmlformats.org/officeDocument/2006/relationships" xmlns:p14="http://schemas.microsoft.com/office/powerpoint/2010/main" xmlns:p15="http://schemas.microsoft.com/office/powerpoint/2012/main" xmlns:mc="http://schemas.openxmlformats.org/markup-compatibility/2006" type="blank" preserve="1">
+  <p:cSld name="Blank Slide">
+    <p:spTree>
+      <p:nvGrpSpPr>
+        <p:cNvPr id="1" name=""/>
+        <p:cNvGrpSpPr/>
+        <p:nvPr/>
+      </p:nvGrpSpPr>
+      <p:grpSpPr>
+        <a:xfrm>
+          <a:off x="0" y="0"/>
+          <a:ext cx="0" cy="0"/>
+          <a:chOff x="0" y="0"/>
+          <a:chExt cx="0" cy="0"/>
+        </a:xfrm>
+      </p:grpSpPr>
+    </p:spTree>
+  </p:cSld>
+</p:sldLayout>
+</file>
+
+<file path=ppt/slideLayouts/slideLayout26.xml><?xml version="1.0" encoding="utf-8"?>
+<p:sldLayout xmlns:a="http://schemas.openxmlformats.org/drawingml/2006/main" xmlns:p="http://schemas.openxmlformats.org/presentationml/2006/main" xmlns:r="http://schemas.openxmlformats.org/officeDocument/2006/relationships" xmlns:p14="http://schemas.microsoft.com/office/powerpoint/2010/main" xmlns:p15="http://schemas.microsoft.com/office/powerpoint/2012/main" xmlns:mc="http://schemas.openxmlformats.org/markup-compatibility/2006" type="tx" preserve="1">
+  <p:cSld name="Title Slide">
+    <p:spTree>
+      <p:nvGrpSpPr>
+        <p:cNvPr id="1" name=""/>
+        <p:cNvGrpSpPr/>
+        <p:nvPr/>
+      </p:nvGrpSpPr>
+      <p:grpSpPr>
+        <a:xfrm>
+          <a:off x="0" y="0"/>
+          <a:ext cx="0" cy="0"/>
+          <a:chOff x="0" y="0"/>
+          <a:chExt cx="0" cy="0"/>
+        </a:xfrm>
+      </p:grpSpPr>
+      <p:sp>
+        <p:nvSpPr>
+          <p:cNvPr id="87" name="PlaceHolder 1"/>
+          <p:cNvSpPr>
+            <a:spLocks noGrp="1"/>
+          </p:cNvSpPr>
+          <p:nvPr>
+            <p:ph type="title"/>
+          </p:nvPr>
+        </p:nvSpPr>
+        <p:spPr>
+          <a:xfrm>
+            <a:off x="838080" y="365040"/>
+            <a:ext cx="10515240" cy="1325160"/>
+          </a:xfrm>
+          <a:prstGeom prst="rect">
+            <a:avLst/>
+          </a:prstGeom>
+        </p:spPr>
+        <p:txBody>
+          <a:bodyPr lIns="0" rIns="0" tIns="0" bIns="0" anchor="ctr">
+            <a:noAutofit/>
+          </a:bodyPr>
+          <a:p>
+            <a:endParaRPr b="0" lang="pt-BR" sz="1800" spc="-1" strike="noStrike">
+              <a:solidFill>
+                <a:srgbClr val="000000"/>
+              </a:solidFill>
+              <a:latin typeface="Calibri"/>
+            </a:endParaRPr>
+          </a:p>
+        </p:txBody>
+      </p:sp>
+      <p:sp>
+        <p:nvSpPr>
+          <p:cNvPr id="88" name="PlaceHolder 2"/>
+          <p:cNvSpPr>
+            <a:spLocks noGrp="1"/>
+          </p:cNvSpPr>
+          <p:nvPr>
+            <p:ph type="subTitle"/>
+          </p:nvPr>
+        </p:nvSpPr>
+        <p:spPr>
+          <a:xfrm>
+            <a:off x="838080" y="1825560"/>
+            <a:ext cx="10515240" cy="4350960"/>
+          </a:xfrm>
+          <a:prstGeom prst="rect">
+            <a:avLst/>
+          </a:prstGeom>
+        </p:spPr>
+        <p:txBody>
+          <a:bodyPr lIns="0" rIns="0" tIns="0" bIns="0" anchor="ctr">
+            <a:noAutofit/>
+          </a:bodyPr>
+          <a:p>
+            <a:pPr algn="ctr"/>
+            <a:endParaRPr b="0" lang="pt-BR" sz="3200" spc="-1" strike="noStrike">
+              <a:latin typeface="Arial"/>
+            </a:endParaRPr>
+          </a:p>
+        </p:txBody>
+      </p:sp>
+    </p:spTree>
+  </p:cSld>
+</p:sldLayout>
+</file>
+
+<file path=ppt/slideLayouts/slideLayout27.xml><?xml version="1.0" encoding="utf-8"?>
+<p:sldLayout xmlns:a="http://schemas.openxmlformats.org/drawingml/2006/main" xmlns:p="http://schemas.openxmlformats.org/presentationml/2006/main" xmlns:r="http://schemas.openxmlformats.org/officeDocument/2006/relationships" xmlns:p14="http://schemas.microsoft.com/office/powerpoint/2010/main" xmlns:p15="http://schemas.microsoft.com/office/powerpoint/2012/main" xmlns:mc="http://schemas.openxmlformats.org/markup-compatibility/2006" type="obj" preserve="1">
+  <p:cSld name="Title, Content">
+    <p:spTree>
+      <p:nvGrpSpPr>
+        <p:cNvPr id="1" name=""/>
+        <p:cNvGrpSpPr/>
+        <p:nvPr/>
+      </p:nvGrpSpPr>
+      <p:grpSpPr>
+        <a:xfrm>
+          <a:off x="0" y="0"/>
+          <a:ext cx="0" cy="0"/>
+          <a:chOff x="0" y="0"/>
+          <a:chExt cx="0" cy="0"/>
+        </a:xfrm>
+      </p:grpSpPr>
+      <p:sp>
+        <p:nvSpPr>
+          <p:cNvPr id="89" name="PlaceHolder 1"/>
+          <p:cNvSpPr>
+            <a:spLocks noGrp="1"/>
+          </p:cNvSpPr>
+          <p:nvPr>
+            <p:ph type="title"/>
+          </p:nvPr>
+        </p:nvSpPr>
+        <p:spPr>
+          <a:xfrm>
+            <a:off x="838080" y="365040"/>
+            <a:ext cx="10515240" cy="1325160"/>
+          </a:xfrm>
+          <a:prstGeom prst="rect">
+            <a:avLst/>
+          </a:prstGeom>
+        </p:spPr>
+        <p:txBody>
+          <a:bodyPr lIns="0" rIns="0" tIns="0" bIns="0" anchor="ctr">
+            <a:noAutofit/>
+          </a:bodyPr>
+          <a:p>
+            <a:endParaRPr b="0" lang="pt-BR" sz="1800" spc="-1" strike="noStrike">
+              <a:solidFill>
+                <a:srgbClr val="000000"/>
+              </a:solidFill>
+              <a:latin typeface="Calibri"/>
+            </a:endParaRPr>
+          </a:p>
+        </p:txBody>
+      </p:sp>
+      <p:sp>
+        <p:nvSpPr>
+          <p:cNvPr id="90" name="PlaceHolder 2"/>
+          <p:cNvSpPr>
+            <a:spLocks noGrp="1"/>
+          </p:cNvSpPr>
+          <p:nvPr>
+            <p:ph type="body"/>
+          </p:nvPr>
+        </p:nvSpPr>
+        <p:spPr>
+          <a:xfrm>
+            <a:off x="838080" y="1825560"/>
+            <a:ext cx="10515240" cy="4350960"/>
+          </a:xfrm>
+          <a:prstGeom prst="rect">
+            <a:avLst/>
+          </a:prstGeom>
+        </p:spPr>
+        <p:txBody>
+          <a:bodyPr lIns="0" rIns="0" tIns="0" bIns="0">
+            <a:normAutofit/>
+          </a:bodyPr>
+          <a:p>
+            <a:endParaRPr b="0" lang="pt-BR" sz="2800" spc="-1" strike="noStrike">
+              <a:solidFill>
+                <a:srgbClr val="000000"/>
+              </a:solidFill>
+              <a:latin typeface="Calibri"/>
+            </a:endParaRPr>
+          </a:p>
+        </p:txBody>
+      </p:sp>
+    </p:spTree>
+  </p:cSld>
+</p:sldLayout>
+</file>
+
+<file path=ppt/slideLayouts/slideLayout28.xml><?xml version="1.0" encoding="utf-8"?>
+<p:sldLayout xmlns:a="http://schemas.openxmlformats.org/drawingml/2006/main" xmlns:p="http://schemas.openxmlformats.org/presentationml/2006/main" xmlns:r="http://schemas.openxmlformats.org/officeDocument/2006/relationships" xmlns:p14="http://schemas.microsoft.com/office/powerpoint/2010/main" xmlns:p15="http://schemas.microsoft.com/office/powerpoint/2012/main" xmlns:mc="http://schemas.openxmlformats.org/markup-compatibility/2006" type="twoObj" preserve="1">
+  <p:cSld name="Title, 2 Content">
+    <p:spTree>
+      <p:nvGrpSpPr>
+        <p:cNvPr id="1" name=""/>
+        <p:cNvGrpSpPr/>
+        <p:nvPr/>
+      </p:nvGrpSpPr>
+      <p:grpSpPr>
+        <a:xfrm>
+          <a:off x="0" y="0"/>
+          <a:ext cx="0" cy="0"/>
+          <a:chOff x="0" y="0"/>
+          <a:chExt cx="0" cy="0"/>
+        </a:xfrm>
+      </p:grpSpPr>
+      <p:sp>
+        <p:nvSpPr>
+          <p:cNvPr id="91" name="PlaceHolder 1"/>
+          <p:cNvSpPr>
+            <a:spLocks noGrp="1"/>
+          </p:cNvSpPr>
+          <p:nvPr>
+            <p:ph type="title"/>
+          </p:nvPr>
+        </p:nvSpPr>
+        <p:spPr>
+          <a:xfrm>
+            <a:off x="838080" y="365040"/>
+            <a:ext cx="10515240" cy="1325160"/>
+          </a:xfrm>
+          <a:prstGeom prst="rect">
+            <a:avLst/>
+          </a:prstGeom>
+        </p:spPr>
+        <p:txBody>
+          <a:bodyPr lIns="0" rIns="0" tIns="0" bIns="0" anchor="ctr">
+            <a:noAutofit/>
+          </a:bodyPr>
+          <a:p>
+            <a:endParaRPr b="0" lang="pt-BR" sz="1800" spc="-1" strike="noStrike">
+              <a:solidFill>
+                <a:srgbClr val="000000"/>
+              </a:solidFill>
+              <a:latin typeface="Calibri"/>
+            </a:endParaRPr>
+          </a:p>
+        </p:txBody>
+      </p:sp>
+      <p:sp>
+        <p:nvSpPr>
+          <p:cNvPr id="92" name="PlaceHolder 2"/>
+          <p:cNvSpPr>
+            <a:spLocks noGrp="1"/>
+          </p:cNvSpPr>
+          <p:nvPr>
+            <p:ph type="body"/>
+          </p:nvPr>
+        </p:nvSpPr>
+        <p:spPr>
+          <a:xfrm>
+            <a:off x="838080" y="1825560"/>
+            <a:ext cx="5131080" cy="4350960"/>
+          </a:xfrm>
+          <a:prstGeom prst="rect">
+            <a:avLst/>
+          </a:prstGeom>
+        </p:spPr>
+        <p:txBody>
+          <a:bodyPr lIns="0" rIns="0" tIns="0" bIns="0">
+            <a:normAutofit/>
+          </a:bodyPr>
+          <a:p>
+            <a:endParaRPr b="0" lang="pt-BR" sz="2800" spc="-1" strike="noStrike">
+              <a:solidFill>
+                <a:srgbClr val="000000"/>
+              </a:solidFill>
+              <a:latin typeface="Calibri"/>
+            </a:endParaRPr>
+          </a:p>
+        </p:txBody>
+      </p:sp>
+      <p:sp>
+        <p:nvSpPr>
+          <p:cNvPr id="93" name="PlaceHolder 3"/>
+          <p:cNvSpPr>
+            <a:spLocks noGrp="1"/>
+          </p:cNvSpPr>
+          <p:nvPr>
+            <p:ph type="body"/>
+          </p:nvPr>
+        </p:nvSpPr>
+        <p:spPr>
+          <a:xfrm>
+            <a:off x="6226200" y="1825560"/>
+            <a:ext cx="5131080" cy="4350960"/>
+          </a:xfrm>
+          <a:prstGeom prst="rect">
+            <a:avLst/>
+          </a:prstGeom>
+        </p:spPr>
+        <p:txBody>
+          <a:bodyPr lIns="0" rIns="0" tIns="0" bIns="0">
+            <a:normAutofit/>
+          </a:bodyPr>
+          <a:p>
+            <a:endParaRPr b="0" lang="pt-BR" sz="2800" spc="-1" strike="noStrike">
+              <a:solidFill>
+                <a:srgbClr val="000000"/>
+              </a:solidFill>
+              <a:latin typeface="Calibri"/>
+            </a:endParaRPr>
+          </a:p>
+        </p:txBody>
+      </p:sp>
+    </p:spTree>
+  </p:cSld>
+</p:sldLayout>
+</file>
+
+<file path=ppt/slideLayouts/slideLayout29.xml><?xml version="1.0" encoding="utf-8"?>
+<p:sldLayout xmlns:a="http://schemas.openxmlformats.org/drawingml/2006/main" xmlns:p="http://schemas.openxmlformats.org/presentationml/2006/main" xmlns:r="http://schemas.openxmlformats.org/officeDocument/2006/relationships" xmlns:p14="http://schemas.microsoft.com/office/powerpoint/2010/main" xmlns:p15="http://schemas.microsoft.com/office/powerpoint/2012/main" xmlns:mc="http://schemas.openxmlformats.org/markup-compatibility/2006" type="titleOnly" preserve="1">
+  <p:cSld name="Title Only">
+    <p:spTree>
+      <p:nvGrpSpPr>
+        <p:cNvPr id="1" name=""/>
+        <p:cNvGrpSpPr/>
+        <p:nvPr/>
+      </p:nvGrpSpPr>
+      <p:grpSpPr>
+        <a:xfrm>
+          <a:off x="0" y="0"/>
+          <a:ext cx="0" cy="0"/>
+          <a:chOff x="0" y="0"/>
+          <a:chExt cx="0" cy="0"/>
+        </a:xfrm>
+      </p:grpSpPr>
+      <p:sp>
+        <p:nvSpPr>
+          <p:cNvPr id="94" name="PlaceHolder 1"/>
+          <p:cNvSpPr>
+            <a:spLocks noGrp="1"/>
+          </p:cNvSpPr>
+          <p:nvPr>
+            <p:ph type="title"/>
+          </p:nvPr>
+        </p:nvSpPr>
+        <p:spPr>
+          <a:xfrm>
+            <a:off x="838080" y="365040"/>
+            <a:ext cx="10515240" cy="1325160"/>
+          </a:xfrm>
+          <a:prstGeom prst="rect">
+            <a:avLst/>
+          </a:prstGeom>
+        </p:spPr>
+        <p:txBody>
+          <a:bodyPr lIns="0" rIns="0" tIns="0" bIns="0" anchor="ctr">
+            <a:noAutofit/>
+          </a:bodyPr>
+          <a:p>
+            <a:endParaRPr b="0" lang="pt-BR" sz="1800" spc="-1" strike="noStrike">
+              <a:solidFill>
+                <a:srgbClr val="000000"/>
+              </a:solidFill>
+              <a:latin typeface="Calibri"/>
             </a:endParaRPr>
           </a:p>
         </p:txBody>
@@ -656,7 +2532,7 @@
       </p:grpSpPr>
       <p:sp>
         <p:nvSpPr>
-          <p:cNvPr id="4" name="PlaceHolder 1"/>
+          <p:cNvPr id="7" name="PlaceHolder 1"/>
           <p:cNvSpPr>
             <a:spLocks noGrp="1"/>
           </p:cNvSpPr>
@@ -666,8 +2542,8 @@
         </p:nvSpPr>
         <p:spPr>
           <a:xfrm>
-            <a:off x="504000" y="226080"/>
-            <a:ext cx="9072000" cy="946440"/>
+            <a:off x="838080" y="365040"/>
+            <a:ext cx="10515240" cy="1325160"/>
           </a:xfrm>
           <a:prstGeom prst="rect">
             <a:avLst/>
@@ -678,16 +2554,18 @@
             <a:noAutofit/>
           </a:bodyPr>
           <a:p>
-            <a:pPr algn="ctr"/>
-            <a:endParaRPr b="0" lang="pt-BR" sz="4400" spc="-1" strike="noStrike">
-              <a:latin typeface="Arial"/>
-            </a:endParaRPr>
-          </a:p>
-        </p:txBody>
-      </p:sp>
-      <p:sp>
-        <p:nvSpPr>
-          <p:cNvPr id="5" name="PlaceHolder 2"/>
+            <a:endParaRPr b="0" lang="pt-BR" sz="1800" spc="-1" strike="noStrike">
+              <a:solidFill>
+                <a:srgbClr val="000000"/>
+              </a:solidFill>
+              <a:latin typeface="Calibri"/>
+            </a:endParaRPr>
+          </a:p>
+        </p:txBody>
+      </p:sp>
+      <p:sp>
+        <p:nvSpPr>
+          <p:cNvPr id="8" name="PlaceHolder 2"/>
           <p:cNvSpPr>
             <a:spLocks noGrp="1"/>
           </p:cNvSpPr>
@@ -697,8 +2575,8 @@
         </p:nvSpPr>
         <p:spPr>
           <a:xfrm>
-            <a:off x="504000" y="1326600"/>
-            <a:ext cx="9072000" cy="3288600"/>
+            <a:off x="838080" y="1825560"/>
+            <a:ext cx="10515240" cy="4350960"/>
           </a:xfrm>
           <a:prstGeom prst="rect">
             <a:avLst/>
@@ -709,8 +2587,1283 @@
             <a:normAutofit/>
           </a:bodyPr>
           <a:p>
+            <a:endParaRPr b="0" lang="pt-BR" sz="2800" spc="-1" strike="noStrike">
+              <a:solidFill>
+                <a:srgbClr val="000000"/>
+              </a:solidFill>
+              <a:latin typeface="Calibri"/>
+            </a:endParaRPr>
+          </a:p>
+        </p:txBody>
+      </p:sp>
+    </p:spTree>
+  </p:cSld>
+</p:sldLayout>
+</file>
+
+<file path=ppt/slideLayouts/slideLayout30.xml><?xml version="1.0" encoding="utf-8"?>
+<p:sldLayout xmlns:a="http://schemas.openxmlformats.org/drawingml/2006/main" xmlns:p="http://schemas.openxmlformats.org/presentationml/2006/main" xmlns:r="http://schemas.openxmlformats.org/officeDocument/2006/relationships" xmlns:p14="http://schemas.microsoft.com/office/powerpoint/2010/main" xmlns:p15="http://schemas.microsoft.com/office/powerpoint/2012/main" xmlns:mc="http://schemas.openxmlformats.org/markup-compatibility/2006" type="objOnly" preserve="1">
+  <p:cSld name="Centered Text">
+    <p:spTree>
+      <p:nvGrpSpPr>
+        <p:cNvPr id="1" name=""/>
+        <p:cNvGrpSpPr/>
+        <p:nvPr/>
+      </p:nvGrpSpPr>
+      <p:grpSpPr>
+        <a:xfrm>
+          <a:off x="0" y="0"/>
+          <a:ext cx="0" cy="0"/>
+          <a:chOff x="0" y="0"/>
+          <a:chExt cx="0" cy="0"/>
+        </a:xfrm>
+      </p:grpSpPr>
+      <p:sp>
+        <p:nvSpPr>
+          <p:cNvPr id="95" name="PlaceHolder 1"/>
+          <p:cNvSpPr>
+            <a:spLocks noGrp="1"/>
+          </p:cNvSpPr>
+          <p:nvPr>
+            <p:ph type="subTitle"/>
+          </p:nvPr>
+        </p:nvSpPr>
+        <p:spPr>
+          <a:xfrm>
+            <a:off x="838080" y="365040"/>
+            <a:ext cx="10515240" cy="6144120"/>
+          </a:xfrm>
+          <a:prstGeom prst="rect">
+            <a:avLst/>
+          </a:prstGeom>
+        </p:spPr>
+        <p:txBody>
+          <a:bodyPr lIns="0" rIns="0" tIns="0" bIns="0" anchor="ctr">
+            <a:noAutofit/>
+          </a:bodyPr>
+          <a:p>
+            <a:pPr algn="ctr"/>
             <a:endParaRPr b="0" lang="pt-BR" sz="3200" spc="-1" strike="noStrike">
               <a:latin typeface="Arial"/>
+            </a:endParaRPr>
+          </a:p>
+        </p:txBody>
+      </p:sp>
+    </p:spTree>
+  </p:cSld>
+</p:sldLayout>
+</file>
+
+<file path=ppt/slideLayouts/slideLayout31.xml><?xml version="1.0" encoding="utf-8"?>
+<p:sldLayout xmlns:a="http://schemas.openxmlformats.org/drawingml/2006/main" xmlns:p="http://schemas.openxmlformats.org/presentationml/2006/main" xmlns:r="http://schemas.openxmlformats.org/officeDocument/2006/relationships" xmlns:p14="http://schemas.microsoft.com/office/powerpoint/2010/main" xmlns:p15="http://schemas.microsoft.com/office/powerpoint/2012/main" xmlns:mc="http://schemas.openxmlformats.org/markup-compatibility/2006" type="twoObjAndObj" preserve="1">
+  <p:cSld name="Title, 2 Content and Content">
+    <p:spTree>
+      <p:nvGrpSpPr>
+        <p:cNvPr id="1" name=""/>
+        <p:cNvGrpSpPr/>
+        <p:nvPr/>
+      </p:nvGrpSpPr>
+      <p:grpSpPr>
+        <a:xfrm>
+          <a:off x="0" y="0"/>
+          <a:ext cx="0" cy="0"/>
+          <a:chOff x="0" y="0"/>
+          <a:chExt cx="0" cy="0"/>
+        </a:xfrm>
+      </p:grpSpPr>
+      <p:sp>
+        <p:nvSpPr>
+          <p:cNvPr id="96" name="PlaceHolder 1"/>
+          <p:cNvSpPr>
+            <a:spLocks noGrp="1"/>
+          </p:cNvSpPr>
+          <p:nvPr>
+            <p:ph type="title"/>
+          </p:nvPr>
+        </p:nvSpPr>
+        <p:spPr>
+          <a:xfrm>
+            <a:off x="838080" y="365040"/>
+            <a:ext cx="10515240" cy="1325160"/>
+          </a:xfrm>
+          <a:prstGeom prst="rect">
+            <a:avLst/>
+          </a:prstGeom>
+        </p:spPr>
+        <p:txBody>
+          <a:bodyPr lIns="0" rIns="0" tIns="0" bIns="0" anchor="ctr">
+            <a:noAutofit/>
+          </a:bodyPr>
+          <a:p>
+            <a:endParaRPr b="0" lang="pt-BR" sz="1800" spc="-1" strike="noStrike">
+              <a:solidFill>
+                <a:srgbClr val="000000"/>
+              </a:solidFill>
+              <a:latin typeface="Calibri"/>
+            </a:endParaRPr>
+          </a:p>
+        </p:txBody>
+      </p:sp>
+      <p:sp>
+        <p:nvSpPr>
+          <p:cNvPr id="97" name="PlaceHolder 2"/>
+          <p:cNvSpPr>
+            <a:spLocks noGrp="1"/>
+          </p:cNvSpPr>
+          <p:nvPr>
+            <p:ph type="body"/>
+          </p:nvPr>
+        </p:nvSpPr>
+        <p:spPr>
+          <a:xfrm>
+            <a:off x="838080" y="1825560"/>
+            <a:ext cx="5131080" cy="2075040"/>
+          </a:xfrm>
+          <a:prstGeom prst="rect">
+            <a:avLst/>
+          </a:prstGeom>
+        </p:spPr>
+        <p:txBody>
+          <a:bodyPr lIns="0" rIns="0" tIns="0" bIns="0">
+            <a:normAutofit/>
+          </a:bodyPr>
+          <a:p>
+            <a:endParaRPr b="0" lang="pt-BR" sz="2800" spc="-1" strike="noStrike">
+              <a:solidFill>
+                <a:srgbClr val="000000"/>
+              </a:solidFill>
+              <a:latin typeface="Calibri"/>
+            </a:endParaRPr>
+          </a:p>
+        </p:txBody>
+      </p:sp>
+      <p:sp>
+        <p:nvSpPr>
+          <p:cNvPr id="98" name="PlaceHolder 3"/>
+          <p:cNvSpPr>
+            <a:spLocks noGrp="1"/>
+          </p:cNvSpPr>
+          <p:nvPr>
+            <p:ph type="body"/>
+          </p:nvPr>
+        </p:nvSpPr>
+        <p:spPr>
+          <a:xfrm>
+            <a:off x="6226200" y="1825560"/>
+            <a:ext cx="5131080" cy="4350960"/>
+          </a:xfrm>
+          <a:prstGeom prst="rect">
+            <a:avLst/>
+          </a:prstGeom>
+        </p:spPr>
+        <p:txBody>
+          <a:bodyPr lIns="0" rIns="0" tIns="0" bIns="0">
+            <a:normAutofit/>
+          </a:bodyPr>
+          <a:p>
+            <a:endParaRPr b="0" lang="pt-BR" sz="2800" spc="-1" strike="noStrike">
+              <a:solidFill>
+                <a:srgbClr val="000000"/>
+              </a:solidFill>
+              <a:latin typeface="Calibri"/>
+            </a:endParaRPr>
+          </a:p>
+        </p:txBody>
+      </p:sp>
+      <p:sp>
+        <p:nvSpPr>
+          <p:cNvPr id="99" name="PlaceHolder 4"/>
+          <p:cNvSpPr>
+            <a:spLocks noGrp="1"/>
+          </p:cNvSpPr>
+          <p:nvPr>
+            <p:ph type="body"/>
+          </p:nvPr>
+        </p:nvSpPr>
+        <p:spPr>
+          <a:xfrm>
+            <a:off x="838080" y="4098240"/>
+            <a:ext cx="5131080" cy="2075040"/>
+          </a:xfrm>
+          <a:prstGeom prst="rect">
+            <a:avLst/>
+          </a:prstGeom>
+        </p:spPr>
+        <p:txBody>
+          <a:bodyPr lIns="0" rIns="0" tIns="0" bIns="0">
+            <a:normAutofit/>
+          </a:bodyPr>
+          <a:p>
+            <a:endParaRPr b="0" lang="pt-BR" sz="2800" spc="-1" strike="noStrike">
+              <a:solidFill>
+                <a:srgbClr val="000000"/>
+              </a:solidFill>
+              <a:latin typeface="Calibri"/>
+            </a:endParaRPr>
+          </a:p>
+        </p:txBody>
+      </p:sp>
+    </p:spTree>
+  </p:cSld>
+</p:sldLayout>
+</file>
+
+<file path=ppt/slideLayouts/slideLayout32.xml><?xml version="1.0" encoding="utf-8"?>
+<p:sldLayout xmlns:a="http://schemas.openxmlformats.org/drawingml/2006/main" xmlns:p="http://schemas.openxmlformats.org/presentationml/2006/main" xmlns:r="http://schemas.openxmlformats.org/officeDocument/2006/relationships" xmlns:p14="http://schemas.microsoft.com/office/powerpoint/2010/main" xmlns:p15="http://schemas.microsoft.com/office/powerpoint/2012/main" xmlns:mc="http://schemas.openxmlformats.org/markup-compatibility/2006" type="objAndTwoObj" preserve="1">
+  <p:cSld name="Title Content and 2 Content">
+    <p:spTree>
+      <p:nvGrpSpPr>
+        <p:cNvPr id="1" name=""/>
+        <p:cNvGrpSpPr/>
+        <p:nvPr/>
+      </p:nvGrpSpPr>
+      <p:grpSpPr>
+        <a:xfrm>
+          <a:off x="0" y="0"/>
+          <a:ext cx="0" cy="0"/>
+          <a:chOff x="0" y="0"/>
+          <a:chExt cx="0" cy="0"/>
+        </a:xfrm>
+      </p:grpSpPr>
+      <p:sp>
+        <p:nvSpPr>
+          <p:cNvPr id="100" name="PlaceHolder 1"/>
+          <p:cNvSpPr>
+            <a:spLocks noGrp="1"/>
+          </p:cNvSpPr>
+          <p:nvPr>
+            <p:ph type="title"/>
+          </p:nvPr>
+        </p:nvSpPr>
+        <p:spPr>
+          <a:xfrm>
+            <a:off x="838080" y="365040"/>
+            <a:ext cx="10515240" cy="1325160"/>
+          </a:xfrm>
+          <a:prstGeom prst="rect">
+            <a:avLst/>
+          </a:prstGeom>
+        </p:spPr>
+        <p:txBody>
+          <a:bodyPr lIns="0" rIns="0" tIns="0" bIns="0" anchor="ctr">
+            <a:noAutofit/>
+          </a:bodyPr>
+          <a:p>
+            <a:endParaRPr b="0" lang="pt-BR" sz="1800" spc="-1" strike="noStrike">
+              <a:solidFill>
+                <a:srgbClr val="000000"/>
+              </a:solidFill>
+              <a:latin typeface="Calibri"/>
+            </a:endParaRPr>
+          </a:p>
+        </p:txBody>
+      </p:sp>
+      <p:sp>
+        <p:nvSpPr>
+          <p:cNvPr id="101" name="PlaceHolder 2"/>
+          <p:cNvSpPr>
+            <a:spLocks noGrp="1"/>
+          </p:cNvSpPr>
+          <p:nvPr>
+            <p:ph type="body"/>
+          </p:nvPr>
+        </p:nvSpPr>
+        <p:spPr>
+          <a:xfrm>
+            <a:off x="838080" y="1825560"/>
+            <a:ext cx="5131080" cy="4350960"/>
+          </a:xfrm>
+          <a:prstGeom prst="rect">
+            <a:avLst/>
+          </a:prstGeom>
+        </p:spPr>
+        <p:txBody>
+          <a:bodyPr lIns="0" rIns="0" tIns="0" bIns="0">
+            <a:normAutofit/>
+          </a:bodyPr>
+          <a:p>
+            <a:endParaRPr b="0" lang="pt-BR" sz="2800" spc="-1" strike="noStrike">
+              <a:solidFill>
+                <a:srgbClr val="000000"/>
+              </a:solidFill>
+              <a:latin typeface="Calibri"/>
+            </a:endParaRPr>
+          </a:p>
+        </p:txBody>
+      </p:sp>
+      <p:sp>
+        <p:nvSpPr>
+          <p:cNvPr id="102" name="PlaceHolder 3"/>
+          <p:cNvSpPr>
+            <a:spLocks noGrp="1"/>
+          </p:cNvSpPr>
+          <p:nvPr>
+            <p:ph type="body"/>
+          </p:nvPr>
+        </p:nvSpPr>
+        <p:spPr>
+          <a:xfrm>
+            <a:off x="6226200" y="1825560"/>
+            <a:ext cx="5131080" cy="2075040"/>
+          </a:xfrm>
+          <a:prstGeom prst="rect">
+            <a:avLst/>
+          </a:prstGeom>
+        </p:spPr>
+        <p:txBody>
+          <a:bodyPr lIns="0" rIns="0" tIns="0" bIns="0">
+            <a:normAutofit/>
+          </a:bodyPr>
+          <a:p>
+            <a:endParaRPr b="0" lang="pt-BR" sz="2800" spc="-1" strike="noStrike">
+              <a:solidFill>
+                <a:srgbClr val="000000"/>
+              </a:solidFill>
+              <a:latin typeface="Calibri"/>
+            </a:endParaRPr>
+          </a:p>
+        </p:txBody>
+      </p:sp>
+      <p:sp>
+        <p:nvSpPr>
+          <p:cNvPr id="103" name="PlaceHolder 4"/>
+          <p:cNvSpPr>
+            <a:spLocks noGrp="1"/>
+          </p:cNvSpPr>
+          <p:nvPr>
+            <p:ph type="body"/>
+          </p:nvPr>
+        </p:nvSpPr>
+        <p:spPr>
+          <a:xfrm>
+            <a:off x="6226200" y="4098240"/>
+            <a:ext cx="5131080" cy="2075040"/>
+          </a:xfrm>
+          <a:prstGeom prst="rect">
+            <a:avLst/>
+          </a:prstGeom>
+        </p:spPr>
+        <p:txBody>
+          <a:bodyPr lIns="0" rIns="0" tIns="0" bIns="0">
+            <a:normAutofit/>
+          </a:bodyPr>
+          <a:p>
+            <a:endParaRPr b="0" lang="pt-BR" sz="2800" spc="-1" strike="noStrike">
+              <a:solidFill>
+                <a:srgbClr val="000000"/>
+              </a:solidFill>
+              <a:latin typeface="Calibri"/>
+            </a:endParaRPr>
+          </a:p>
+        </p:txBody>
+      </p:sp>
+    </p:spTree>
+  </p:cSld>
+</p:sldLayout>
+</file>
+
+<file path=ppt/slideLayouts/slideLayout33.xml><?xml version="1.0" encoding="utf-8"?>
+<p:sldLayout xmlns:a="http://schemas.openxmlformats.org/drawingml/2006/main" xmlns:p="http://schemas.openxmlformats.org/presentationml/2006/main" xmlns:r="http://schemas.openxmlformats.org/officeDocument/2006/relationships" xmlns:p14="http://schemas.microsoft.com/office/powerpoint/2010/main" xmlns:p15="http://schemas.microsoft.com/office/powerpoint/2012/main" xmlns:mc="http://schemas.openxmlformats.org/markup-compatibility/2006" type="twoObjOverTx" preserve="1">
+  <p:cSld name="Title, 2 Content over Content">
+    <p:spTree>
+      <p:nvGrpSpPr>
+        <p:cNvPr id="1" name=""/>
+        <p:cNvGrpSpPr/>
+        <p:nvPr/>
+      </p:nvGrpSpPr>
+      <p:grpSpPr>
+        <a:xfrm>
+          <a:off x="0" y="0"/>
+          <a:ext cx="0" cy="0"/>
+          <a:chOff x="0" y="0"/>
+          <a:chExt cx="0" cy="0"/>
+        </a:xfrm>
+      </p:grpSpPr>
+      <p:sp>
+        <p:nvSpPr>
+          <p:cNvPr id="104" name="PlaceHolder 1"/>
+          <p:cNvSpPr>
+            <a:spLocks noGrp="1"/>
+          </p:cNvSpPr>
+          <p:nvPr>
+            <p:ph type="title"/>
+          </p:nvPr>
+        </p:nvSpPr>
+        <p:spPr>
+          <a:xfrm>
+            <a:off x="838080" y="365040"/>
+            <a:ext cx="10515240" cy="1325160"/>
+          </a:xfrm>
+          <a:prstGeom prst="rect">
+            <a:avLst/>
+          </a:prstGeom>
+        </p:spPr>
+        <p:txBody>
+          <a:bodyPr lIns="0" rIns="0" tIns="0" bIns="0" anchor="ctr">
+            <a:noAutofit/>
+          </a:bodyPr>
+          <a:p>
+            <a:endParaRPr b="0" lang="pt-BR" sz="1800" spc="-1" strike="noStrike">
+              <a:solidFill>
+                <a:srgbClr val="000000"/>
+              </a:solidFill>
+              <a:latin typeface="Calibri"/>
+            </a:endParaRPr>
+          </a:p>
+        </p:txBody>
+      </p:sp>
+      <p:sp>
+        <p:nvSpPr>
+          <p:cNvPr id="105" name="PlaceHolder 2"/>
+          <p:cNvSpPr>
+            <a:spLocks noGrp="1"/>
+          </p:cNvSpPr>
+          <p:nvPr>
+            <p:ph type="body"/>
+          </p:nvPr>
+        </p:nvSpPr>
+        <p:spPr>
+          <a:xfrm>
+            <a:off x="838080" y="1825560"/>
+            <a:ext cx="5131080" cy="2075040"/>
+          </a:xfrm>
+          <a:prstGeom prst="rect">
+            <a:avLst/>
+          </a:prstGeom>
+        </p:spPr>
+        <p:txBody>
+          <a:bodyPr lIns="0" rIns="0" tIns="0" bIns="0">
+            <a:normAutofit/>
+          </a:bodyPr>
+          <a:p>
+            <a:endParaRPr b="0" lang="pt-BR" sz="2800" spc="-1" strike="noStrike">
+              <a:solidFill>
+                <a:srgbClr val="000000"/>
+              </a:solidFill>
+              <a:latin typeface="Calibri"/>
+            </a:endParaRPr>
+          </a:p>
+        </p:txBody>
+      </p:sp>
+      <p:sp>
+        <p:nvSpPr>
+          <p:cNvPr id="106" name="PlaceHolder 3"/>
+          <p:cNvSpPr>
+            <a:spLocks noGrp="1"/>
+          </p:cNvSpPr>
+          <p:nvPr>
+            <p:ph type="body"/>
+          </p:nvPr>
+        </p:nvSpPr>
+        <p:spPr>
+          <a:xfrm>
+            <a:off x="6226200" y="1825560"/>
+            <a:ext cx="5131080" cy="2075040"/>
+          </a:xfrm>
+          <a:prstGeom prst="rect">
+            <a:avLst/>
+          </a:prstGeom>
+        </p:spPr>
+        <p:txBody>
+          <a:bodyPr lIns="0" rIns="0" tIns="0" bIns="0">
+            <a:normAutofit/>
+          </a:bodyPr>
+          <a:p>
+            <a:endParaRPr b="0" lang="pt-BR" sz="2800" spc="-1" strike="noStrike">
+              <a:solidFill>
+                <a:srgbClr val="000000"/>
+              </a:solidFill>
+              <a:latin typeface="Calibri"/>
+            </a:endParaRPr>
+          </a:p>
+        </p:txBody>
+      </p:sp>
+      <p:sp>
+        <p:nvSpPr>
+          <p:cNvPr id="107" name="PlaceHolder 4"/>
+          <p:cNvSpPr>
+            <a:spLocks noGrp="1"/>
+          </p:cNvSpPr>
+          <p:nvPr>
+            <p:ph type="body"/>
+          </p:nvPr>
+        </p:nvSpPr>
+        <p:spPr>
+          <a:xfrm>
+            <a:off x="838080" y="4098240"/>
+            <a:ext cx="10515240" cy="2075040"/>
+          </a:xfrm>
+          <a:prstGeom prst="rect">
+            <a:avLst/>
+          </a:prstGeom>
+        </p:spPr>
+        <p:txBody>
+          <a:bodyPr lIns="0" rIns="0" tIns="0" bIns="0">
+            <a:normAutofit/>
+          </a:bodyPr>
+          <a:p>
+            <a:endParaRPr b="0" lang="pt-BR" sz="2800" spc="-1" strike="noStrike">
+              <a:solidFill>
+                <a:srgbClr val="000000"/>
+              </a:solidFill>
+              <a:latin typeface="Calibri"/>
+            </a:endParaRPr>
+          </a:p>
+        </p:txBody>
+      </p:sp>
+    </p:spTree>
+  </p:cSld>
+</p:sldLayout>
+</file>
+
+<file path=ppt/slideLayouts/slideLayout34.xml><?xml version="1.0" encoding="utf-8"?>
+<p:sldLayout xmlns:a="http://schemas.openxmlformats.org/drawingml/2006/main" xmlns:p="http://schemas.openxmlformats.org/presentationml/2006/main" xmlns:r="http://schemas.openxmlformats.org/officeDocument/2006/relationships" xmlns:p14="http://schemas.microsoft.com/office/powerpoint/2010/main" xmlns:p15="http://schemas.microsoft.com/office/powerpoint/2012/main" xmlns:mc="http://schemas.openxmlformats.org/markup-compatibility/2006" type="objOverTx" preserve="1">
+  <p:cSld name="Title, Content over Content">
+    <p:spTree>
+      <p:nvGrpSpPr>
+        <p:cNvPr id="1" name=""/>
+        <p:cNvGrpSpPr/>
+        <p:nvPr/>
+      </p:nvGrpSpPr>
+      <p:grpSpPr>
+        <a:xfrm>
+          <a:off x="0" y="0"/>
+          <a:ext cx="0" cy="0"/>
+          <a:chOff x="0" y="0"/>
+          <a:chExt cx="0" cy="0"/>
+        </a:xfrm>
+      </p:grpSpPr>
+      <p:sp>
+        <p:nvSpPr>
+          <p:cNvPr id="108" name="PlaceHolder 1"/>
+          <p:cNvSpPr>
+            <a:spLocks noGrp="1"/>
+          </p:cNvSpPr>
+          <p:nvPr>
+            <p:ph type="title"/>
+          </p:nvPr>
+        </p:nvSpPr>
+        <p:spPr>
+          <a:xfrm>
+            <a:off x="838080" y="365040"/>
+            <a:ext cx="10515240" cy="1325160"/>
+          </a:xfrm>
+          <a:prstGeom prst="rect">
+            <a:avLst/>
+          </a:prstGeom>
+        </p:spPr>
+        <p:txBody>
+          <a:bodyPr lIns="0" rIns="0" tIns="0" bIns="0" anchor="ctr">
+            <a:noAutofit/>
+          </a:bodyPr>
+          <a:p>
+            <a:endParaRPr b="0" lang="pt-BR" sz="1800" spc="-1" strike="noStrike">
+              <a:solidFill>
+                <a:srgbClr val="000000"/>
+              </a:solidFill>
+              <a:latin typeface="Calibri"/>
+            </a:endParaRPr>
+          </a:p>
+        </p:txBody>
+      </p:sp>
+      <p:sp>
+        <p:nvSpPr>
+          <p:cNvPr id="109" name="PlaceHolder 2"/>
+          <p:cNvSpPr>
+            <a:spLocks noGrp="1"/>
+          </p:cNvSpPr>
+          <p:nvPr>
+            <p:ph type="body"/>
+          </p:nvPr>
+        </p:nvSpPr>
+        <p:spPr>
+          <a:xfrm>
+            <a:off x="838080" y="1825560"/>
+            <a:ext cx="10515240" cy="2075040"/>
+          </a:xfrm>
+          <a:prstGeom prst="rect">
+            <a:avLst/>
+          </a:prstGeom>
+        </p:spPr>
+        <p:txBody>
+          <a:bodyPr lIns="0" rIns="0" tIns="0" bIns="0">
+            <a:normAutofit/>
+          </a:bodyPr>
+          <a:p>
+            <a:endParaRPr b="0" lang="pt-BR" sz="2800" spc="-1" strike="noStrike">
+              <a:solidFill>
+                <a:srgbClr val="000000"/>
+              </a:solidFill>
+              <a:latin typeface="Calibri"/>
+            </a:endParaRPr>
+          </a:p>
+        </p:txBody>
+      </p:sp>
+      <p:sp>
+        <p:nvSpPr>
+          <p:cNvPr id="110" name="PlaceHolder 3"/>
+          <p:cNvSpPr>
+            <a:spLocks noGrp="1"/>
+          </p:cNvSpPr>
+          <p:nvPr>
+            <p:ph type="body"/>
+          </p:nvPr>
+        </p:nvSpPr>
+        <p:spPr>
+          <a:xfrm>
+            <a:off x="838080" y="4098240"/>
+            <a:ext cx="10515240" cy="2075040"/>
+          </a:xfrm>
+          <a:prstGeom prst="rect">
+            <a:avLst/>
+          </a:prstGeom>
+        </p:spPr>
+        <p:txBody>
+          <a:bodyPr lIns="0" rIns="0" tIns="0" bIns="0">
+            <a:normAutofit/>
+          </a:bodyPr>
+          <a:p>
+            <a:endParaRPr b="0" lang="pt-BR" sz="2800" spc="-1" strike="noStrike">
+              <a:solidFill>
+                <a:srgbClr val="000000"/>
+              </a:solidFill>
+              <a:latin typeface="Calibri"/>
+            </a:endParaRPr>
+          </a:p>
+        </p:txBody>
+      </p:sp>
+    </p:spTree>
+  </p:cSld>
+</p:sldLayout>
+</file>
+
+<file path=ppt/slideLayouts/slideLayout35.xml><?xml version="1.0" encoding="utf-8"?>
+<p:sldLayout xmlns:a="http://schemas.openxmlformats.org/drawingml/2006/main" xmlns:p="http://schemas.openxmlformats.org/presentationml/2006/main" xmlns:r="http://schemas.openxmlformats.org/officeDocument/2006/relationships" xmlns:p14="http://schemas.microsoft.com/office/powerpoint/2010/main" xmlns:p15="http://schemas.microsoft.com/office/powerpoint/2012/main" xmlns:mc="http://schemas.openxmlformats.org/markup-compatibility/2006" type="fourObj" preserve="1">
+  <p:cSld name="Title, 4 Content">
+    <p:spTree>
+      <p:nvGrpSpPr>
+        <p:cNvPr id="1" name=""/>
+        <p:cNvGrpSpPr/>
+        <p:nvPr/>
+      </p:nvGrpSpPr>
+      <p:grpSpPr>
+        <a:xfrm>
+          <a:off x="0" y="0"/>
+          <a:ext cx="0" cy="0"/>
+          <a:chOff x="0" y="0"/>
+          <a:chExt cx="0" cy="0"/>
+        </a:xfrm>
+      </p:grpSpPr>
+      <p:sp>
+        <p:nvSpPr>
+          <p:cNvPr id="111" name="PlaceHolder 1"/>
+          <p:cNvSpPr>
+            <a:spLocks noGrp="1"/>
+          </p:cNvSpPr>
+          <p:nvPr>
+            <p:ph type="title"/>
+          </p:nvPr>
+        </p:nvSpPr>
+        <p:spPr>
+          <a:xfrm>
+            <a:off x="838080" y="365040"/>
+            <a:ext cx="10515240" cy="1325160"/>
+          </a:xfrm>
+          <a:prstGeom prst="rect">
+            <a:avLst/>
+          </a:prstGeom>
+        </p:spPr>
+        <p:txBody>
+          <a:bodyPr lIns="0" rIns="0" tIns="0" bIns="0" anchor="ctr">
+            <a:noAutofit/>
+          </a:bodyPr>
+          <a:p>
+            <a:endParaRPr b="0" lang="pt-BR" sz="1800" spc="-1" strike="noStrike">
+              <a:solidFill>
+                <a:srgbClr val="000000"/>
+              </a:solidFill>
+              <a:latin typeface="Calibri"/>
+            </a:endParaRPr>
+          </a:p>
+        </p:txBody>
+      </p:sp>
+      <p:sp>
+        <p:nvSpPr>
+          <p:cNvPr id="112" name="PlaceHolder 2"/>
+          <p:cNvSpPr>
+            <a:spLocks noGrp="1"/>
+          </p:cNvSpPr>
+          <p:nvPr>
+            <p:ph type="body"/>
+          </p:nvPr>
+        </p:nvSpPr>
+        <p:spPr>
+          <a:xfrm>
+            <a:off x="838080" y="1825560"/>
+            <a:ext cx="5131080" cy="2075040"/>
+          </a:xfrm>
+          <a:prstGeom prst="rect">
+            <a:avLst/>
+          </a:prstGeom>
+        </p:spPr>
+        <p:txBody>
+          <a:bodyPr lIns="0" rIns="0" tIns="0" bIns="0">
+            <a:normAutofit/>
+          </a:bodyPr>
+          <a:p>
+            <a:endParaRPr b="0" lang="pt-BR" sz="2800" spc="-1" strike="noStrike">
+              <a:solidFill>
+                <a:srgbClr val="000000"/>
+              </a:solidFill>
+              <a:latin typeface="Calibri"/>
+            </a:endParaRPr>
+          </a:p>
+        </p:txBody>
+      </p:sp>
+      <p:sp>
+        <p:nvSpPr>
+          <p:cNvPr id="113" name="PlaceHolder 3"/>
+          <p:cNvSpPr>
+            <a:spLocks noGrp="1"/>
+          </p:cNvSpPr>
+          <p:nvPr>
+            <p:ph type="body"/>
+          </p:nvPr>
+        </p:nvSpPr>
+        <p:spPr>
+          <a:xfrm>
+            <a:off x="6226200" y="1825560"/>
+            <a:ext cx="5131080" cy="2075040"/>
+          </a:xfrm>
+          <a:prstGeom prst="rect">
+            <a:avLst/>
+          </a:prstGeom>
+        </p:spPr>
+        <p:txBody>
+          <a:bodyPr lIns="0" rIns="0" tIns="0" bIns="0">
+            <a:normAutofit/>
+          </a:bodyPr>
+          <a:p>
+            <a:endParaRPr b="0" lang="pt-BR" sz="2800" spc="-1" strike="noStrike">
+              <a:solidFill>
+                <a:srgbClr val="000000"/>
+              </a:solidFill>
+              <a:latin typeface="Calibri"/>
+            </a:endParaRPr>
+          </a:p>
+        </p:txBody>
+      </p:sp>
+      <p:sp>
+        <p:nvSpPr>
+          <p:cNvPr id="114" name="PlaceHolder 4"/>
+          <p:cNvSpPr>
+            <a:spLocks noGrp="1"/>
+          </p:cNvSpPr>
+          <p:nvPr>
+            <p:ph type="body"/>
+          </p:nvPr>
+        </p:nvSpPr>
+        <p:spPr>
+          <a:xfrm>
+            <a:off x="838080" y="4098240"/>
+            <a:ext cx="5131080" cy="2075040"/>
+          </a:xfrm>
+          <a:prstGeom prst="rect">
+            <a:avLst/>
+          </a:prstGeom>
+        </p:spPr>
+        <p:txBody>
+          <a:bodyPr lIns="0" rIns="0" tIns="0" bIns="0">
+            <a:normAutofit/>
+          </a:bodyPr>
+          <a:p>
+            <a:endParaRPr b="0" lang="pt-BR" sz="2800" spc="-1" strike="noStrike">
+              <a:solidFill>
+                <a:srgbClr val="000000"/>
+              </a:solidFill>
+              <a:latin typeface="Calibri"/>
+            </a:endParaRPr>
+          </a:p>
+        </p:txBody>
+      </p:sp>
+      <p:sp>
+        <p:nvSpPr>
+          <p:cNvPr id="115" name="PlaceHolder 5"/>
+          <p:cNvSpPr>
+            <a:spLocks noGrp="1"/>
+          </p:cNvSpPr>
+          <p:nvPr>
+            <p:ph type="body"/>
+          </p:nvPr>
+        </p:nvSpPr>
+        <p:spPr>
+          <a:xfrm>
+            <a:off x="6226200" y="4098240"/>
+            <a:ext cx="5131080" cy="2075040"/>
+          </a:xfrm>
+          <a:prstGeom prst="rect">
+            <a:avLst/>
+          </a:prstGeom>
+        </p:spPr>
+        <p:txBody>
+          <a:bodyPr lIns="0" rIns="0" tIns="0" bIns="0">
+            <a:normAutofit/>
+          </a:bodyPr>
+          <a:p>
+            <a:endParaRPr b="0" lang="pt-BR" sz="2800" spc="-1" strike="noStrike">
+              <a:solidFill>
+                <a:srgbClr val="000000"/>
+              </a:solidFill>
+              <a:latin typeface="Calibri"/>
+            </a:endParaRPr>
+          </a:p>
+        </p:txBody>
+      </p:sp>
+    </p:spTree>
+  </p:cSld>
+</p:sldLayout>
+</file>
+
+<file path=ppt/slideLayouts/slideLayout36.xml><?xml version="1.0" encoding="utf-8"?>
+<p:sldLayout xmlns:a="http://schemas.openxmlformats.org/drawingml/2006/main" xmlns:p="http://schemas.openxmlformats.org/presentationml/2006/main" xmlns:r="http://schemas.openxmlformats.org/officeDocument/2006/relationships" xmlns:p14="http://schemas.microsoft.com/office/powerpoint/2010/main" xmlns:p15="http://schemas.microsoft.com/office/powerpoint/2012/main" xmlns:mc="http://schemas.openxmlformats.org/markup-compatibility/2006" type="blank" preserve="1">
+  <p:cSld name="Title, 6 Content">
+    <p:spTree>
+      <p:nvGrpSpPr>
+        <p:cNvPr id="1" name=""/>
+        <p:cNvGrpSpPr/>
+        <p:nvPr/>
+      </p:nvGrpSpPr>
+      <p:grpSpPr>
+        <a:xfrm>
+          <a:off x="0" y="0"/>
+          <a:ext cx="0" cy="0"/>
+          <a:chOff x="0" y="0"/>
+          <a:chExt cx="0" cy="0"/>
+        </a:xfrm>
+      </p:grpSpPr>
+      <p:sp>
+        <p:nvSpPr>
+          <p:cNvPr id="116" name="PlaceHolder 1"/>
+          <p:cNvSpPr>
+            <a:spLocks noGrp="1"/>
+          </p:cNvSpPr>
+          <p:nvPr>
+            <p:ph type="title"/>
+          </p:nvPr>
+        </p:nvSpPr>
+        <p:spPr>
+          <a:xfrm>
+            <a:off x="838080" y="365040"/>
+            <a:ext cx="10515240" cy="1325160"/>
+          </a:xfrm>
+          <a:prstGeom prst="rect">
+            <a:avLst/>
+          </a:prstGeom>
+        </p:spPr>
+        <p:txBody>
+          <a:bodyPr lIns="0" rIns="0" tIns="0" bIns="0" anchor="ctr">
+            <a:noAutofit/>
+          </a:bodyPr>
+          <a:p>
+            <a:endParaRPr b="0" lang="pt-BR" sz="1800" spc="-1" strike="noStrike">
+              <a:solidFill>
+                <a:srgbClr val="000000"/>
+              </a:solidFill>
+              <a:latin typeface="Calibri"/>
+            </a:endParaRPr>
+          </a:p>
+        </p:txBody>
+      </p:sp>
+      <p:sp>
+        <p:nvSpPr>
+          <p:cNvPr id="117" name="PlaceHolder 2"/>
+          <p:cNvSpPr>
+            <a:spLocks noGrp="1"/>
+          </p:cNvSpPr>
+          <p:nvPr>
+            <p:ph type="body"/>
+          </p:nvPr>
+        </p:nvSpPr>
+        <p:spPr>
+          <a:xfrm>
+            <a:off x="838080" y="1825560"/>
+            <a:ext cx="3385800" cy="2075040"/>
+          </a:xfrm>
+          <a:prstGeom prst="rect">
+            <a:avLst/>
+          </a:prstGeom>
+        </p:spPr>
+        <p:txBody>
+          <a:bodyPr lIns="0" rIns="0" tIns="0" bIns="0">
+            <a:normAutofit/>
+          </a:bodyPr>
+          <a:p>
+            <a:endParaRPr b="0" lang="pt-BR" sz="2800" spc="-1" strike="noStrike">
+              <a:solidFill>
+                <a:srgbClr val="000000"/>
+              </a:solidFill>
+              <a:latin typeface="Calibri"/>
+            </a:endParaRPr>
+          </a:p>
+        </p:txBody>
+      </p:sp>
+      <p:sp>
+        <p:nvSpPr>
+          <p:cNvPr id="118" name="PlaceHolder 3"/>
+          <p:cNvSpPr>
+            <a:spLocks noGrp="1"/>
+          </p:cNvSpPr>
+          <p:nvPr>
+            <p:ph type="body"/>
+          </p:nvPr>
+        </p:nvSpPr>
+        <p:spPr>
+          <a:xfrm>
+            <a:off x="4393440" y="1825560"/>
+            <a:ext cx="3385800" cy="2075040"/>
+          </a:xfrm>
+          <a:prstGeom prst="rect">
+            <a:avLst/>
+          </a:prstGeom>
+        </p:spPr>
+        <p:txBody>
+          <a:bodyPr lIns="0" rIns="0" tIns="0" bIns="0">
+            <a:normAutofit/>
+          </a:bodyPr>
+          <a:p>
+            <a:endParaRPr b="0" lang="pt-BR" sz="2800" spc="-1" strike="noStrike">
+              <a:solidFill>
+                <a:srgbClr val="000000"/>
+              </a:solidFill>
+              <a:latin typeface="Calibri"/>
+            </a:endParaRPr>
+          </a:p>
+        </p:txBody>
+      </p:sp>
+      <p:sp>
+        <p:nvSpPr>
+          <p:cNvPr id="119" name="PlaceHolder 4"/>
+          <p:cNvSpPr>
+            <a:spLocks noGrp="1"/>
+          </p:cNvSpPr>
+          <p:nvPr>
+            <p:ph type="body"/>
+          </p:nvPr>
+        </p:nvSpPr>
+        <p:spPr>
+          <a:xfrm>
+            <a:off x="7949160" y="1825560"/>
+            <a:ext cx="3385800" cy="2075040"/>
+          </a:xfrm>
+          <a:prstGeom prst="rect">
+            <a:avLst/>
+          </a:prstGeom>
+        </p:spPr>
+        <p:txBody>
+          <a:bodyPr lIns="0" rIns="0" tIns="0" bIns="0">
+            <a:normAutofit/>
+          </a:bodyPr>
+          <a:p>
+            <a:endParaRPr b="0" lang="pt-BR" sz="2800" spc="-1" strike="noStrike">
+              <a:solidFill>
+                <a:srgbClr val="000000"/>
+              </a:solidFill>
+              <a:latin typeface="Calibri"/>
+            </a:endParaRPr>
+          </a:p>
+        </p:txBody>
+      </p:sp>
+      <p:sp>
+        <p:nvSpPr>
+          <p:cNvPr id="120" name="PlaceHolder 5"/>
+          <p:cNvSpPr>
+            <a:spLocks noGrp="1"/>
+          </p:cNvSpPr>
+          <p:nvPr>
+            <p:ph type="body"/>
+          </p:nvPr>
+        </p:nvSpPr>
+        <p:spPr>
+          <a:xfrm>
+            <a:off x="838080" y="4098240"/>
+            <a:ext cx="3385800" cy="2075040"/>
+          </a:xfrm>
+          <a:prstGeom prst="rect">
+            <a:avLst/>
+          </a:prstGeom>
+        </p:spPr>
+        <p:txBody>
+          <a:bodyPr lIns="0" rIns="0" tIns="0" bIns="0">
+            <a:normAutofit/>
+          </a:bodyPr>
+          <a:p>
+            <a:endParaRPr b="0" lang="pt-BR" sz="2800" spc="-1" strike="noStrike">
+              <a:solidFill>
+                <a:srgbClr val="000000"/>
+              </a:solidFill>
+              <a:latin typeface="Calibri"/>
+            </a:endParaRPr>
+          </a:p>
+        </p:txBody>
+      </p:sp>
+      <p:sp>
+        <p:nvSpPr>
+          <p:cNvPr id="121" name="PlaceHolder 6"/>
+          <p:cNvSpPr>
+            <a:spLocks noGrp="1"/>
+          </p:cNvSpPr>
+          <p:nvPr>
+            <p:ph type="body"/>
+          </p:nvPr>
+        </p:nvSpPr>
+        <p:spPr>
+          <a:xfrm>
+            <a:off x="4393440" y="4098240"/>
+            <a:ext cx="3385800" cy="2075040"/>
+          </a:xfrm>
+          <a:prstGeom prst="rect">
+            <a:avLst/>
+          </a:prstGeom>
+        </p:spPr>
+        <p:txBody>
+          <a:bodyPr lIns="0" rIns="0" tIns="0" bIns="0">
+            <a:normAutofit/>
+          </a:bodyPr>
+          <a:p>
+            <a:endParaRPr b="0" lang="pt-BR" sz="2800" spc="-1" strike="noStrike">
+              <a:solidFill>
+                <a:srgbClr val="000000"/>
+              </a:solidFill>
+              <a:latin typeface="Calibri"/>
+            </a:endParaRPr>
+          </a:p>
+        </p:txBody>
+      </p:sp>
+      <p:sp>
+        <p:nvSpPr>
+          <p:cNvPr id="122" name="PlaceHolder 7"/>
+          <p:cNvSpPr>
+            <a:spLocks noGrp="1"/>
+          </p:cNvSpPr>
+          <p:nvPr>
+            <p:ph type="body"/>
+          </p:nvPr>
+        </p:nvSpPr>
+        <p:spPr>
+          <a:xfrm>
+            <a:off x="7949160" y="4098240"/>
+            <a:ext cx="3385800" cy="2075040"/>
+          </a:xfrm>
+          <a:prstGeom prst="rect">
+            <a:avLst/>
+          </a:prstGeom>
+        </p:spPr>
+        <p:txBody>
+          <a:bodyPr lIns="0" rIns="0" tIns="0" bIns="0">
+            <a:normAutofit/>
+          </a:bodyPr>
+          <a:p>
+            <a:endParaRPr b="0" lang="pt-BR" sz="2800" spc="-1" strike="noStrike">
+              <a:solidFill>
+                <a:srgbClr val="000000"/>
+              </a:solidFill>
+              <a:latin typeface="Calibri"/>
+            </a:endParaRPr>
+          </a:p>
+        </p:txBody>
+      </p:sp>
+    </p:spTree>
+  </p:cSld>
+</p:sldLayout>
+</file>
+
+<file path=ppt/slideLayouts/slideLayout37.xml><?xml version="1.0" encoding="utf-8"?>
+<p:sldLayout xmlns:a="http://schemas.openxmlformats.org/drawingml/2006/main" xmlns:p="http://schemas.openxmlformats.org/presentationml/2006/main" xmlns:r="http://schemas.openxmlformats.org/officeDocument/2006/relationships" xmlns:p14="http://schemas.microsoft.com/office/powerpoint/2010/main" xmlns:p15="http://schemas.microsoft.com/office/powerpoint/2012/main" xmlns:mc="http://schemas.openxmlformats.org/markup-compatibility/2006" type="blank" preserve="1">
+  <p:cSld name="Blank Slide">
+    <p:spTree>
+      <p:nvGrpSpPr>
+        <p:cNvPr id="1" name=""/>
+        <p:cNvGrpSpPr/>
+        <p:nvPr/>
+      </p:nvGrpSpPr>
+      <p:grpSpPr>
+        <a:xfrm>
+          <a:off x="0" y="0"/>
+          <a:ext cx="0" cy="0"/>
+          <a:chOff x="0" y="0"/>
+          <a:chExt cx="0" cy="0"/>
+        </a:xfrm>
+      </p:grpSpPr>
+    </p:spTree>
+  </p:cSld>
+</p:sldLayout>
+</file>
+
+<file path=ppt/slideLayouts/slideLayout38.xml><?xml version="1.0" encoding="utf-8"?>
+<p:sldLayout xmlns:a="http://schemas.openxmlformats.org/drawingml/2006/main" xmlns:p="http://schemas.openxmlformats.org/presentationml/2006/main" xmlns:r="http://schemas.openxmlformats.org/officeDocument/2006/relationships" xmlns:p14="http://schemas.microsoft.com/office/powerpoint/2010/main" xmlns:p15="http://schemas.microsoft.com/office/powerpoint/2012/main" xmlns:mc="http://schemas.openxmlformats.org/markup-compatibility/2006" type="tx" preserve="1">
+  <p:cSld name="Title Slide">
+    <p:spTree>
+      <p:nvGrpSpPr>
+        <p:cNvPr id="1" name=""/>
+        <p:cNvGrpSpPr/>
+        <p:nvPr/>
+      </p:nvGrpSpPr>
+      <p:grpSpPr>
+        <a:xfrm>
+          <a:off x="0" y="0"/>
+          <a:ext cx="0" cy="0"/>
+          <a:chOff x="0" y="0"/>
+          <a:chExt cx="0" cy="0"/>
+        </a:xfrm>
+      </p:grpSpPr>
+      <p:sp>
+        <p:nvSpPr>
+          <p:cNvPr id="131" name="PlaceHolder 1"/>
+          <p:cNvSpPr>
+            <a:spLocks noGrp="1"/>
+          </p:cNvSpPr>
+          <p:nvPr>
+            <p:ph type="title"/>
+          </p:nvPr>
+        </p:nvSpPr>
+        <p:spPr>
+          <a:xfrm>
+            <a:off x="838080" y="365040"/>
+            <a:ext cx="10515240" cy="1325160"/>
+          </a:xfrm>
+          <a:prstGeom prst="rect">
+            <a:avLst/>
+          </a:prstGeom>
+        </p:spPr>
+        <p:txBody>
+          <a:bodyPr lIns="0" rIns="0" tIns="0" bIns="0" anchor="ctr">
+            <a:noAutofit/>
+          </a:bodyPr>
+          <a:p>
+            <a:endParaRPr b="0" lang="pt-BR" sz="1800" spc="-1" strike="noStrike">
+              <a:solidFill>
+                <a:srgbClr val="000000"/>
+              </a:solidFill>
+              <a:latin typeface="Calibri"/>
+            </a:endParaRPr>
+          </a:p>
+        </p:txBody>
+      </p:sp>
+      <p:sp>
+        <p:nvSpPr>
+          <p:cNvPr id="132" name="PlaceHolder 2"/>
+          <p:cNvSpPr>
+            <a:spLocks noGrp="1"/>
+          </p:cNvSpPr>
+          <p:nvPr>
+            <p:ph type="subTitle"/>
+          </p:nvPr>
+        </p:nvSpPr>
+        <p:spPr>
+          <a:xfrm>
+            <a:off x="838080" y="1825560"/>
+            <a:ext cx="10515240" cy="4350960"/>
+          </a:xfrm>
+          <a:prstGeom prst="rect">
+            <a:avLst/>
+          </a:prstGeom>
+        </p:spPr>
+        <p:txBody>
+          <a:bodyPr lIns="0" rIns="0" tIns="0" bIns="0" anchor="ctr">
+            <a:noAutofit/>
+          </a:bodyPr>
+          <a:p>
+            <a:pPr algn="ctr"/>
+            <a:endParaRPr b="0" lang="pt-BR" sz="3200" spc="-1" strike="noStrike">
+              <a:latin typeface="Arial"/>
+            </a:endParaRPr>
+          </a:p>
+        </p:txBody>
+      </p:sp>
+    </p:spTree>
+  </p:cSld>
+</p:sldLayout>
+</file>
+
+<file path=ppt/slideLayouts/slideLayout39.xml><?xml version="1.0" encoding="utf-8"?>
+<p:sldLayout xmlns:a="http://schemas.openxmlformats.org/drawingml/2006/main" xmlns:p="http://schemas.openxmlformats.org/presentationml/2006/main" xmlns:r="http://schemas.openxmlformats.org/officeDocument/2006/relationships" xmlns:p14="http://schemas.microsoft.com/office/powerpoint/2010/main" xmlns:p15="http://schemas.microsoft.com/office/powerpoint/2012/main" xmlns:mc="http://schemas.openxmlformats.org/markup-compatibility/2006" type="obj" preserve="1">
+  <p:cSld name="Title, Content">
+    <p:spTree>
+      <p:nvGrpSpPr>
+        <p:cNvPr id="1" name=""/>
+        <p:cNvGrpSpPr/>
+        <p:nvPr/>
+      </p:nvGrpSpPr>
+      <p:grpSpPr>
+        <a:xfrm>
+          <a:off x="0" y="0"/>
+          <a:ext cx="0" cy="0"/>
+          <a:chOff x="0" y="0"/>
+          <a:chExt cx="0" cy="0"/>
+        </a:xfrm>
+      </p:grpSpPr>
+      <p:sp>
+        <p:nvSpPr>
+          <p:cNvPr id="133" name="PlaceHolder 1"/>
+          <p:cNvSpPr>
+            <a:spLocks noGrp="1"/>
+          </p:cNvSpPr>
+          <p:nvPr>
+            <p:ph type="title"/>
+          </p:nvPr>
+        </p:nvSpPr>
+        <p:spPr>
+          <a:xfrm>
+            <a:off x="838080" y="365040"/>
+            <a:ext cx="10515240" cy="1325160"/>
+          </a:xfrm>
+          <a:prstGeom prst="rect">
+            <a:avLst/>
+          </a:prstGeom>
+        </p:spPr>
+        <p:txBody>
+          <a:bodyPr lIns="0" rIns="0" tIns="0" bIns="0" anchor="ctr">
+            <a:noAutofit/>
+          </a:bodyPr>
+          <a:p>
+            <a:endParaRPr b="0" lang="pt-BR" sz="1800" spc="-1" strike="noStrike">
+              <a:solidFill>
+                <a:srgbClr val="000000"/>
+              </a:solidFill>
+              <a:latin typeface="Calibri"/>
+            </a:endParaRPr>
+          </a:p>
+        </p:txBody>
+      </p:sp>
+      <p:sp>
+        <p:nvSpPr>
+          <p:cNvPr id="134" name="PlaceHolder 2"/>
+          <p:cNvSpPr>
+            <a:spLocks noGrp="1"/>
+          </p:cNvSpPr>
+          <p:nvPr>
+            <p:ph type="body"/>
+          </p:nvPr>
+        </p:nvSpPr>
+        <p:spPr>
+          <a:xfrm>
+            <a:off x="838080" y="1825560"/>
+            <a:ext cx="10515240" cy="4350960"/>
+          </a:xfrm>
+          <a:prstGeom prst="rect">
+            <a:avLst/>
+          </a:prstGeom>
+        </p:spPr>
+        <p:txBody>
+          <a:bodyPr lIns="0" rIns="0" tIns="0" bIns="0">
+            <a:normAutofit/>
+          </a:bodyPr>
+          <a:p>
+            <a:endParaRPr b="0" lang="pt-BR" sz="2800" spc="-1" strike="noStrike">
+              <a:solidFill>
+                <a:srgbClr val="000000"/>
+              </a:solidFill>
+              <a:latin typeface="Calibri"/>
             </a:endParaRPr>
           </a:p>
         </p:txBody>
@@ -739,7 +3892,7 @@
       </p:grpSpPr>
       <p:sp>
         <p:nvSpPr>
-          <p:cNvPr id="6" name="PlaceHolder 1"/>
+          <p:cNvPr id="9" name="PlaceHolder 1"/>
           <p:cNvSpPr>
             <a:spLocks noGrp="1"/>
           </p:cNvSpPr>
@@ -749,8 +3902,8 @@
         </p:nvSpPr>
         <p:spPr>
           <a:xfrm>
-            <a:off x="504000" y="226080"/>
-            <a:ext cx="9072000" cy="946440"/>
+            <a:off x="838080" y="365040"/>
+            <a:ext cx="10515240" cy="1325160"/>
           </a:xfrm>
           <a:prstGeom prst="rect">
             <a:avLst/>
@@ -761,16 +3914,18 @@
             <a:noAutofit/>
           </a:bodyPr>
           <a:p>
-            <a:pPr algn="ctr"/>
-            <a:endParaRPr b="0" lang="pt-BR" sz="4400" spc="-1" strike="noStrike">
-              <a:latin typeface="Arial"/>
-            </a:endParaRPr>
-          </a:p>
-        </p:txBody>
-      </p:sp>
-      <p:sp>
-        <p:nvSpPr>
-          <p:cNvPr id="7" name="PlaceHolder 2"/>
+            <a:endParaRPr b="0" lang="pt-BR" sz="1800" spc="-1" strike="noStrike">
+              <a:solidFill>
+                <a:srgbClr val="000000"/>
+              </a:solidFill>
+              <a:latin typeface="Calibri"/>
+            </a:endParaRPr>
+          </a:p>
+        </p:txBody>
+      </p:sp>
+      <p:sp>
+        <p:nvSpPr>
+          <p:cNvPr id="10" name="PlaceHolder 2"/>
           <p:cNvSpPr>
             <a:spLocks noGrp="1"/>
           </p:cNvSpPr>
@@ -780,8 +3935,8 @@
         </p:nvSpPr>
         <p:spPr>
           <a:xfrm>
-            <a:off x="504000" y="1326600"/>
-            <a:ext cx="4426920" cy="3288600"/>
+            <a:off x="838080" y="1825560"/>
+            <a:ext cx="5131080" cy="4350960"/>
           </a:xfrm>
           <a:prstGeom prst="rect">
             <a:avLst/>
@@ -792,15 +3947,335 @@
             <a:normAutofit/>
           </a:bodyPr>
           <a:p>
+            <a:endParaRPr b="0" lang="pt-BR" sz="2800" spc="-1" strike="noStrike">
+              <a:solidFill>
+                <a:srgbClr val="000000"/>
+              </a:solidFill>
+              <a:latin typeface="Calibri"/>
+            </a:endParaRPr>
+          </a:p>
+        </p:txBody>
+      </p:sp>
+      <p:sp>
+        <p:nvSpPr>
+          <p:cNvPr id="11" name="PlaceHolder 3"/>
+          <p:cNvSpPr>
+            <a:spLocks noGrp="1"/>
+          </p:cNvSpPr>
+          <p:nvPr>
+            <p:ph type="body"/>
+          </p:nvPr>
+        </p:nvSpPr>
+        <p:spPr>
+          <a:xfrm>
+            <a:off x="6226200" y="1825560"/>
+            <a:ext cx="5131080" cy="4350960"/>
+          </a:xfrm>
+          <a:prstGeom prst="rect">
+            <a:avLst/>
+          </a:prstGeom>
+        </p:spPr>
+        <p:txBody>
+          <a:bodyPr lIns="0" rIns="0" tIns="0" bIns="0">
+            <a:normAutofit/>
+          </a:bodyPr>
+          <a:p>
+            <a:endParaRPr b="0" lang="pt-BR" sz="2800" spc="-1" strike="noStrike">
+              <a:solidFill>
+                <a:srgbClr val="000000"/>
+              </a:solidFill>
+              <a:latin typeface="Calibri"/>
+            </a:endParaRPr>
+          </a:p>
+        </p:txBody>
+      </p:sp>
+    </p:spTree>
+  </p:cSld>
+</p:sldLayout>
+</file>
+
+<file path=ppt/slideLayouts/slideLayout40.xml><?xml version="1.0" encoding="utf-8"?>
+<p:sldLayout xmlns:a="http://schemas.openxmlformats.org/drawingml/2006/main" xmlns:p="http://schemas.openxmlformats.org/presentationml/2006/main" xmlns:r="http://schemas.openxmlformats.org/officeDocument/2006/relationships" xmlns:p14="http://schemas.microsoft.com/office/powerpoint/2010/main" xmlns:p15="http://schemas.microsoft.com/office/powerpoint/2012/main" xmlns:mc="http://schemas.openxmlformats.org/markup-compatibility/2006" type="twoObj" preserve="1">
+  <p:cSld name="Title, 2 Content">
+    <p:spTree>
+      <p:nvGrpSpPr>
+        <p:cNvPr id="1" name=""/>
+        <p:cNvGrpSpPr/>
+        <p:nvPr/>
+      </p:nvGrpSpPr>
+      <p:grpSpPr>
+        <a:xfrm>
+          <a:off x="0" y="0"/>
+          <a:ext cx="0" cy="0"/>
+          <a:chOff x="0" y="0"/>
+          <a:chExt cx="0" cy="0"/>
+        </a:xfrm>
+      </p:grpSpPr>
+      <p:sp>
+        <p:nvSpPr>
+          <p:cNvPr id="135" name="PlaceHolder 1"/>
+          <p:cNvSpPr>
+            <a:spLocks noGrp="1"/>
+          </p:cNvSpPr>
+          <p:nvPr>
+            <p:ph type="title"/>
+          </p:nvPr>
+        </p:nvSpPr>
+        <p:spPr>
+          <a:xfrm>
+            <a:off x="838080" y="365040"/>
+            <a:ext cx="10515240" cy="1325160"/>
+          </a:xfrm>
+          <a:prstGeom prst="rect">
+            <a:avLst/>
+          </a:prstGeom>
+        </p:spPr>
+        <p:txBody>
+          <a:bodyPr lIns="0" rIns="0" tIns="0" bIns="0" anchor="ctr">
+            <a:noAutofit/>
+          </a:bodyPr>
+          <a:p>
+            <a:endParaRPr b="0" lang="pt-BR" sz="1800" spc="-1" strike="noStrike">
+              <a:solidFill>
+                <a:srgbClr val="000000"/>
+              </a:solidFill>
+              <a:latin typeface="Calibri"/>
+            </a:endParaRPr>
+          </a:p>
+        </p:txBody>
+      </p:sp>
+      <p:sp>
+        <p:nvSpPr>
+          <p:cNvPr id="136" name="PlaceHolder 2"/>
+          <p:cNvSpPr>
+            <a:spLocks noGrp="1"/>
+          </p:cNvSpPr>
+          <p:nvPr>
+            <p:ph type="body"/>
+          </p:nvPr>
+        </p:nvSpPr>
+        <p:spPr>
+          <a:xfrm>
+            <a:off x="838080" y="1825560"/>
+            <a:ext cx="5131080" cy="4350960"/>
+          </a:xfrm>
+          <a:prstGeom prst="rect">
+            <a:avLst/>
+          </a:prstGeom>
+        </p:spPr>
+        <p:txBody>
+          <a:bodyPr lIns="0" rIns="0" tIns="0" bIns="0">
+            <a:normAutofit/>
+          </a:bodyPr>
+          <a:p>
+            <a:endParaRPr b="0" lang="pt-BR" sz="2800" spc="-1" strike="noStrike">
+              <a:solidFill>
+                <a:srgbClr val="000000"/>
+              </a:solidFill>
+              <a:latin typeface="Calibri"/>
+            </a:endParaRPr>
+          </a:p>
+        </p:txBody>
+      </p:sp>
+      <p:sp>
+        <p:nvSpPr>
+          <p:cNvPr id="137" name="PlaceHolder 3"/>
+          <p:cNvSpPr>
+            <a:spLocks noGrp="1"/>
+          </p:cNvSpPr>
+          <p:nvPr>
+            <p:ph type="body"/>
+          </p:nvPr>
+        </p:nvSpPr>
+        <p:spPr>
+          <a:xfrm>
+            <a:off x="6226200" y="1825560"/>
+            <a:ext cx="5131080" cy="4350960"/>
+          </a:xfrm>
+          <a:prstGeom prst="rect">
+            <a:avLst/>
+          </a:prstGeom>
+        </p:spPr>
+        <p:txBody>
+          <a:bodyPr lIns="0" rIns="0" tIns="0" bIns="0">
+            <a:normAutofit/>
+          </a:bodyPr>
+          <a:p>
+            <a:endParaRPr b="0" lang="pt-BR" sz="2800" spc="-1" strike="noStrike">
+              <a:solidFill>
+                <a:srgbClr val="000000"/>
+              </a:solidFill>
+              <a:latin typeface="Calibri"/>
+            </a:endParaRPr>
+          </a:p>
+        </p:txBody>
+      </p:sp>
+    </p:spTree>
+  </p:cSld>
+</p:sldLayout>
+</file>
+
+<file path=ppt/slideLayouts/slideLayout41.xml><?xml version="1.0" encoding="utf-8"?>
+<p:sldLayout xmlns:a="http://schemas.openxmlformats.org/drawingml/2006/main" xmlns:p="http://schemas.openxmlformats.org/presentationml/2006/main" xmlns:r="http://schemas.openxmlformats.org/officeDocument/2006/relationships" xmlns:p14="http://schemas.microsoft.com/office/powerpoint/2010/main" xmlns:p15="http://schemas.microsoft.com/office/powerpoint/2012/main" xmlns:mc="http://schemas.openxmlformats.org/markup-compatibility/2006" type="titleOnly" preserve="1">
+  <p:cSld name="Title Only">
+    <p:spTree>
+      <p:nvGrpSpPr>
+        <p:cNvPr id="1" name=""/>
+        <p:cNvGrpSpPr/>
+        <p:nvPr/>
+      </p:nvGrpSpPr>
+      <p:grpSpPr>
+        <a:xfrm>
+          <a:off x="0" y="0"/>
+          <a:ext cx="0" cy="0"/>
+          <a:chOff x="0" y="0"/>
+          <a:chExt cx="0" cy="0"/>
+        </a:xfrm>
+      </p:grpSpPr>
+      <p:sp>
+        <p:nvSpPr>
+          <p:cNvPr id="138" name="PlaceHolder 1"/>
+          <p:cNvSpPr>
+            <a:spLocks noGrp="1"/>
+          </p:cNvSpPr>
+          <p:nvPr>
+            <p:ph type="title"/>
+          </p:nvPr>
+        </p:nvSpPr>
+        <p:spPr>
+          <a:xfrm>
+            <a:off x="838080" y="365040"/>
+            <a:ext cx="10515240" cy="1325160"/>
+          </a:xfrm>
+          <a:prstGeom prst="rect">
+            <a:avLst/>
+          </a:prstGeom>
+        </p:spPr>
+        <p:txBody>
+          <a:bodyPr lIns="0" rIns="0" tIns="0" bIns="0" anchor="ctr">
+            <a:noAutofit/>
+          </a:bodyPr>
+          <a:p>
+            <a:endParaRPr b="0" lang="pt-BR" sz="1800" spc="-1" strike="noStrike">
+              <a:solidFill>
+                <a:srgbClr val="000000"/>
+              </a:solidFill>
+              <a:latin typeface="Calibri"/>
+            </a:endParaRPr>
+          </a:p>
+        </p:txBody>
+      </p:sp>
+    </p:spTree>
+  </p:cSld>
+</p:sldLayout>
+</file>
+
+<file path=ppt/slideLayouts/slideLayout42.xml><?xml version="1.0" encoding="utf-8"?>
+<p:sldLayout xmlns:a="http://schemas.openxmlformats.org/drawingml/2006/main" xmlns:p="http://schemas.openxmlformats.org/presentationml/2006/main" xmlns:r="http://schemas.openxmlformats.org/officeDocument/2006/relationships" xmlns:p14="http://schemas.microsoft.com/office/powerpoint/2010/main" xmlns:p15="http://schemas.microsoft.com/office/powerpoint/2012/main" xmlns:mc="http://schemas.openxmlformats.org/markup-compatibility/2006" type="objOnly" preserve="1">
+  <p:cSld name="Centered Text">
+    <p:spTree>
+      <p:nvGrpSpPr>
+        <p:cNvPr id="1" name=""/>
+        <p:cNvGrpSpPr/>
+        <p:nvPr/>
+      </p:nvGrpSpPr>
+      <p:grpSpPr>
+        <a:xfrm>
+          <a:off x="0" y="0"/>
+          <a:ext cx="0" cy="0"/>
+          <a:chOff x="0" y="0"/>
+          <a:chExt cx="0" cy="0"/>
+        </a:xfrm>
+      </p:grpSpPr>
+      <p:sp>
+        <p:nvSpPr>
+          <p:cNvPr id="139" name="PlaceHolder 1"/>
+          <p:cNvSpPr>
+            <a:spLocks noGrp="1"/>
+          </p:cNvSpPr>
+          <p:nvPr>
+            <p:ph type="subTitle"/>
+          </p:nvPr>
+        </p:nvSpPr>
+        <p:spPr>
+          <a:xfrm>
+            <a:off x="838080" y="365040"/>
+            <a:ext cx="10515240" cy="6144120"/>
+          </a:xfrm>
+          <a:prstGeom prst="rect">
+            <a:avLst/>
+          </a:prstGeom>
+        </p:spPr>
+        <p:txBody>
+          <a:bodyPr lIns="0" rIns="0" tIns="0" bIns="0" anchor="ctr">
+            <a:noAutofit/>
+          </a:bodyPr>
+          <a:p>
+            <a:pPr algn="ctr"/>
             <a:endParaRPr b="0" lang="pt-BR" sz="3200" spc="-1" strike="noStrike">
               <a:latin typeface="Arial"/>
             </a:endParaRPr>
           </a:p>
         </p:txBody>
       </p:sp>
-      <p:sp>
-        <p:nvSpPr>
-          <p:cNvPr id="8" name="PlaceHolder 3"/>
+    </p:spTree>
+  </p:cSld>
+</p:sldLayout>
+</file>
+
+<file path=ppt/slideLayouts/slideLayout43.xml><?xml version="1.0" encoding="utf-8"?>
+<p:sldLayout xmlns:a="http://schemas.openxmlformats.org/drawingml/2006/main" xmlns:p="http://schemas.openxmlformats.org/presentationml/2006/main" xmlns:r="http://schemas.openxmlformats.org/officeDocument/2006/relationships" xmlns:p14="http://schemas.microsoft.com/office/powerpoint/2010/main" xmlns:p15="http://schemas.microsoft.com/office/powerpoint/2012/main" xmlns:mc="http://schemas.openxmlformats.org/markup-compatibility/2006" type="twoObjAndObj" preserve="1">
+  <p:cSld name="Title, 2 Content and Content">
+    <p:spTree>
+      <p:nvGrpSpPr>
+        <p:cNvPr id="1" name=""/>
+        <p:cNvGrpSpPr/>
+        <p:nvPr/>
+      </p:nvGrpSpPr>
+      <p:grpSpPr>
+        <a:xfrm>
+          <a:off x="0" y="0"/>
+          <a:ext cx="0" cy="0"/>
+          <a:chOff x="0" y="0"/>
+          <a:chExt cx="0" cy="0"/>
+        </a:xfrm>
+      </p:grpSpPr>
+      <p:sp>
+        <p:nvSpPr>
+          <p:cNvPr id="140" name="PlaceHolder 1"/>
+          <p:cNvSpPr>
+            <a:spLocks noGrp="1"/>
+          </p:cNvSpPr>
+          <p:nvPr>
+            <p:ph type="title"/>
+          </p:nvPr>
+        </p:nvSpPr>
+        <p:spPr>
+          <a:xfrm>
+            <a:off x="838080" y="365040"/>
+            <a:ext cx="10515240" cy="1325160"/>
+          </a:xfrm>
+          <a:prstGeom prst="rect">
+            <a:avLst/>
+          </a:prstGeom>
+        </p:spPr>
+        <p:txBody>
+          <a:bodyPr lIns="0" rIns="0" tIns="0" bIns="0" anchor="ctr">
+            <a:noAutofit/>
+          </a:bodyPr>
+          <a:p>
+            <a:endParaRPr b="0" lang="pt-BR" sz="1800" spc="-1" strike="noStrike">
+              <a:solidFill>
+                <a:srgbClr val="000000"/>
+              </a:solidFill>
+              <a:latin typeface="Calibri"/>
+            </a:endParaRPr>
+          </a:p>
+        </p:txBody>
+      </p:sp>
+      <p:sp>
+        <p:nvSpPr>
+          <p:cNvPr id="141" name="PlaceHolder 2"/>
           <p:cNvSpPr>
             <a:spLocks noGrp="1"/>
           </p:cNvSpPr>
@@ -810,8 +4285,8 @@
         </p:nvSpPr>
         <p:spPr>
           <a:xfrm>
-            <a:off x="5152680" y="1326600"/>
-            <a:ext cx="4426920" cy="3288600"/>
+            <a:off x="838080" y="1825560"/>
+            <a:ext cx="5131080" cy="2075040"/>
           </a:xfrm>
           <a:prstGeom prst="rect">
             <a:avLst/>
@@ -822,8 +4297,946 @@
             <a:normAutofit/>
           </a:bodyPr>
           <a:p>
-            <a:endParaRPr b="0" lang="pt-BR" sz="3200" spc="-1" strike="noStrike">
-              <a:latin typeface="Arial"/>
+            <a:endParaRPr b="0" lang="pt-BR" sz="2800" spc="-1" strike="noStrike">
+              <a:solidFill>
+                <a:srgbClr val="000000"/>
+              </a:solidFill>
+              <a:latin typeface="Calibri"/>
+            </a:endParaRPr>
+          </a:p>
+        </p:txBody>
+      </p:sp>
+      <p:sp>
+        <p:nvSpPr>
+          <p:cNvPr id="142" name="PlaceHolder 3"/>
+          <p:cNvSpPr>
+            <a:spLocks noGrp="1"/>
+          </p:cNvSpPr>
+          <p:nvPr>
+            <p:ph type="body"/>
+          </p:nvPr>
+        </p:nvSpPr>
+        <p:spPr>
+          <a:xfrm>
+            <a:off x="6226200" y="1825560"/>
+            <a:ext cx="5131080" cy="4350960"/>
+          </a:xfrm>
+          <a:prstGeom prst="rect">
+            <a:avLst/>
+          </a:prstGeom>
+        </p:spPr>
+        <p:txBody>
+          <a:bodyPr lIns="0" rIns="0" tIns="0" bIns="0">
+            <a:normAutofit/>
+          </a:bodyPr>
+          <a:p>
+            <a:endParaRPr b="0" lang="pt-BR" sz="2800" spc="-1" strike="noStrike">
+              <a:solidFill>
+                <a:srgbClr val="000000"/>
+              </a:solidFill>
+              <a:latin typeface="Calibri"/>
+            </a:endParaRPr>
+          </a:p>
+        </p:txBody>
+      </p:sp>
+      <p:sp>
+        <p:nvSpPr>
+          <p:cNvPr id="143" name="PlaceHolder 4"/>
+          <p:cNvSpPr>
+            <a:spLocks noGrp="1"/>
+          </p:cNvSpPr>
+          <p:nvPr>
+            <p:ph type="body"/>
+          </p:nvPr>
+        </p:nvSpPr>
+        <p:spPr>
+          <a:xfrm>
+            <a:off x="838080" y="4098240"/>
+            <a:ext cx="5131080" cy="2075040"/>
+          </a:xfrm>
+          <a:prstGeom prst="rect">
+            <a:avLst/>
+          </a:prstGeom>
+        </p:spPr>
+        <p:txBody>
+          <a:bodyPr lIns="0" rIns="0" tIns="0" bIns="0">
+            <a:normAutofit/>
+          </a:bodyPr>
+          <a:p>
+            <a:endParaRPr b="0" lang="pt-BR" sz="2800" spc="-1" strike="noStrike">
+              <a:solidFill>
+                <a:srgbClr val="000000"/>
+              </a:solidFill>
+              <a:latin typeface="Calibri"/>
+            </a:endParaRPr>
+          </a:p>
+        </p:txBody>
+      </p:sp>
+    </p:spTree>
+  </p:cSld>
+</p:sldLayout>
+</file>
+
+<file path=ppt/slideLayouts/slideLayout44.xml><?xml version="1.0" encoding="utf-8"?>
+<p:sldLayout xmlns:a="http://schemas.openxmlformats.org/drawingml/2006/main" xmlns:p="http://schemas.openxmlformats.org/presentationml/2006/main" xmlns:r="http://schemas.openxmlformats.org/officeDocument/2006/relationships" xmlns:p14="http://schemas.microsoft.com/office/powerpoint/2010/main" xmlns:p15="http://schemas.microsoft.com/office/powerpoint/2012/main" xmlns:mc="http://schemas.openxmlformats.org/markup-compatibility/2006" type="objAndTwoObj" preserve="1">
+  <p:cSld name="Title Content and 2 Content">
+    <p:spTree>
+      <p:nvGrpSpPr>
+        <p:cNvPr id="1" name=""/>
+        <p:cNvGrpSpPr/>
+        <p:nvPr/>
+      </p:nvGrpSpPr>
+      <p:grpSpPr>
+        <a:xfrm>
+          <a:off x="0" y="0"/>
+          <a:ext cx="0" cy="0"/>
+          <a:chOff x="0" y="0"/>
+          <a:chExt cx="0" cy="0"/>
+        </a:xfrm>
+      </p:grpSpPr>
+      <p:sp>
+        <p:nvSpPr>
+          <p:cNvPr id="144" name="PlaceHolder 1"/>
+          <p:cNvSpPr>
+            <a:spLocks noGrp="1"/>
+          </p:cNvSpPr>
+          <p:nvPr>
+            <p:ph type="title"/>
+          </p:nvPr>
+        </p:nvSpPr>
+        <p:spPr>
+          <a:xfrm>
+            <a:off x="838080" y="365040"/>
+            <a:ext cx="10515240" cy="1325160"/>
+          </a:xfrm>
+          <a:prstGeom prst="rect">
+            <a:avLst/>
+          </a:prstGeom>
+        </p:spPr>
+        <p:txBody>
+          <a:bodyPr lIns="0" rIns="0" tIns="0" bIns="0" anchor="ctr">
+            <a:noAutofit/>
+          </a:bodyPr>
+          <a:p>
+            <a:endParaRPr b="0" lang="pt-BR" sz="1800" spc="-1" strike="noStrike">
+              <a:solidFill>
+                <a:srgbClr val="000000"/>
+              </a:solidFill>
+              <a:latin typeface="Calibri"/>
+            </a:endParaRPr>
+          </a:p>
+        </p:txBody>
+      </p:sp>
+      <p:sp>
+        <p:nvSpPr>
+          <p:cNvPr id="145" name="PlaceHolder 2"/>
+          <p:cNvSpPr>
+            <a:spLocks noGrp="1"/>
+          </p:cNvSpPr>
+          <p:nvPr>
+            <p:ph type="body"/>
+          </p:nvPr>
+        </p:nvSpPr>
+        <p:spPr>
+          <a:xfrm>
+            <a:off x="838080" y="1825560"/>
+            <a:ext cx="5131080" cy="4350960"/>
+          </a:xfrm>
+          <a:prstGeom prst="rect">
+            <a:avLst/>
+          </a:prstGeom>
+        </p:spPr>
+        <p:txBody>
+          <a:bodyPr lIns="0" rIns="0" tIns="0" bIns="0">
+            <a:normAutofit/>
+          </a:bodyPr>
+          <a:p>
+            <a:endParaRPr b="0" lang="pt-BR" sz="2800" spc="-1" strike="noStrike">
+              <a:solidFill>
+                <a:srgbClr val="000000"/>
+              </a:solidFill>
+              <a:latin typeface="Calibri"/>
+            </a:endParaRPr>
+          </a:p>
+        </p:txBody>
+      </p:sp>
+      <p:sp>
+        <p:nvSpPr>
+          <p:cNvPr id="146" name="PlaceHolder 3"/>
+          <p:cNvSpPr>
+            <a:spLocks noGrp="1"/>
+          </p:cNvSpPr>
+          <p:nvPr>
+            <p:ph type="body"/>
+          </p:nvPr>
+        </p:nvSpPr>
+        <p:spPr>
+          <a:xfrm>
+            <a:off x="6226200" y="1825560"/>
+            <a:ext cx="5131080" cy="2075040"/>
+          </a:xfrm>
+          <a:prstGeom prst="rect">
+            <a:avLst/>
+          </a:prstGeom>
+        </p:spPr>
+        <p:txBody>
+          <a:bodyPr lIns="0" rIns="0" tIns="0" bIns="0">
+            <a:normAutofit/>
+          </a:bodyPr>
+          <a:p>
+            <a:endParaRPr b="0" lang="pt-BR" sz="2800" spc="-1" strike="noStrike">
+              <a:solidFill>
+                <a:srgbClr val="000000"/>
+              </a:solidFill>
+              <a:latin typeface="Calibri"/>
+            </a:endParaRPr>
+          </a:p>
+        </p:txBody>
+      </p:sp>
+      <p:sp>
+        <p:nvSpPr>
+          <p:cNvPr id="147" name="PlaceHolder 4"/>
+          <p:cNvSpPr>
+            <a:spLocks noGrp="1"/>
+          </p:cNvSpPr>
+          <p:nvPr>
+            <p:ph type="body"/>
+          </p:nvPr>
+        </p:nvSpPr>
+        <p:spPr>
+          <a:xfrm>
+            <a:off x="6226200" y="4098240"/>
+            <a:ext cx="5131080" cy="2075040"/>
+          </a:xfrm>
+          <a:prstGeom prst="rect">
+            <a:avLst/>
+          </a:prstGeom>
+        </p:spPr>
+        <p:txBody>
+          <a:bodyPr lIns="0" rIns="0" tIns="0" bIns="0">
+            <a:normAutofit/>
+          </a:bodyPr>
+          <a:p>
+            <a:endParaRPr b="0" lang="pt-BR" sz="2800" spc="-1" strike="noStrike">
+              <a:solidFill>
+                <a:srgbClr val="000000"/>
+              </a:solidFill>
+              <a:latin typeface="Calibri"/>
+            </a:endParaRPr>
+          </a:p>
+        </p:txBody>
+      </p:sp>
+    </p:spTree>
+  </p:cSld>
+</p:sldLayout>
+</file>
+
+<file path=ppt/slideLayouts/slideLayout45.xml><?xml version="1.0" encoding="utf-8"?>
+<p:sldLayout xmlns:a="http://schemas.openxmlformats.org/drawingml/2006/main" xmlns:p="http://schemas.openxmlformats.org/presentationml/2006/main" xmlns:r="http://schemas.openxmlformats.org/officeDocument/2006/relationships" xmlns:p14="http://schemas.microsoft.com/office/powerpoint/2010/main" xmlns:p15="http://schemas.microsoft.com/office/powerpoint/2012/main" xmlns:mc="http://schemas.openxmlformats.org/markup-compatibility/2006" type="twoObjOverTx" preserve="1">
+  <p:cSld name="Title, 2 Content over Content">
+    <p:spTree>
+      <p:nvGrpSpPr>
+        <p:cNvPr id="1" name=""/>
+        <p:cNvGrpSpPr/>
+        <p:nvPr/>
+      </p:nvGrpSpPr>
+      <p:grpSpPr>
+        <a:xfrm>
+          <a:off x="0" y="0"/>
+          <a:ext cx="0" cy="0"/>
+          <a:chOff x="0" y="0"/>
+          <a:chExt cx="0" cy="0"/>
+        </a:xfrm>
+      </p:grpSpPr>
+      <p:sp>
+        <p:nvSpPr>
+          <p:cNvPr id="148" name="PlaceHolder 1"/>
+          <p:cNvSpPr>
+            <a:spLocks noGrp="1"/>
+          </p:cNvSpPr>
+          <p:nvPr>
+            <p:ph type="title"/>
+          </p:nvPr>
+        </p:nvSpPr>
+        <p:spPr>
+          <a:xfrm>
+            <a:off x="838080" y="365040"/>
+            <a:ext cx="10515240" cy="1325160"/>
+          </a:xfrm>
+          <a:prstGeom prst="rect">
+            <a:avLst/>
+          </a:prstGeom>
+        </p:spPr>
+        <p:txBody>
+          <a:bodyPr lIns="0" rIns="0" tIns="0" bIns="0" anchor="ctr">
+            <a:noAutofit/>
+          </a:bodyPr>
+          <a:p>
+            <a:endParaRPr b="0" lang="pt-BR" sz="1800" spc="-1" strike="noStrike">
+              <a:solidFill>
+                <a:srgbClr val="000000"/>
+              </a:solidFill>
+              <a:latin typeface="Calibri"/>
+            </a:endParaRPr>
+          </a:p>
+        </p:txBody>
+      </p:sp>
+      <p:sp>
+        <p:nvSpPr>
+          <p:cNvPr id="149" name="PlaceHolder 2"/>
+          <p:cNvSpPr>
+            <a:spLocks noGrp="1"/>
+          </p:cNvSpPr>
+          <p:nvPr>
+            <p:ph type="body"/>
+          </p:nvPr>
+        </p:nvSpPr>
+        <p:spPr>
+          <a:xfrm>
+            <a:off x="838080" y="1825560"/>
+            <a:ext cx="5131080" cy="2075040"/>
+          </a:xfrm>
+          <a:prstGeom prst="rect">
+            <a:avLst/>
+          </a:prstGeom>
+        </p:spPr>
+        <p:txBody>
+          <a:bodyPr lIns="0" rIns="0" tIns="0" bIns="0">
+            <a:normAutofit/>
+          </a:bodyPr>
+          <a:p>
+            <a:endParaRPr b="0" lang="pt-BR" sz="2800" spc="-1" strike="noStrike">
+              <a:solidFill>
+                <a:srgbClr val="000000"/>
+              </a:solidFill>
+              <a:latin typeface="Calibri"/>
+            </a:endParaRPr>
+          </a:p>
+        </p:txBody>
+      </p:sp>
+      <p:sp>
+        <p:nvSpPr>
+          <p:cNvPr id="150" name="PlaceHolder 3"/>
+          <p:cNvSpPr>
+            <a:spLocks noGrp="1"/>
+          </p:cNvSpPr>
+          <p:nvPr>
+            <p:ph type="body"/>
+          </p:nvPr>
+        </p:nvSpPr>
+        <p:spPr>
+          <a:xfrm>
+            <a:off x="6226200" y="1825560"/>
+            <a:ext cx="5131080" cy="2075040"/>
+          </a:xfrm>
+          <a:prstGeom prst="rect">
+            <a:avLst/>
+          </a:prstGeom>
+        </p:spPr>
+        <p:txBody>
+          <a:bodyPr lIns="0" rIns="0" tIns="0" bIns="0">
+            <a:normAutofit/>
+          </a:bodyPr>
+          <a:p>
+            <a:endParaRPr b="0" lang="pt-BR" sz="2800" spc="-1" strike="noStrike">
+              <a:solidFill>
+                <a:srgbClr val="000000"/>
+              </a:solidFill>
+              <a:latin typeface="Calibri"/>
+            </a:endParaRPr>
+          </a:p>
+        </p:txBody>
+      </p:sp>
+      <p:sp>
+        <p:nvSpPr>
+          <p:cNvPr id="151" name="PlaceHolder 4"/>
+          <p:cNvSpPr>
+            <a:spLocks noGrp="1"/>
+          </p:cNvSpPr>
+          <p:nvPr>
+            <p:ph type="body"/>
+          </p:nvPr>
+        </p:nvSpPr>
+        <p:spPr>
+          <a:xfrm>
+            <a:off x="838080" y="4098240"/>
+            <a:ext cx="10515240" cy="2075040"/>
+          </a:xfrm>
+          <a:prstGeom prst="rect">
+            <a:avLst/>
+          </a:prstGeom>
+        </p:spPr>
+        <p:txBody>
+          <a:bodyPr lIns="0" rIns="0" tIns="0" bIns="0">
+            <a:normAutofit/>
+          </a:bodyPr>
+          <a:p>
+            <a:endParaRPr b="0" lang="pt-BR" sz="2800" spc="-1" strike="noStrike">
+              <a:solidFill>
+                <a:srgbClr val="000000"/>
+              </a:solidFill>
+              <a:latin typeface="Calibri"/>
+            </a:endParaRPr>
+          </a:p>
+        </p:txBody>
+      </p:sp>
+    </p:spTree>
+  </p:cSld>
+</p:sldLayout>
+</file>
+
+<file path=ppt/slideLayouts/slideLayout46.xml><?xml version="1.0" encoding="utf-8"?>
+<p:sldLayout xmlns:a="http://schemas.openxmlformats.org/drawingml/2006/main" xmlns:p="http://schemas.openxmlformats.org/presentationml/2006/main" xmlns:r="http://schemas.openxmlformats.org/officeDocument/2006/relationships" xmlns:p14="http://schemas.microsoft.com/office/powerpoint/2010/main" xmlns:p15="http://schemas.microsoft.com/office/powerpoint/2012/main" xmlns:mc="http://schemas.openxmlformats.org/markup-compatibility/2006" type="objOverTx" preserve="1">
+  <p:cSld name="Title, Content over Content">
+    <p:spTree>
+      <p:nvGrpSpPr>
+        <p:cNvPr id="1" name=""/>
+        <p:cNvGrpSpPr/>
+        <p:nvPr/>
+      </p:nvGrpSpPr>
+      <p:grpSpPr>
+        <a:xfrm>
+          <a:off x="0" y="0"/>
+          <a:ext cx="0" cy="0"/>
+          <a:chOff x="0" y="0"/>
+          <a:chExt cx="0" cy="0"/>
+        </a:xfrm>
+      </p:grpSpPr>
+      <p:sp>
+        <p:nvSpPr>
+          <p:cNvPr id="152" name="PlaceHolder 1"/>
+          <p:cNvSpPr>
+            <a:spLocks noGrp="1"/>
+          </p:cNvSpPr>
+          <p:nvPr>
+            <p:ph type="title"/>
+          </p:nvPr>
+        </p:nvSpPr>
+        <p:spPr>
+          <a:xfrm>
+            <a:off x="838080" y="365040"/>
+            <a:ext cx="10515240" cy="1325160"/>
+          </a:xfrm>
+          <a:prstGeom prst="rect">
+            <a:avLst/>
+          </a:prstGeom>
+        </p:spPr>
+        <p:txBody>
+          <a:bodyPr lIns="0" rIns="0" tIns="0" bIns="0" anchor="ctr">
+            <a:noAutofit/>
+          </a:bodyPr>
+          <a:p>
+            <a:endParaRPr b="0" lang="pt-BR" sz="1800" spc="-1" strike="noStrike">
+              <a:solidFill>
+                <a:srgbClr val="000000"/>
+              </a:solidFill>
+              <a:latin typeface="Calibri"/>
+            </a:endParaRPr>
+          </a:p>
+        </p:txBody>
+      </p:sp>
+      <p:sp>
+        <p:nvSpPr>
+          <p:cNvPr id="153" name="PlaceHolder 2"/>
+          <p:cNvSpPr>
+            <a:spLocks noGrp="1"/>
+          </p:cNvSpPr>
+          <p:nvPr>
+            <p:ph type="body"/>
+          </p:nvPr>
+        </p:nvSpPr>
+        <p:spPr>
+          <a:xfrm>
+            <a:off x="838080" y="1825560"/>
+            <a:ext cx="10515240" cy="2075040"/>
+          </a:xfrm>
+          <a:prstGeom prst="rect">
+            <a:avLst/>
+          </a:prstGeom>
+        </p:spPr>
+        <p:txBody>
+          <a:bodyPr lIns="0" rIns="0" tIns="0" bIns="0">
+            <a:normAutofit/>
+          </a:bodyPr>
+          <a:p>
+            <a:endParaRPr b="0" lang="pt-BR" sz="2800" spc="-1" strike="noStrike">
+              <a:solidFill>
+                <a:srgbClr val="000000"/>
+              </a:solidFill>
+              <a:latin typeface="Calibri"/>
+            </a:endParaRPr>
+          </a:p>
+        </p:txBody>
+      </p:sp>
+      <p:sp>
+        <p:nvSpPr>
+          <p:cNvPr id="154" name="PlaceHolder 3"/>
+          <p:cNvSpPr>
+            <a:spLocks noGrp="1"/>
+          </p:cNvSpPr>
+          <p:nvPr>
+            <p:ph type="body"/>
+          </p:nvPr>
+        </p:nvSpPr>
+        <p:spPr>
+          <a:xfrm>
+            <a:off x="838080" y="4098240"/>
+            <a:ext cx="10515240" cy="2075040"/>
+          </a:xfrm>
+          <a:prstGeom prst="rect">
+            <a:avLst/>
+          </a:prstGeom>
+        </p:spPr>
+        <p:txBody>
+          <a:bodyPr lIns="0" rIns="0" tIns="0" bIns="0">
+            <a:normAutofit/>
+          </a:bodyPr>
+          <a:p>
+            <a:endParaRPr b="0" lang="pt-BR" sz="2800" spc="-1" strike="noStrike">
+              <a:solidFill>
+                <a:srgbClr val="000000"/>
+              </a:solidFill>
+              <a:latin typeface="Calibri"/>
+            </a:endParaRPr>
+          </a:p>
+        </p:txBody>
+      </p:sp>
+    </p:spTree>
+  </p:cSld>
+</p:sldLayout>
+</file>
+
+<file path=ppt/slideLayouts/slideLayout47.xml><?xml version="1.0" encoding="utf-8"?>
+<p:sldLayout xmlns:a="http://schemas.openxmlformats.org/drawingml/2006/main" xmlns:p="http://schemas.openxmlformats.org/presentationml/2006/main" xmlns:r="http://schemas.openxmlformats.org/officeDocument/2006/relationships" xmlns:p14="http://schemas.microsoft.com/office/powerpoint/2010/main" xmlns:p15="http://schemas.microsoft.com/office/powerpoint/2012/main" xmlns:mc="http://schemas.openxmlformats.org/markup-compatibility/2006" type="fourObj" preserve="1">
+  <p:cSld name="Title, 4 Content">
+    <p:spTree>
+      <p:nvGrpSpPr>
+        <p:cNvPr id="1" name=""/>
+        <p:cNvGrpSpPr/>
+        <p:nvPr/>
+      </p:nvGrpSpPr>
+      <p:grpSpPr>
+        <a:xfrm>
+          <a:off x="0" y="0"/>
+          <a:ext cx="0" cy="0"/>
+          <a:chOff x="0" y="0"/>
+          <a:chExt cx="0" cy="0"/>
+        </a:xfrm>
+      </p:grpSpPr>
+      <p:sp>
+        <p:nvSpPr>
+          <p:cNvPr id="155" name="PlaceHolder 1"/>
+          <p:cNvSpPr>
+            <a:spLocks noGrp="1"/>
+          </p:cNvSpPr>
+          <p:nvPr>
+            <p:ph type="title"/>
+          </p:nvPr>
+        </p:nvSpPr>
+        <p:spPr>
+          <a:xfrm>
+            <a:off x="838080" y="365040"/>
+            <a:ext cx="10515240" cy="1325160"/>
+          </a:xfrm>
+          <a:prstGeom prst="rect">
+            <a:avLst/>
+          </a:prstGeom>
+        </p:spPr>
+        <p:txBody>
+          <a:bodyPr lIns="0" rIns="0" tIns="0" bIns="0" anchor="ctr">
+            <a:noAutofit/>
+          </a:bodyPr>
+          <a:p>
+            <a:endParaRPr b="0" lang="pt-BR" sz="1800" spc="-1" strike="noStrike">
+              <a:solidFill>
+                <a:srgbClr val="000000"/>
+              </a:solidFill>
+              <a:latin typeface="Calibri"/>
+            </a:endParaRPr>
+          </a:p>
+        </p:txBody>
+      </p:sp>
+      <p:sp>
+        <p:nvSpPr>
+          <p:cNvPr id="156" name="PlaceHolder 2"/>
+          <p:cNvSpPr>
+            <a:spLocks noGrp="1"/>
+          </p:cNvSpPr>
+          <p:nvPr>
+            <p:ph type="body"/>
+          </p:nvPr>
+        </p:nvSpPr>
+        <p:spPr>
+          <a:xfrm>
+            <a:off x="838080" y="1825560"/>
+            <a:ext cx="5131080" cy="2075040"/>
+          </a:xfrm>
+          <a:prstGeom prst="rect">
+            <a:avLst/>
+          </a:prstGeom>
+        </p:spPr>
+        <p:txBody>
+          <a:bodyPr lIns="0" rIns="0" tIns="0" bIns="0">
+            <a:normAutofit/>
+          </a:bodyPr>
+          <a:p>
+            <a:endParaRPr b="0" lang="pt-BR" sz="2800" spc="-1" strike="noStrike">
+              <a:solidFill>
+                <a:srgbClr val="000000"/>
+              </a:solidFill>
+              <a:latin typeface="Calibri"/>
+            </a:endParaRPr>
+          </a:p>
+        </p:txBody>
+      </p:sp>
+      <p:sp>
+        <p:nvSpPr>
+          <p:cNvPr id="157" name="PlaceHolder 3"/>
+          <p:cNvSpPr>
+            <a:spLocks noGrp="1"/>
+          </p:cNvSpPr>
+          <p:nvPr>
+            <p:ph type="body"/>
+          </p:nvPr>
+        </p:nvSpPr>
+        <p:spPr>
+          <a:xfrm>
+            <a:off x="6226200" y="1825560"/>
+            <a:ext cx="5131080" cy="2075040"/>
+          </a:xfrm>
+          <a:prstGeom prst="rect">
+            <a:avLst/>
+          </a:prstGeom>
+        </p:spPr>
+        <p:txBody>
+          <a:bodyPr lIns="0" rIns="0" tIns="0" bIns="0">
+            <a:normAutofit/>
+          </a:bodyPr>
+          <a:p>
+            <a:endParaRPr b="0" lang="pt-BR" sz="2800" spc="-1" strike="noStrike">
+              <a:solidFill>
+                <a:srgbClr val="000000"/>
+              </a:solidFill>
+              <a:latin typeface="Calibri"/>
+            </a:endParaRPr>
+          </a:p>
+        </p:txBody>
+      </p:sp>
+      <p:sp>
+        <p:nvSpPr>
+          <p:cNvPr id="158" name="PlaceHolder 4"/>
+          <p:cNvSpPr>
+            <a:spLocks noGrp="1"/>
+          </p:cNvSpPr>
+          <p:nvPr>
+            <p:ph type="body"/>
+          </p:nvPr>
+        </p:nvSpPr>
+        <p:spPr>
+          <a:xfrm>
+            <a:off x="838080" y="4098240"/>
+            <a:ext cx="5131080" cy="2075040"/>
+          </a:xfrm>
+          <a:prstGeom prst="rect">
+            <a:avLst/>
+          </a:prstGeom>
+        </p:spPr>
+        <p:txBody>
+          <a:bodyPr lIns="0" rIns="0" tIns="0" bIns="0">
+            <a:normAutofit/>
+          </a:bodyPr>
+          <a:p>
+            <a:endParaRPr b="0" lang="pt-BR" sz="2800" spc="-1" strike="noStrike">
+              <a:solidFill>
+                <a:srgbClr val="000000"/>
+              </a:solidFill>
+              <a:latin typeface="Calibri"/>
+            </a:endParaRPr>
+          </a:p>
+        </p:txBody>
+      </p:sp>
+      <p:sp>
+        <p:nvSpPr>
+          <p:cNvPr id="159" name="PlaceHolder 5"/>
+          <p:cNvSpPr>
+            <a:spLocks noGrp="1"/>
+          </p:cNvSpPr>
+          <p:nvPr>
+            <p:ph type="body"/>
+          </p:nvPr>
+        </p:nvSpPr>
+        <p:spPr>
+          <a:xfrm>
+            <a:off x="6226200" y="4098240"/>
+            <a:ext cx="5131080" cy="2075040"/>
+          </a:xfrm>
+          <a:prstGeom prst="rect">
+            <a:avLst/>
+          </a:prstGeom>
+        </p:spPr>
+        <p:txBody>
+          <a:bodyPr lIns="0" rIns="0" tIns="0" bIns="0">
+            <a:normAutofit/>
+          </a:bodyPr>
+          <a:p>
+            <a:endParaRPr b="0" lang="pt-BR" sz="2800" spc="-1" strike="noStrike">
+              <a:solidFill>
+                <a:srgbClr val="000000"/>
+              </a:solidFill>
+              <a:latin typeface="Calibri"/>
+            </a:endParaRPr>
+          </a:p>
+        </p:txBody>
+      </p:sp>
+    </p:spTree>
+  </p:cSld>
+</p:sldLayout>
+</file>
+
+<file path=ppt/slideLayouts/slideLayout48.xml><?xml version="1.0" encoding="utf-8"?>
+<p:sldLayout xmlns:a="http://schemas.openxmlformats.org/drawingml/2006/main" xmlns:p="http://schemas.openxmlformats.org/presentationml/2006/main" xmlns:r="http://schemas.openxmlformats.org/officeDocument/2006/relationships" xmlns:p14="http://schemas.microsoft.com/office/powerpoint/2010/main" xmlns:p15="http://schemas.microsoft.com/office/powerpoint/2012/main" xmlns:mc="http://schemas.openxmlformats.org/markup-compatibility/2006" type="blank" preserve="1">
+  <p:cSld name="Title, 6 Content">
+    <p:spTree>
+      <p:nvGrpSpPr>
+        <p:cNvPr id="1" name=""/>
+        <p:cNvGrpSpPr/>
+        <p:nvPr/>
+      </p:nvGrpSpPr>
+      <p:grpSpPr>
+        <a:xfrm>
+          <a:off x="0" y="0"/>
+          <a:ext cx="0" cy="0"/>
+          <a:chOff x="0" y="0"/>
+          <a:chExt cx="0" cy="0"/>
+        </a:xfrm>
+      </p:grpSpPr>
+      <p:sp>
+        <p:nvSpPr>
+          <p:cNvPr id="160" name="PlaceHolder 1"/>
+          <p:cNvSpPr>
+            <a:spLocks noGrp="1"/>
+          </p:cNvSpPr>
+          <p:nvPr>
+            <p:ph type="title"/>
+          </p:nvPr>
+        </p:nvSpPr>
+        <p:spPr>
+          <a:xfrm>
+            <a:off x="838080" y="365040"/>
+            <a:ext cx="10515240" cy="1325160"/>
+          </a:xfrm>
+          <a:prstGeom prst="rect">
+            <a:avLst/>
+          </a:prstGeom>
+        </p:spPr>
+        <p:txBody>
+          <a:bodyPr lIns="0" rIns="0" tIns="0" bIns="0" anchor="ctr">
+            <a:noAutofit/>
+          </a:bodyPr>
+          <a:p>
+            <a:endParaRPr b="0" lang="pt-BR" sz="1800" spc="-1" strike="noStrike">
+              <a:solidFill>
+                <a:srgbClr val="000000"/>
+              </a:solidFill>
+              <a:latin typeface="Calibri"/>
+            </a:endParaRPr>
+          </a:p>
+        </p:txBody>
+      </p:sp>
+      <p:sp>
+        <p:nvSpPr>
+          <p:cNvPr id="161" name="PlaceHolder 2"/>
+          <p:cNvSpPr>
+            <a:spLocks noGrp="1"/>
+          </p:cNvSpPr>
+          <p:nvPr>
+            <p:ph type="body"/>
+          </p:nvPr>
+        </p:nvSpPr>
+        <p:spPr>
+          <a:xfrm>
+            <a:off x="838080" y="1825560"/>
+            <a:ext cx="3385800" cy="2075040"/>
+          </a:xfrm>
+          <a:prstGeom prst="rect">
+            <a:avLst/>
+          </a:prstGeom>
+        </p:spPr>
+        <p:txBody>
+          <a:bodyPr lIns="0" rIns="0" tIns="0" bIns="0">
+            <a:normAutofit/>
+          </a:bodyPr>
+          <a:p>
+            <a:endParaRPr b="0" lang="pt-BR" sz="2800" spc="-1" strike="noStrike">
+              <a:solidFill>
+                <a:srgbClr val="000000"/>
+              </a:solidFill>
+              <a:latin typeface="Calibri"/>
+            </a:endParaRPr>
+          </a:p>
+        </p:txBody>
+      </p:sp>
+      <p:sp>
+        <p:nvSpPr>
+          <p:cNvPr id="162" name="PlaceHolder 3"/>
+          <p:cNvSpPr>
+            <a:spLocks noGrp="1"/>
+          </p:cNvSpPr>
+          <p:nvPr>
+            <p:ph type="body"/>
+          </p:nvPr>
+        </p:nvSpPr>
+        <p:spPr>
+          <a:xfrm>
+            <a:off x="4393440" y="1825560"/>
+            <a:ext cx="3385800" cy="2075040"/>
+          </a:xfrm>
+          <a:prstGeom prst="rect">
+            <a:avLst/>
+          </a:prstGeom>
+        </p:spPr>
+        <p:txBody>
+          <a:bodyPr lIns="0" rIns="0" tIns="0" bIns="0">
+            <a:normAutofit/>
+          </a:bodyPr>
+          <a:p>
+            <a:endParaRPr b="0" lang="pt-BR" sz="2800" spc="-1" strike="noStrike">
+              <a:solidFill>
+                <a:srgbClr val="000000"/>
+              </a:solidFill>
+              <a:latin typeface="Calibri"/>
+            </a:endParaRPr>
+          </a:p>
+        </p:txBody>
+      </p:sp>
+      <p:sp>
+        <p:nvSpPr>
+          <p:cNvPr id="163" name="PlaceHolder 4"/>
+          <p:cNvSpPr>
+            <a:spLocks noGrp="1"/>
+          </p:cNvSpPr>
+          <p:nvPr>
+            <p:ph type="body"/>
+          </p:nvPr>
+        </p:nvSpPr>
+        <p:spPr>
+          <a:xfrm>
+            <a:off x="7949160" y="1825560"/>
+            <a:ext cx="3385800" cy="2075040"/>
+          </a:xfrm>
+          <a:prstGeom prst="rect">
+            <a:avLst/>
+          </a:prstGeom>
+        </p:spPr>
+        <p:txBody>
+          <a:bodyPr lIns="0" rIns="0" tIns="0" bIns="0">
+            <a:normAutofit/>
+          </a:bodyPr>
+          <a:p>
+            <a:endParaRPr b="0" lang="pt-BR" sz="2800" spc="-1" strike="noStrike">
+              <a:solidFill>
+                <a:srgbClr val="000000"/>
+              </a:solidFill>
+              <a:latin typeface="Calibri"/>
+            </a:endParaRPr>
+          </a:p>
+        </p:txBody>
+      </p:sp>
+      <p:sp>
+        <p:nvSpPr>
+          <p:cNvPr id="164" name="PlaceHolder 5"/>
+          <p:cNvSpPr>
+            <a:spLocks noGrp="1"/>
+          </p:cNvSpPr>
+          <p:nvPr>
+            <p:ph type="body"/>
+          </p:nvPr>
+        </p:nvSpPr>
+        <p:spPr>
+          <a:xfrm>
+            <a:off x="838080" y="4098240"/>
+            <a:ext cx="3385800" cy="2075040"/>
+          </a:xfrm>
+          <a:prstGeom prst="rect">
+            <a:avLst/>
+          </a:prstGeom>
+        </p:spPr>
+        <p:txBody>
+          <a:bodyPr lIns="0" rIns="0" tIns="0" bIns="0">
+            <a:normAutofit/>
+          </a:bodyPr>
+          <a:p>
+            <a:endParaRPr b="0" lang="pt-BR" sz="2800" spc="-1" strike="noStrike">
+              <a:solidFill>
+                <a:srgbClr val="000000"/>
+              </a:solidFill>
+              <a:latin typeface="Calibri"/>
+            </a:endParaRPr>
+          </a:p>
+        </p:txBody>
+      </p:sp>
+      <p:sp>
+        <p:nvSpPr>
+          <p:cNvPr id="165" name="PlaceHolder 6"/>
+          <p:cNvSpPr>
+            <a:spLocks noGrp="1"/>
+          </p:cNvSpPr>
+          <p:nvPr>
+            <p:ph type="body"/>
+          </p:nvPr>
+        </p:nvSpPr>
+        <p:spPr>
+          <a:xfrm>
+            <a:off x="4393440" y="4098240"/>
+            <a:ext cx="3385800" cy="2075040"/>
+          </a:xfrm>
+          <a:prstGeom prst="rect">
+            <a:avLst/>
+          </a:prstGeom>
+        </p:spPr>
+        <p:txBody>
+          <a:bodyPr lIns="0" rIns="0" tIns="0" bIns="0">
+            <a:normAutofit/>
+          </a:bodyPr>
+          <a:p>
+            <a:endParaRPr b="0" lang="pt-BR" sz="2800" spc="-1" strike="noStrike">
+              <a:solidFill>
+                <a:srgbClr val="000000"/>
+              </a:solidFill>
+              <a:latin typeface="Calibri"/>
+            </a:endParaRPr>
+          </a:p>
+        </p:txBody>
+      </p:sp>
+      <p:sp>
+        <p:nvSpPr>
+          <p:cNvPr id="166" name="PlaceHolder 7"/>
+          <p:cNvSpPr>
+            <a:spLocks noGrp="1"/>
+          </p:cNvSpPr>
+          <p:nvPr>
+            <p:ph type="body"/>
+          </p:nvPr>
+        </p:nvSpPr>
+        <p:spPr>
+          <a:xfrm>
+            <a:off x="7949160" y="4098240"/>
+            <a:ext cx="3385800" cy="2075040"/>
+          </a:xfrm>
+          <a:prstGeom prst="rect">
+            <a:avLst/>
+          </a:prstGeom>
+        </p:spPr>
+        <p:txBody>
+          <a:bodyPr lIns="0" rIns="0" tIns="0" bIns="0">
+            <a:normAutofit/>
+          </a:bodyPr>
+          <a:p>
+            <a:endParaRPr b="0" lang="pt-BR" sz="2800" spc="-1" strike="noStrike">
+              <a:solidFill>
+                <a:srgbClr val="000000"/>
+              </a:solidFill>
+              <a:latin typeface="Calibri"/>
             </a:endParaRPr>
           </a:p>
         </p:txBody>
@@ -852,7 +5265,7 @@
       </p:grpSpPr>
       <p:sp>
         <p:nvSpPr>
-          <p:cNvPr id="9" name="PlaceHolder 1"/>
+          <p:cNvPr id="12" name="PlaceHolder 1"/>
           <p:cNvSpPr>
             <a:spLocks noGrp="1"/>
           </p:cNvSpPr>
@@ -862,8 +5275,8 @@
         </p:nvSpPr>
         <p:spPr>
           <a:xfrm>
-            <a:off x="504000" y="226080"/>
-            <a:ext cx="9072000" cy="946440"/>
+            <a:off x="838080" y="365040"/>
+            <a:ext cx="10515240" cy="1325160"/>
           </a:xfrm>
           <a:prstGeom prst="rect">
             <a:avLst/>
@@ -874,9 +5287,11 @@
             <a:noAutofit/>
           </a:bodyPr>
           <a:p>
-            <a:pPr algn="ctr"/>
-            <a:endParaRPr b="0" lang="pt-BR" sz="4400" spc="-1" strike="noStrike">
-              <a:latin typeface="Arial"/>
+            <a:endParaRPr b="0" lang="pt-BR" sz="1800" spc="-1" strike="noStrike">
+              <a:solidFill>
+                <a:srgbClr val="000000"/>
+              </a:solidFill>
+              <a:latin typeface="Calibri"/>
             </a:endParaRPr>
           </a:p>
         </p:txBody>
@@ -905,7 +5320,7 @@
       </p:grpSpPr>
       <p:sp>
         <p:nvSpPr>
-          <p:cNvPr id="10" name="PlaceHolder 1"/>
+          <p:cNvPr id="13" name="PlaceHolder 1"/>
           <p:cNvSpPr>
             <a:spLocks noGrp="1"/>
           </p:cNvSpPr>
@@ -915,8 +5330,8 @@
         </p:nvSpPr>
         <p:spPr>
           <a:xfrm>
-            <a:off x="504000" y="226080"/>
-            <a:ext cx="9072000" cy="4388400"/>
+            <a:off x="838080" y="365040"/>
+            <a:ext cx="10515240" cy="6144120"/>
           </a:xfrm>
           <a:prstGeom prst="rect">
             <a:avLst/>
@@ -958,7 +5373,7 @@
       </p:grpSpPr>
       <p:sp>
         <p:nvSpPr>
-          <p:cNvPr id="11" name="PlaceHolder 1"/>
+          <p:cNvPr id="14" name="PlaceHolder 1"/>
           <p:cNvSpPr>
             <a:spLocks noGrp="1"/>
           </p:cNvSpPr>
@@ -968,8 +5383,8 @@
         </p:nvSpPr>
         <p:spPr>
           <a:xfrm>
-            <a:off x="504000" y="226080"/>
-            <a:ext cx="9072000" cy="946440"/>
+            <a:off x="838080" y="365040"/>
+            <a:ext cx="10515240" cy="1325160"/>
           </a:xfrm>
           <a:prstGeom prst="rect">
             <a:avLst/>
@@ -980,16 +5395,18 @@
             <a:noAutofit/>
           </a:bodyPr>
           <a:p>
-            <a:pPr algn="ctr"/>
-            <a:endParaRPr b="0" lang="pt-BR" sz="4400" spc="-1" strike="noStrike">
-              <a:latin typeface="Arial"/>
-            </a:endParaRPr>
-          </a:p>
-        </p:txBody>
-      </p:sp>
-      <p:sp>
-        <p:nvSpPr>
-          <p:cNvPr id="12" name="PlaceHolder 2"/>
+            <a:endParaRPr b="0" lang="pt-BR" sz="1800" spc="-1" strike="noStrike">
+              <a:solidFill>
+                <a:srgbClr val="000000"/>
+              </a:solidFill>
+              <a:latin typeface="Calibri"/>
+            </a:endParaRPr>
+          </a:p>
+        </p:txBody>
+      </p:sp>
+      <p:sp>
+        <p:nvSpPr>
+          <p:cNvPr id="15" name="PlaceHolder 2"/>
           <p:cNvSpPr>
             <a:spLocks noGrp="1"/>
           </p:cNvSpPr>
@@ -999,8 +5416,8 @@
         </p:nvSpPr>
         <p:spPr>
           <a:xfrm>
-            <a:off x="504000" y="1326600"/>
-            <a:ext cx="4426920" cy="1568520"/>
+            <a:off x="838080" y="1825560"/>
+            <a:ext cx="5131080" cy="2075040"/>
           </a:xfrm>
           <a:prstGeom prst="rect">
             <a:avLst/>
@@ -1011,15 +5428,18 @@
             <a:normAutofit/>
           </a:bodyPr>
           <a:p>
-            <a:endParaRPr b="0" lang="pt-BR" sz="3200" spc="-1" strike="noStrike">
-              <a:latin typeface="Arial"/>
-            </a:endParaRPr>
-          </a:p>
-        </p:txBody>
-      </p:sp>
-      <p:sp>
-        <p:nvSpPr>
-          <p:cNvPr id="13" name="PlaceHolder 3"/>
+            <a:endParaRPr b="0" lang="pt-BR" sz="2800" spc="-1" strike="noStrike">
+              <a:solidFill>
+                <a:srgbClr val="000000"/>
+              </a:solidFill>
+              <a:latin typeface="Calibri"/>
+            </a:endParaRPr>
+          </a:p>
+        </p:txBody>
+      </p:sp>
+      <p:sp>
+        <p:nvSpPr>
+          <p:cNvPr id="16" name="PlaceHolder 3"/>
           <p:cNvSpPr>
             <a:spLocks noGrp="1"/>
           </p:cNvSpPr>
@@ -1029,8 +5449,8 @@
         </p:nvSpPr>
         <p:spPr>
           <a:xfrm>
-            <a:off x="5152680" y="1326600"/>
-            <a:ext cx="4426920" cy="3288600"/>
+            <a:off x="6226200" y="1825560"/>
+            <a:ext cx="5131080" cy="4350960"/>
           </a:xfrm>
           <a:prstGeom prst="rect">
             <a:avLst/>
@@ -1041,15 +5461,18 @@
             <a:normAutofit/>
           </a:bodyPr>
           <a:p>
-            <a:endParaRPr b="0" lang="pt-BR" sz="3200" spc="-1" strike="noStrike">
-              <a:latin typeface="Arial"/>
-            </a:endParaRPr>
-          </a:p>
-        </p:txBody>
-      </p:sp>
-      <p:sp>
-        <p:nvSpPr>
-          <p:cNvPr id="14" name="PlaceHolder 4"/>
+            <a:endParaRPr b="0" lang="pt-BR" sz="2800" spc="-1" strike="noStrike">
+              <a:solidFill>
+                <a:srgbClr val="000000"/>
+              </a:solidFill>
+              <a:latin typeface="Calibri"/>
+            </a:endParaRPr>
+          </a:p>
+        </p:txBody>
+      </p:sp>
+      <p:sp>
+        <p:nvSpPr>
+          <p:cNvPr id="17" name="PlaceHolder 4"/>
           <p:cNvSpPr>
             <a:spLocks noGrp="1"/>
           </p:cNvSpPr>
@@ -1059,8 +5482,8 @@
         </p:nvSpPr>
         <p:spPr>
           <a:xfrm>
-            <a:off x="504000" y="3044520"/>
-            <a:ext cx="4426920" cy="1568520"/>
+            <a:off x="838080" y="4098240"/>
+            <a:ext cx="5131080" cy="2075040"/>
           </a:xfrm>
           <a:prstGeom prst="rect">
             <a:avLst/>
@@ -1071,8 +5494,11 @@
             <a:normAutofit/>
           </a:bodyPr>
           <a:p>
-            <a:endParaRPr b="0" lang="pt-BR" sz="3200" spc="-1" strike="noStrike">
-              <a:latin typeface="Arial"/>
+            <a:endParaRPr b="0" lang="pt-BR" sz="2800" spc="-1" strike="noStrike">
+              <a:solidFill>
+                <a:srgbClr val="000000"/>
+              </a:solidFill>
+              <a:latin typeface="Calibri"/>
             </a:endParaRPr>
           </a:p>
         </p:txBody>
@@ -1101,7 +5527,7 @@
       </p:grpSpPr>
       <p:sp>
         <p:nvSpPr>
-          <p:cNvPr id="15" name="PlaceHolder 1"/>
+          <p:cNvPr id="18" name="PlaceHolder 1"/>
           <p:cNvSpPr>
             <a:spLocks noGrp="1"/>
           </p:cNvSpPr>
@@ -1111,8 +5537,8 @@
         </p:nvSpPr>
         <p:spPr>
           <a:xfrm>
-            <a:off x="504000" y="226080"/>
-            <a:ext cx="9072000" cy="946440"/>
+            <a:off x="838080" y="365040"/>
+            <a:ext cx="10515240" cy="1325160"/>
           </a:xfrm>
           <a:prstGeom prst="rect">
             <a:avLst/>
@@ -1123,16 +5549,18 @@
             <a:noAutofit/>
           </a:bodyPr>
           <a:p>
-            <a:pPr algn="ctr"/>
-            <a:endParaRPr b="0" lang="pt-BR" sz="4400" spc="-1" strike="noStrike">
-              <a:latin typeface="Arial"/>
-            </a:endParaRPr>
-          </a:p>
-        </p:txBody>
-      </p:sp>
-      <p:sp>
-        <p:nvSpPr>
-          <p:cNvPr id="16" name="PlaceHolder 2"/>
+            <a:endParaRPr b="0" lang="pt-BR" sz="1800" spc="-1" strike="noStrike">
+              <a:solidFill>
+                <a:srgbClr val="000000"/>
+              </a:solidFill>
+              <a:latin typeface="Calibri"/>
+            </a:endParaRPr>
+          </a:p>
+        </p:txBody>
+      </p:sp>
+      <p:sp>
+        <p:nvSpPr>
+          <p:cNvPr id="19" name="PlaceHolder 2"/>
           <p:cNvSpPr>
             <a:spLocks noGrp="1"/>
           </p:cNvSpPr>
@@ -1142,8 +5570,8 @@
         </p:nvSpPr>
         <p:spPr>
           <a:xfrm>
-            <a:off x="504000" y="1326600"/>
-            <a:ext cx="4426920" cy="3288600"/>
+            <a:off x="838080" y="1825560"/>
+            <a:ext cx="5131080" cy="4350960"/>
           </a:xfrm>
           <a:prstGeom prst="rect">
             <a:avLst/>
@@ -1154,15 +5582,18 @@
             <a:normAutofit/>
           </a:bodyPr>
           <a:p>
-            <a:endParaRPr b="0" lang="pt-BR" sz="3200" spc="-1" strike="noStrike">
-              <a:latin typeface="Arial"/>
-            </a:endParaRPr>
-          </a:p>
-        </p:txBody>
-      </p:sp>
-      <p:sp>
-        <p:nvSpPr>
-          <p:cNvPr id="17" name="PlaceHolder 3"/>
+            <a:endParaRPr b="0" lang="pt-BR" sz="2800" spc="-1" strike="noStrike">
+              <a:solidFill>
+                <a:srgbClr val="000000"/>
+              </a:solidFill>
+              <a:latin typeface="Calibri"/>
+            </a:endParaRPr>
+          </a:p>
+        </p:txBody>
+      </p:sp>
+      <p:sp>
+        <p:nvSpPr>
+          <p:cNvPr id="20" name="PlaceHolder 3"/>
           <p:cNvSpPr>
             <a:spLocks noGrp="1"/>
           </p:cNvSpPr>
@@ -1172,8 +5603,8 @@
         </p:nvSpPr>
         <p:spPr>
           <a:xfrm>
-            <a:off x="5152680" y="1326600"/>
-            <a:ext cx="4426920" cy="1568520"/>
+            <a:off x="6226200" y="1825560"/>
+            <a:ext cx="5131080" cy="2075040"/>
           </a:xfrm>
           <a:prstGeom prst="rect">
             <a:avLst/>
@@ -1184,15 +5615,18 @@
             <a:normAutofit/>
           </a:bodyPr>
           <a:p>
-            <a:endParaRPr b="0" lang="pt-BR" sz="3200" spc="-1" strike="noStrike">
-              <a:latin typeface="Arial"/>
-            </a:endParaRPr>
-          </a:p>
-        </p:txBody>
-      </p:sp>
-      <p:sp>
-        <p:nvSpPr>
-          <p:cNvPr id="18" name="PlaceHolder 4"/>
+            <a:endParaRPr b="0" lang="pt-BR" sz="2800" spc="-1" strike="noStrike">
+              <a:solidFill>
+                <a:srgbClr val="000000"/>
+              </a:solidFill>
+              <a:latin typeface="Calibri"/>
+            </a:endParaRPr>
+          </a:p>
+        </p:txBody>
+      </p:sp>
+      <p:sp>
+        <p:nvSpPr>
+          <p:cNvPr id="21" name="PlaceHolder 4"/>
           <p:cNvSpPr>
             <a:spLocks noGrp="1"/>
           </p:cNvSpPr>
@@ -1202,8 +5636,8 @@
         </p:nvSpPr>
         <p:spPr>
           <a:xfrm>
-            <a:off x="5152680" y="3044520"/>
-            <a:ext cx="4426920" cy="1568520"/>
+            <a:off x="6226200" y="4098240"/>
+            <a:ext cx="5131080" cy="2075040"/>
           </a:xfrm>
           <a:prstGeom prst="rect">
             <a:avLst/>
@@ -1214,8 +5648,11 @@
             <a:normAutofit/>
           </a:bodyPr>
           <a:p>
-            <a:endParaRPr b="0" lang="pt-BR" sz="3200" spc="-1" strike="noStrike">
-              <a:latin typeface="Arial"/>
+            <a:endParaRPr b="0" lang="pt-BR" sz="2800" spc="-1" strike="noStrike">
+              <a:solidFill>
+                <a:srgbClr val="000000"/>
+              </a:solidFill>
+              <a:latin typeface="Calibri"/>
             </a:endParaRPr>
           </a:p>
         </p:txBody>
@@ -1244,7 +5681,7 @@
       </p:grpSpPr>
       <p:sp>
         <p:nvSpPr>
-          <p:cNvPr id="19" name="PlaceHolder 1"/>
+          <p:cNvPr id="22" name="PlaceHolder 1"/>
           <p:cNvSpPr>
             <a:spLocks noGrp="1"/>
           </p:cNvSpPr>
@@ -1254,8 +5691,8 @@
         </p:nvSpPr>
         <p:spPr>
           <a:xfrm>
-            <a:off x="504000" y="226080"/>
-            <a:ext cx="9072000" cy="946440"/>
+            <a:off x="838080" y="365040"/>
+            <a:ext cx="10515240" cy="1325160"/>
           </a:xfrm>
           <a:prstGeom prst="rect">
             <a:avLst/>
@@ -1266,16 +5703,18 @@
             <a:noAutofit/>
           </a:bodyPr>
           <a:p>
-            <a:pPr algn="ctr"/>
-            <a:endParaRPr b="0" lang="pt-BR" sz="4400" spc="-1" strike="noStrike">
-              <a:latin typeface="Arial"/>
-            </a:endParaRPr>
-          </a:p>
-        </p:txBody>
-      </p:sp>
-      <p:sp>
-        <p:nvSpPr>
-          <p:cNvPr id="20" name="PlaceHolder 2"/>
+            <a:endParaRPr b="0" lang="pt-BR" sz="1800" spc="-1" strike="noStrike">
+              <a:solidFill>
+                <a:srgbClr val="000000"/>
+              </a:solidFill>
+              <a:latin typeface="Calibri"/>
+            </a:endParaRPr>
+          </a:p>
+        </p:txBody>
+      </p:sp>
+      <p:sp>
+        <p:nvSpPr>
+          <p:cNvPr id="23" name="PlaceHolder 2"/>
           <p:cNvSpPr>
             <a:spLocks noGrp="1"/>
           </p:cNvSpPr>
@@ -1285,8 +5724,8 @@
         </p:nvSpPr>
         <p:spPr>
           <a:xfrm>
-            <a:off x="504000" y="1326600"/>
-            <a:ext cx="4426920" cy="1568520"/>
+            <a:off x="838080" y="1825560"/>
+            <a:ext cx="5131080" cy="2075040"/>
           </a:xfrm>
           <a:prstGeom prst="rect">
             <a:avLst/>
@@ -1297,15 +5736,18 @@
             <a:normAutofit/>
           </a:bodyPr>
           <a:p>
-            <a:endParaRPr b="0" lang="pt-BR" sz="3200" spc="-1" strike="noStrike">
-              <a:latin typeface="Arial"/>
-            </a:endParaRPr>
-          </a:p>
-        </p:txBody>
-      </p:sp>
-      <p:sp>
-        <p:nvSpPr>
-          <p:cNvPr id="21" name="PlaceHolder 3"/>
+            <a:endParaRPr b="0" lang="pt-BR" sz="2800" spc="-1" strike="noStrike">
+              <a:solidFill>
+                <a:srgbClr val="000000"/>
+              </a:solidFill>
+              <a:latin typeface="Calibri"/>
+            </a:endParaRPr>
+          </a:p>
+        </p:txBody>
+      </p:sp>
+      <p:sp>
+        <p:nvSpPr>
+          <p:cNvPr id="24" name="PlaceHolder 3"/>
           <p:cNvSpPr>
             <a:spLocks noGrp="1"/>
           </p:cNvSpPr>
@@ -1315,8 +5757,8 @@
         </p:nvSpPr>
         <p:spPr>
           <a:xfrm>
-            <a:off x="5152680" y="1326600"/>
-            <a:ext cx="4426920" cy="1568520"/>
+            <a:off x="6226200" y="1825560"/>
+            <a:ext cx="5131080" cy="2075040"/>
           </a:xfrm>
           <a:prstGeom prst="rect">
             <a:avLst/>
@@ -1327,15 +5769,18 @@
             <a:normAutofit/>
           </a:bodyPr>
           <a:p>
-            <a:endParaRPr b="0" lang="pt-BR" sz="3200" spc="-1" strike="noStrike">
-              <a:latin typeface="Arial"/>
-            </a:endParaRPr>
-          </a:p>
-        </p:txBody>
-      </p:sp>
-      <p:sp>
-        <p:nvSpPr>
-          <p:cNvPr id="22" name="PlaceHolder 4"/>
+            <a:endParaRPr b="0" lang="pt-BR" sz="2800" spc="-1" strike="noStrike">
+              <a:solidFill>
+                <a:srgbClr val="000000"/>
+              </a:solidFill>
+              <a:latin typeface="Calibri"/>
+            </a:endParaRPr>
+          </a:p>
+        </p:txBody>
+      </p:sp>
+      <p:sp>
+        <p:nvSpPr>
+          <p:cNvPr id="25" name="PlaceHolder 4"/>
           <p:cNvSpPr>
             <a:spLocks noGrp="1"/>
           </p:cNvSpPr>
@@ -1345,8 +5790,8 @@
         </p:nvSpPr>
         <p:spPr>
           <a:xfrm>
-            <a:off x="504000" y="3044520"/>
-            <a:ext cx="9072000" cy="1568520"/>
+            <a:off x="838080" y="4098240"/>
+            <a:ext cx="10515240" cy="2075040"/>
           </a:xfrm>
           <a:prstGeom prst="rect">
             <a:avLst/>
@@ -1357,8 +5802,11 @@
             <a:normAutofit/>
           </a:bodyPr>
           <a:p>
-            <a:endParaRPr b="0" lang="pt-BR" sz="3200" spc="-1" strike="noStrike">
-              <a:latin typeface="Arial"/>
+            <a:endParaRPr b="0" lang="pt-BR" sz="2800" spc="-1" strike="noStrike">
+              <a:solidFill>
+                <a:srgbClr val="000000"/>
+              </a:solidFill>
+              <a:latin typeface="Calibri"/>
             </a:endParaRPr>
           </a:p>
         </p:txBody>
@@ -1404,27 +5852,37 @@
         </p:nvSpPr>
         <p:spPr>
           <a:xfrm>
-            <a:off x="504000" y="226080"/>
-            <a:ext cx="9072000" cy="946440"/>
-          </a:xfrm>
-          <a:prstGeom prst="rect">
-            <a:avLst/>
-          </a:prstGeom>
-        </p:spPr>
-        <p:txBody>
-          <a:bodyPr lIns="0" rIns="0" tIns="0" bIns="0" anchor="ctr">
+            <a:off x="1523880" y="1122480"/>
+            <a:ext cx="9143640" cy="2387160"/>
+          </a:xfrm>
+          <a:prstGeom prst="rect">
+            <a:avLst/>
+          </a:prstGeom>
+        </p:spPr>
+        <p:txBody>
+          <a:bodyPr anchor="b">
             <a:noAutofit/>
           </a:bodyPr>
           <a:p>
-            <a:pPr algn="ctr"/>
+            <a:pPr algn="ctr">
+              <a:lnSpc>
+                <a:spcPct val="90000"/>
+              </a:lnSpc>
+            </a:pPr>
             <a:r>
-              <a:rPr b="0" lang="pt-BR" sz="4400" spc="-1" strike="noStrike">
-                <a:latin typeface="Arial"/>
+              <a:rPr b="0" lang="pt-BR" sz="6000" spc="-1" strike="noStrike">
+                <a:solidFill>
+                  <a:srgbClr val="000000"/>
+                </a:solidFill>
+                <a:latin typeface="Calibri Light"/>
               </a:rPr>
-              <a:t>Clique para editar o formato do texto do título</a:t>
+              <a:t>Clique para editar o título Mestre</a:t>
             </a:r>
-            <a:endParaRPr b="0" lang="pt-BR" sz="4400" spc="-1" strike="noStrike">
-              <a:latin typeface="Arial"/>
+            <a:endParaRPr b="0" lang="pt-BR" sz="6000" spc="-1" strike="noStrike">
+              <a:solidFill>
+                <a:srgbClr val="000000"/>
+              </a:solidFill>
+              <a:latin typeface="Calibri"/>
             </a:endParaRPr>
           </a:p>
         </p:txBody>
@@ -1436,13 +5894,131 @@
             <a:spLocks noGrp="1"/>
           </p:cNvSpPr>
           <p:nvPr>
+            <p:ph type="dt"/>
+          </p:nvPr>
+        </p:nvSpPr>
+        <p:spPr>
+          <a:xfrm>
+            <a:off x="838080" y="6356520"/>
+            <a:ext cx="2742840" cy="364680"/>
+          </a:xfrm>
+          <a:prstGeom prst="rect">
+            <a:avLst/>
+          </a:prstGeom>
+        </p:spPr>
+        <p:txBody>
+          <a:bodyPr anchor="ctr">
+            <a:noAutofit/>
+          </a:bodyPr>
+          <a:p>
+            <a:pPr>
+              <a:lnSpc>
+                <a:spcPct val="100000"/>
+              </a:lnSpc>
+            </a:pPr>
+            <a:fld id="{B6F4BE55-D96F-4481-8395-7A54DEB61AD9}" type="datetime">
+              <a:rPr b="0" lang="pt-BR" sz="1200" spc="-1" strike="noStrike">
+                <a:solidFill>
+                  <a:srgbClr val="8b8b8b"/>
+                </a:solidFill>
+                <a:latin typeface="Calibri"/>
+              </a:rPr>
+              <a:t>22/10/20</a:t>
+            </a:fld>
+            <a:endParaRPr b="0" lang="pt-BR" sz="1200" spc="-1" strike="noStrike">
+              <a:latin typeface="Times New Roman"/>
+            </a:endParaRPr>
+          </a:p>
+        </p:txBody>
+      </p:sp>
+      <p:sp>
+        <p:nvSpPr>
+          <p:cNvPr id="2" name="PlaceHolder 3"/>
+          <p:cNvSpPr>
+            <a:spLocks noGrp="1"/>
+          </p:cNvSpPr>
+          <p:nvPr>
+            <p:ph type="ftr"/>
+          </p:nvPr>
+        </p:nvSpPr>
+        <p:spPr>
+          <a:xfrm>
+            <a:off x="4038480" y="6356520"/>
+            <a:ext cx="4114440" cy="364680"/>
+          </a:xfrm>
+          <a:prstGeom prst="rect">
+            <a:avLst/>
+          </a:prstGeom>
+        </p:spPr>
+        <p:txBody>
+          <a:bodyPr anchor="ctr">
+            <a:noAutofit/>
+          </a:bodyPr>
+          <a:p>
+            <a:endParaRPr b="0" lang="pt-BR" sz="2400" spc="-1" strike="noStrike">
+              <a:latin typeface="Times New Roman"/>
+            </a:endParaRPr>
+          </a:p>
+        </p:txBody>
+      </p:sp>
+      <p:sp>
+        <p:nvSpPr>
+          <p:cNvPr id="3" name="PlaceHolder 4"/>
+          <p:cNvSpPr>
+            <a:spLocks noGrp="1"/>
+          </p:cNvSpPr>
+          <p:nvPr>
+            <p:ph type="sldNum"/>
+          </p:nvPr>
+        </p:nvSpPr>
+        <p:spPr>
+          <a:xfrm>
+            <a:off x="8610480" y="6356520"/>
+            <a:ext cx="2742840" cy="364680"/>
+          </a:xfrm>
+          <a:prstGeom prst="rect">
+            <a:avLst/>
+          </a:prstGeom>
+        </p:spPr>
+        <p:txBody>
+          <a:bodyPr anchor="ctr">
+            <a:noAutofit/>
+          </a:bodyPr>
+          <a:p>
+            <a:pPr algn="r">
+              <a:lnSpc>
+                <a:spcPct val="100000"/>
+              </a:lnSpc>
+            </a:pPr>
+            <a:fld id="{81DBEFB4-1CBF-45B9-A86B-059207F75502}" type="slidenum">
+              <a:rPr b="0" lang="pt-BR" sz="1200" spc="-1" strike="noStrike">
+                <a:solidFill>
+                  <a:srgbClr val="8b8b8b"/>
+                </a:solidFill>
+                <a:latin typeface="Calibri"/>
+              </a:rPr>
+              <a:t>&lt;número&gt;</a:t>
+            </a:fld>
+            <a:endParaRPr b="0" lang="pt-BR" sz="1200" spc="-1" strike="noStrike">
+              <a:latin typeface="Times New Roman"/>
+            </a:endParaRPr>
+          </a:p>
+        </p:txBody>
+      </p:sp>
+      <p:sp>
+        <p:nvSpPr>
+          <p:cNvPr id="4" name="PlaceHolder 5"/>
+          <p:cNvSpPr>
+            <a:spLocks noGrp="1"/>
+          </p:cNvSpPr>
+          <p:nvPr>
             <p:ph type="body"/>
           </p:nvPr>
         </p:nvSpPr>
         <p:spPr>
           <a:xfrm>
-            <a:off x="504000" y="1326600"/>
-            <a:ext cx="9072000" cy="3288600"/>
+            <a:off x="609480" y="1604520"/>
+            <a:ext cx="10972440" cy="3977280"/>
           </a:xfrm>
           <a:prstGeom prst="rect">
             <a:avLst/>
@@ -1450,7 +6026,7 @@
         </p:spPr>
         <p:txBody>
           <a:bodyPr lIns="0" rIns="0" tIns="0" bIns="0">
-            <a:normAutofit fontScale="94000"/>
+            <a:normAutofit/>
           </a:bodyPr>
           <a:p>
             <a:pPr marL="432000" indent="-324000">
@@ -1465,63 +6041,25 @@
               <a:buChar char=""/>
             </a:pPr>
             <a:r>
-              <a:rPr b="0" lang="pt-BR" sz="3200" spc="-1" strike="noStrike">
-                <a:latin typeface="Arial"/>
+              <a:rPr b="0" lang="pt-BR" sz="2800" spc="-1" strike="noStrike">
+                <a:solidFill>
+                  <a:srgbClr val="000000"/>
+                </a:solidFill>
+                <a:latin typeface="Calibri"/>
               </a:rPr>
               <a:t>Clique para editar o formato do texto da estrutura de tópicos</a:t>
             </a:r>
-            <a:endParaRPr b="0" lang="pt-BR" sz="3200" spc="-1" strike="noStrike">
-              <a:latin typeface="Arial"/>
+            <a:endParaRPr b="0" lang="pt-BR" sz="2800" spc="-1" strike="noStrike">
+              <a:solidFill>
+                <a:srgbClr val="000000"/>
+              </a:solidFill>
+              <a:latin typeface="Calibri"/>
             </a:endParaRPr>
           </a:p>
           <a:p>
             <a:pPr lvl="1" marL="864000" indent="-324000">
               <a:spcBef>
                 <a:spcPts val="1134"/>
-              </a:spcBef>
-              <a:buClr>
-                <a:srgbClr val="000000"/>
-              </a:buClr>
-              <a:buSzPct val="75000"/>
-              <a:buFont typeface="Symbol" charset="2"/>
-              <a:buChar char=""/>
-            </a:pPr>
-            <a:r>
-              <a:rPr b="0" lang="pt-BR" sz="2800" spc="-1" strike="noStrike">
-                <a:latin typeface="Arial"/>
-              </a:rPr>
-              <a:t>2.º nível da estrutura de tópicos</a:t>
-            </a:r>
-            <a:endParaRPr b="0" lang="pt-BR" sz="2800" spc="-1" strike="noStrike">
-              <a:latin typeface="Arial"/>
-            </a:endParaRPr>
-          </a:p>
-          <a:p>
-            <a:pPr lvl="2" marL="1296000" indent="-288000">
-              <a:spcBef>
-                <a:spcPts val="850"/>
-              </a:spcBef>
-              <a:buClr>
-                <a:srgbClr val="000000"/>
-              </a:buClr>
-              <a:buSzPct val="45000"/>
-              <a:buFont typeface="Wingdings" charset="2"/>
-              <a:buChar char=""/>
-            </a:pPr>
-            <a:r>
-              <a:rPr b="0" lang="pt-BR" sz="2400" spc="-1" strike="noStrike">
-                <a:latin typeface="Arial"/>
-              </a:rPr>
-              <a:t>3.º nível da estrutura de tópicos</a:t>
-            </a:r>
-            <a:endParaRPr b="0" lang="pt-BR" sz="2400" spc="-1" strike="noStrike">
-              <a:latin typeface="Arial"/>
-            </a:endParaRPr>
-          </a:p>
-          <a:p>
-            <a:pPr lvl="3" marL="1728000" indent="-216000">
-              <a:spcBef>
-                <a:spcPts val="567"/>
               </a:spcBef>
               <a:buClr>
                 <a:srgbClr val="000000"/>
@@ -1532,12 +6070,74 @@
             </a:pPr>
             <a:r>
               <a:rPr b="0" lang="pt-BR" sz="2000" spc="-1" strike="noStrike">
-                <a:latin typeface="Arial"/>
+                <a:solidFill>
+                  <a:srgbClr val="000000"/>
+                </a:solidFill>
+                <a:latin typeface="Calibri"/>
+              </a:rPr>
+              <a:t>2.º nível da estrutura de tópicos</a:t>
+            </a:r>
+            <a:endParaRPr b="0" lang="pt-BR" sz="2000" spc="-1" strike="noStrike">
+              <a:solidFill>
+                <a:srgbClr val="000000"/>
+              </a:solidFill>
+              <a:latin typeface="Calibri"/>
+            </a:endParaRPr>
+          </a:p>
+          <a:p>
+            <a:pPr lvl="2" marL="1296000" indent="-288000">
+              <a:spcBef>
+                <a:spcPts val="850"/>
+              </a:spcBef>
+              <a:buClr>
+                <a:srgbClr val="000000"/>
+              </a:buClr>
+              <a:buSzPct val="45000"/>
+              <a:buFont typeface="Wingdings" charset="2"/>
+              <a:buChar char=""/>
+            </a:pPr>
+            <a:r>
+              <a:rPr b="0" lang="pt-BR" sz="1800" spc="-1" strike="noStrike">
+                <a:solidFill>
+                  <a:srgbClr val="000000"/>
+                </a:solidFill>
+                <a:latin typeface="Calibri"/>
+              </a:rPr>
+              <a:t>3.º nível da estrutura de tópicos</a:t>
+            </a:r>
+            <a:endParaRPr b="0" lang="pt-BR" sz="1800" spc="-1" strike="noStrike">
+              <a:solidFill>
+                <a:srgbClr val="000000"/>
+              </a:solidFill>
+              <a:latin typeface="Calibri"/>
+            </a:endParaRPr>
+          </a:p>
+          <a:p>
+            <a:pPr lvl="3" marL="1728000" indent="-216000">
+              <a:spcBef>
+                <a:spcPts val="567"/>
+              </a:spcBef>
+              <a:buClr>
+                <a:srgbClr val="000000"/>
+              </a:buClr>
+              <a:buSzPct val="75000"/>
+              <a:buFont typeface="Symbol" charset="2"/>
+              <a:buChar char=""/>
+            </a:pPr>
+            <a:r>
+              <a:rPr b="0" lang="pt-BR" sz="1800" spc="-1" strike="noStrike">
+                <a:solidFill>
+                  <a:srgbClr val="000000"/>
+                </a:solidFill>
+                <a:latin typeface="Calibri"/>
               </a:rPr>
               <a:t>4.º nível da estrutura de tópicos</a:t>
             </a:r>
-            <a:endParaRPr b="0" lang="pt-BR" sz="2000" spc="-1" strike="noStrike">
-              <a:latin typeface="Arial"/>
+            <a:endParaRPr b="0" lang="pt-BR" sz="1800" spc="-1" strike="noStrike">
+              <a:solidFill>
+                <a:srgbClr val="000000"/>
+              </a:solidFill>
+              <a:latin typeface="Calibri"/>
             </a:endParaRPr>
           </a:p>
           <a:p>
@@ -1554,12 +6154,18 @@
             </a:pPr>
             <a:r>
               <a:rPr b="0" lang="pt-BR" sz="2000" spc="-1" strike="noStrike">
-                <a:latin typeface="Arial"/>
+                <a:solidFill>
+                  <a:srgbClr val="000000"/>
+                </a:solidFill>
+                <a:latin typeface="Calibri"/>
               </a:rPr>
               <a:t>5.º nível da estrutura de tópicos</a:t>
             </a:r>
             <a:endParaRPr b="0" lang="pt-BR" sz="2000" spc="-1" strike="noStrike">
-              <a:latin typeface="Arial"/>
+              <a:solidFill>
+                <a:srgbClr val="000000"/>
+              </a:solidFill>
+              <a:latin typeface="Calibri"/>
             </a:endParaRPr>
           </a:p>
           <a:p>
@@ -1576,12 +6182,18 @@
             </a:pPr>
             <a:r>
               <a:rPr b="0" lang="pt-BR" sz="2000" spc="-1" strike="noStrike">
-                <a:latin typeface="Arial"/>
+                <a:solidFill>
+                  <a:srgbClr val="000000"/>
+                </a:solidFill>
+                <a:latin typeface="Calibri"/>
               </a:rPr>
               <a:t>6.º nível da estrutura de tópicos</a:t>
             </a:r>
             <a:endParaRPr b="0" lang="pt-BR" sz="2000" spc="-1" strike="noStrike">
-              <a:latin typeface="Arial"/>
+              <a:solidFill>
+                <a:srgbClr val="000000"/>
+              </a:solidFill>
+              <a:latin typeface="Calibri"/>
             </a:endParaRPr>
           </a:p>
           <a:p>
@@ -1598,12 +6210,18 @@
             </a:pPr>
             <a:r>
               <a:rPr b="0" lang="pt-BR" sz="2000" spc="-1" strike="noStrike">
-                <a:latin typeface="Arial"/>
+                <a:solidFill>
+                  <a:srgbClr val="000000"/>
+                </a:solidFill>
+                <a:latin typeface="Calibri"/>
               </a:rPr>
               <a:t>7.º nível da estrutura de tópicos</a:t>
             </a:r>
             <a:endParaRPr b="0" lang="pt-BR" sz="2000" spc="-1" strike="noStrike">
-              <a:latin typeface="Arial"/>
+              <a:solidFill>
+                <a:srgbClr val="000000"/>
+              </a:solidFill>
+              <a:latin typeface="Calibri"/>
             </a:endParaRPr>
           </a:p>
         </p:txBody>
@@ -1624,6 +6242,1479 @@
     <p:sldLayoutId id="2147483658" r:id="rId11"/>
     <p:sldLayoutId id="2147483659" r:id="rId12"/>
     <p:sldLayoutId id="2147483660" r:id="rId13"/>
+  </p:sldLayoutIdLst>
+</p:sldMaster>
+</file>
+
+<file path=ppt/slideMasters/slideMaster2.xml><?xml version="1.0" encoding="utf-8"?>
+<p:sldMaster xmlns:a="http://schemas.openxmlformats.org/drawingml/2006/main" xmlns:p="http://schemas.openxmlformats.org/presentationml/2006/main" xmlns:r="http://schemas.openxmlformats.org/officeDocument/2006/relationships" xmlns:p14="http://schemas.microsoft.com/office/powerpoint/2010/main" xmlns:p15="http://schemas.microsoft.com/office/powerpoint/2012/main" xmlns:mc="http://schemas.openxmlformats.org/markup-compatibility/2006">
+  <p:cSld>
+    <p:bg>
+      <p:bgPr>
+        <a:solidFill>
+          <a:srgbClr val="ffffff"/>
+        </a:solidFill>
+      </p:bgPr>
+    </p:bg>
+    <p:spTree>
+      <p:nvGrpSpPr>
+        <p:cNvPr id="1" name=""/>
+        <p:cNvGrpSpPr/>
+        <p:nvPr/>
+      </p:nvGrpSpPr>
+      <p:grpSpPr>
+        <a:xfrm>
+          <a:off x="0" y="0"/>
+          <a:ext cx="0" cy="0"/>
+          <a:chOff x="0" y="0"/>
+          <a:chExt cx="0" cy="0"/>
+        </a:xfrm>
+      </p:grpSpPr>
+      <p:sp>
+        <p:nvSpPr>
+          <p:cNvPr id="41" name="PlaceHolder 1"/>
+          <p:cNvSpPr>
+            <a:spLocks noGrp="1"/>
+          </p:cNvSpPr>
+          <p:nvPr>
+            <p:ph type="title"/>
+          </p:nvPr>
+        </p:nvSpPr>
+        <p:spPr>
+          <a:xfrm>
+            <a:off x="838080" y="365040"/>
+            <a:ext cx="10515240" cy="1325160"/>
+          </a:xfrm>
+          <a:prstGeom prst="rect">
+            <a:avLst/>
+          </a:prstGeom>
+        </p:spPr>
+        <p:txBody>
+          <a:bodyPr anchor="ctr">
+            <a:noAutofit/>
+          </a:bodyPr>
+          <a:p>
+            <a:pPr>
+              <a:lnSpc>
+                <a:spcPct val="90000"/>
+              </a:lnSpc>
+            </a:pPr>
+            <a:r>
+              <a:rPr b="0" lang="pt-BR" sz="4400" spc="-1" strike="noStrike">
+                <a:solidFill>
+                  <a:srgbClr val="000000"/>
+                </a:solidFill>
+                <a:latin typeface="Calibri Light"/>
+              </a:rPr>
+              <a:t>Clique para editar o título Mestre</a:t>
+            </a:r>
+            <a:endParaRPr b="0" lang="pt-BR" sz="4400" spc="-1" strike="noStrike">
+              <a:solidFill>
+                <a:srgbClr val="000000"/>
+              </a:solidFill>
+              <a:latin typeface="Calibri"/>
+            </a:endParaRPr>
+          </a:p>
+        </p:txBody>
+      </p:sp>
+      <p:sp>
+        <p:nvSpPr>
+          <p:cNvPr id="42" name="PlaceHolder 2"/>
+          <p:cNvSpPr>
+            <a:spLocks noGrp="1"/>
+          </p:cNvSpPr>
+          <p:nvPr>
+            <p:ph type="body"/>
+          </p:nvPr>
+        </p:nvSpPr>
+        <p:spPr>
+          <a:xfrm>
+            <a:off x="838080" y="1825560"/>
+            <a:ext cx="10515240" cy="4350960"/>
+          </a:xfrm>
+          <a:prstGeom prst="rect">
+            <a:avLst/>
+          </a:prstGeom>
+        </p:spPr>
+        <p:txBody>
+          <a:bodyPr>
+            <a:noAutofit/>
+          </a:bodyPr>
+          <a:p>
+            <a:pPr marL="228600" indent="-228240">
+              <a:lnSpc>
+                <a:spcPct val="90000"/>
+              </a:lnSpc>
+              <a:spcBef>
+                <a:spcPts val="1001"/>
+              </a:spcBef>
+              <a:buClr>
+                <a:srgbClr val="000000"/>
+              </a:buClr>
+              <a:buFont typeface="Arial"/>
+              <a:buChar char="•"/>
+            </a:pPr>
+            <a:r>
+              <a:rPr b="0" lang="pt-BR" sz="2800" spc="-1" strike="noStrike">
+                <a:solidFill>
+                  <a:srgbClr val="000000"/>
+                </a:solidFill>
+                <a:latin typeface="Calibri"/>
+              </a:rPr>
+              <a:t>Clique para editar os estilos de texto Mestres</a:t>
+            </a:r>
+            <a:endParaRPr b="0" lang="pt-BR" sz="2800" spc="-1" strike="noStrike">
+              <a:solidFill>
+                <a:srgbClr val="000000"/>
+              </a:solidFill>
+              <a:latin typeface="Calibri"/>
+            </a:endParaRPr>
+          </a:p>
+          <a:p>
+            <a:pPr lvl="1" marL="685800" indent="-228240">
+              <a:lnSpc>
+                <a:spcPct val="90000"/>
+              </a:lnSpc>
+              <a:spcBef>
+                <a:spcPts val="499"/>
+              </a:spcBef>
+              <a:buClr>
+                <a:srgbClr val="000000"/>
+              </a:buClr>
+              <a:buFont typeface="Arial"/>
+              <a:buChar char="•"/>
+            </a:pPr>
+            <a:r>
+              <a:rPr b="0" lang="pt-BR" sz="2400" spc="-1" strike="noStrike">
+                <a:solidFill>
+                  <a:srgbClr val="000000"/>
+                </a:solidFill>
+                <a:latin typeface="Calibri"/>
+              </a:rPr>
+              <a:t>Segundo nível</a:t>
+            </a:r>
+            <a:endParaRPr b="0" lang="pt-BR" sz="2400" spc="-1" strike="noStrike">
+              <a:solidFill>
+                <a:srgbClr val="000000"/>
+              </a:solidFill>
+              <a:latin typeface="Calibri"/>
+            </a:endParaRPr>
+          </a:p>
+          <a:p>
+            <a:pPr lvl="2" marL="1143000" indent="-228240">
+              <a:lnSpc>
+                <a:spcPct val="90000"/>
+              </a:lnSpc>
+              <a:spcBef>
+                <a:spcPts val="499"/>
+              </a:spcBef>
+              <a:buClr>
+                <a:srgbClr val="000000"/>
+              </a:buClr>
+              <a:buFont typeface="Arial"/>
+              <a:buChar char="•"/>
+            </a:pPr>
+            <a:r>
+              <a:rPr b="0" lang="pt-BR" sz="2000" spc="-1" strike="noStrike">
+                <a:solidFill>
+                  <a:srgbClr val="000000"/>
+                </a:solidFill>
+                <a:latin typeface="Calibri"/>
+              </a:rPr>
+              <a:t>Terceiro nível</a:t>
+            </a:r>
+            <a:endParaRPr b="0" lang="pt-BR" sz="2000" spc="-1" strike="noStrike">
+              <a:solidFill>
+                <a:srgbClr val="000000"/>
+              </a:solidFill>
+              <a:latin typeface="Calibri"/>
+            </a:endParaRPr>
+          </a:p>
+          <a:p>
+            <a:pPr lvl="3" marL="1600200" indent="-228240">
+              <a:lnSpc>
+                <a:spcPct val="90000"/>
+              </a:lnSpc>
+              <a:spcBef>
+                <a:spcPts val="499"/>
+              </a:spcBef>
+              <a:buClr>
+                <a:srgbClr val="000000"/>
+              </a:buClr>
+              <a:buFont typeface="Arial"/>
+              <a:buChar char="•"/>
+            </a:pPr>
+            <a:r>
+              <a:rPr b="0" lang="pt-BR" sz="1800" spc="-1" strike="noStrike">
+                <a:solidFill>
+                  <a:srgbClr val="000000"/>
+                </a:solidFill>
+                <a:latin typeface="Calibri"/>
+              </a:rPr>
+              <a:t>Quarto nível</a:t>
+            </a:r>
+            <a:endParaRPr b="0" lang="pt-BR" sz="1800" spc="-1" strike="noStrike">
+              <a:solidFill>
+                <a:srgbClr val="000000"/>
+              </a:solidFill>
+              <a:latin typeface="Calibri"/>
+            </a:endParaRPr>
+          </a:p>
+          <a:p>
+            <a:pPr lvl="4" marL="2057400" indent="-228240">
+              <a:lnSpc>
+                <a:spcPct val="90000"/>
+              </a:lnSpc>
+              <a:spcBef>
+                <a:spcPts val="499"/>
+              </a:spcBef>
+              <a:buClr>
+                <a:srgbClr val="000000"/>
+              </a:buClr>
+              <a:buFont typeface="Arial"/>
+              <a:buChar char="•"/>
+            </a:pPr>
+            <a:r>
+              <a:rPr b="0" lang="pt-BR" sz="1800" spc="-1" strike="noStrike">
+                <a:solidFill>
+                  <a:srgbClr val="000000"/>
+                </a:solidFill>
+                <a:latin typeface="Calibri"/>
+              </a:rPr>
+              <a:t>Quinto nível</a:t>
+            </a:r>
+            <a:endParaRPr b="0" lang="pt-BR" sz="1800" spc="-1" strike="noStrike">
+              <a:solidFill>
+                <a:srgbClr val="000000"/>
+              </a:solidFill>
+              <a:latin typeface="Calibri"/>
+            </a:endParaRPr>
+          </a:p>
+        </p:txBody>
+      </p:sp>
+      <p:sp>
+        <p:nvSpPr>
+          <p:cNvPr id="43" name="PlaceHolder 3"/>
+          <p:cNvSpPr>
+            <a:spLocks noGrp="1"/>
+          </p:cNvSpPr>
+          <p:nvPr>
+            <p:ph type="dt"/>
+          </p:nvPr>
+        </p:nvSpPr>
+        <p:spPr>
+          <a:xfrm>
+            <a:off x="838080" y="6356520"/>
+            <a:ext cx="2742840" cy="364680"/>
+          </a:xfrm>
+          <a:prstGeom prst="rect">
+            <a:avLst/>
+          </a:prstGeom>
+        </p:spPr>
+        <p:txBody>
+          <a:bodyPr anchor="ctr">
+            <a:noAutofit/>
+          </a:bodyPr>
+          <a:p>
+            <a:pPr>
+              <a:lnSpc>
+                <a:spcPct val="100000"/>
+              </a:lnSpc>
+            </a:pPr>
+            <a:fld id="{431129EA-E6A3-4BC6-BDE6-108C832B636F}" type="datetime">
+              <a:rPr b="0" lang="pt-BR" sz="1200" spc="-1" strike="noStrike">
+                <a:solidFill>
+                  <a:srgbClr val="8b8b8b"/>
+                </a:solidFill>
+                <a:latin typeface="Calibri"/>
+              </a:rPr>
+              <a:t>22/10/20</a:t>
+            </a:fld>
+            <a:endParaRPr b="0" lang="pt-BR" sz="1200" spc="-1" strike="noStrike">
+              <a:latin typeface="Times New Roman"/>
+            </a:endParaRPr>
+          </a:p>
+        </p:txBody>
+      </p:sp>
+      <p:sp>
+        <p:nvSpPr>
+          <p:cNvPr id="44" name="PlaceHolder 4"/>
+          <p:cNvSpPr>
+            <a:spLocks noGrp="1"/>
+          </p:cNvSpPr>
+          <p:nvPr>
+            <p:ph type="ftr"/>
+          </p:nvPr>
+        </p:nvSpPr>
+        <p:spPr>
+          <a:xfrm>
+            <a:off x="4038480" y="6356520"/>
+            <a:ext cx="4114440" cy="364680"/>
+          </a:xfrm>
+          <a:prstGeom prst="rect">
+            <a:avLst/>
+          </a:prstGeom>
+        </p:spPr>
+        <p:txBody>
+          <a:bodyPr anchor="ctr">
+            <a:noAutofit/>
+          </a:bodyPr>
+          <a:p>
+            <a:endParaRPr b="0" lang="pt-BR" sz="2400" spc="-1" strike="noStrike">
+              <a:latin typeface="Times New Roman"/>
+            </a:endParaRPr>
+          </a:p>
+        </p:txBody>
+      </p:sp>
+      <p:sp>
+        <p:nvSpPr>
+          <p:cNvPr id="45" name="PlaceHolder 5"/>
+          <p:cNvSpPr>
+            <a:spLocks noGrp="1"/>
+          </p:cNvSpPr>
+          <p:nvPr>
+            <p:ph type="sldNum"/>
+          </p:nvPr>
+        </p:nvSpPr>
+        <p:spPr>
+          <a:xfrm>
+            <a:off x="8610480" y="6356520"/>
+            <a:ext cx="2742840" cy="364680"/>
+          </a:xfrm>
+          <a:prstGeom prst="rect">
+            <a:avLst/>
+          </a:prstGeom>
+        </p:spPr>
+        <p:txBody>
+          <a:bodyPr anchor="ctr">
+            <a:noAutofit/>
+          </a:bodyPr>
+          <a:p>
+            <a:pPr algn="r">
+              <a:lnSpc>
+                <a:spcPct val="100000"/>
+              </a:lnSpc>
+            </a:pPr>
+            <a:fld id="{EACB3DB1-A04A-45F8-88C9-B8B4A06C1116}" type="slidenum">
+              <a:rPr b="0" lang="pt-BR" sz="1200" spc="-1" strike="noStrike">
+                <a:solidFill>
+                  <a:srgbClr val="8b8b8b"/>
+                </a:solidFill>
+                <a:latin typeface="Calibri"/>
+              </a:rPr>
+              <a:t>&lt;número&gt;</a:t>
+            </a:fld>
+            <a:endParaRPr b="0" lang="pt-BR" sz="1200" spc="-1" strike="noStrike">
+              <a:latin typeface="Times New Roman"/>
+            </a:endParaRPr>
+          </a:p>
+        </p:txBody>
+      </p:sp>
+    </p:spTree>
+  </p:cSld>
+  <p:clrMap bg1="lt1" bg2="lt2" tx1="dk1" tx2="dk2" accent1="accent1" accent2="accent2" accent3="accent3" accent4="accent4" accent5="accent5" accent6="accent6" hlink="hlink" folHlink="folHlink"/>
+  <p:sldLayoutIdLst>
+    <p:sldLayoutId id="2147483662" r:id="rId2"/>
+    <p:sldLayoutId id="2147483663" r:id="rId3"/>
+    <p:sldLayoutId id="2147483664" r:id="rId4"/>
+    <p:sldLayoutId id="2147483665" r:id="rId5"/>
+    <p:sldLayoutId id="2147483666" r:id="rId6"/>
+    <p:sldLayoutId id="2147483667" r:id="rId7"/>
+    <p:sldLayoutId id="2147483668" r:id="rId8"/>
+    <p:sldLayoutId id="2147483669" r:id="rId9"/>
+    <p:sldLayoutId id="2147483670" r:id="rId10"/>
+    <p:sldLayoutId id="2147483671" r:id="rId11"/>
+    <p:sldLayoutId id="2147483672" r:id="rId12"/>
+    <p:sldLayoutId id="2147483673" r:id="rId13"/>
+  </p:sldLayoutIdLst>
+</p:sldMaster>
+</file>
+
+<file path=ppt/slideMasters/slideMaster3.xml><?xml version="1.0" encoding="utf-8"?>
+<p:sldMaster xmlns:a="http://schemas.openxmlformats.org/drawingml/2006/main" xmlns:p="http://schemas.openxmlformats.org/presentationml/2006/main" xmlns:r="http://schemas.openxmlformats.org/officeDocument/2006/relationships" xmlns:p14="http://schemas.microsoft.com/office/powerpoint/2010/main" xmlns:p15="http://schemas.microsoft.com/office/powerpoint/2012/main" xmlns:mc="http://schemas.openxmlformats.org/markup-compatibility/2006">
+  <p:cSld>
+    <p:bg>
+      <p:bgPr>
+        <a:solidFill>
+          <a:srgbClr val="ffffff"/>
+        </a:solidFill>
+      </p:bgPr>
+    </p:bg>
+    <p:spTree>
+      <p:nvGrpSpPr>
+        <p:cNvPr id="1" name=""/>
+        <p:cNvGrpSpPr/>
+        <p:nvPr/>
+      </p:nvGrpSpPr>
+      <p:grpSpPr>
+        <a:xfrm>
+          <a:off x="0" y="0"/>
+          <a:ext cx="0" cy="0"/>
+          <a:chOff x="0" y="0"/>
+          <a:chExt cx="0" cy="0"/>
+        </a:xfrm>
+      </p:grpSpPr>
+      <p:sp>
+        <p:nvSpPr>
+          <p:cNvPr id="82" name="PlaceHolder 1"/>
+          <p:cNvSpPr>
+            <a:spLocks noGrp="1"/>
+          </p:cNvSpPr>
+          <p:nvPr>
+            <p:ph type="title"/>
+          </p:nvPr>
+        </p:nvSpPr>
+        <p:spPr>
+          <a:xfrm>
+            <a:off x="838080" y="365040"/>
+            <a:ext cx="10515240" cy="1325160"/>
+          </a:xfrm>
+          <a:prstGeom prst="rect">
+            <a:avLst/>
+          </a:prstGeom>
+        </p:spPr>
+        <p:txBody>
+          <a:bodyPr anchor="ctr">
+            <a:noAutofit/>
+          </a:bodyPr>
+          <a:p>
+            <a:pPr>
+              <a:lnSpc>
+                <a:spcPct val="90000"/>
+              </a:lnSpc>
+            </a:pPr>
+            <a:r>
+              <a:rPr b="0" lang="pt-BR" sz="4400" spc="-1" strike="noStrike">
+                <a:solidFill>
+                  <a:srgbClr val="000000"/>
+                </a:solidFill>
+                <a:latin typeface="Calibri Light"/>
+              </a:rPr>
+              <a:t>Clique para editar o título Mestre</a:t>
+            </a:r>
+            <a:endParaRPr b="0" lang="pt-BR" sz="4400" spc="-1" strike="noStrike">
+              <a:solidFill>
+                <a:srgbClr val="000000"/>
+              </a:solidFill>
+              <a:latin typeface="Calibri"/>
+            </a:endParaRPr>
+          </a:p>
+        </p:txBody>
+      </p:sp>
+      <p:sp>
+        <p:nvSpPr>
+          <p:cNvPr id="83" name="PlaceHolder 2"/>
+          <p:cNvSpPr>
+            <a:spLocks noGrp="1"/>
+          </p:cNvSpPr>
+          <p:nvPr>
+            <p:ph type="dt"/>
+          </p:nvPr>
+        </p:nvSpPr>
+        <p:spPr>
+          <a:xfrm>
+            <a:off x="838080" y="6356520"/>
+            <a:ext cx="2742840" cy="364680"/>
+          </a:xfrm>
+          <a:prstGeom prst="rect">
+            <a:avLst/>
+          </a:prstGeom>
+        </p:spPr>
+        <p:txBody>
+          <a:bodyPr anchor="ctr">
+            <a:noAutofit/>
+          </a:bodyPr>
+          <a:p>
+            <a:pPr>
+              <a:lnSpc>
+                <a:spcPct val="100000"/>
+              </a:lnSpc>
+            </a:pPr>
+            <a:fld id="{21B3C660-9BC9-45F3-B11B-84E3E172A2BE}" type="datetime">
+              <a:rPr b="0" lang="pt-BR" sz="1200" spc="-1" strike="noStrike">
+                <a:solidFill>
+                  <a:srgbClr val="8b8b8b"/>
+                </a:solidFill>
+                <a:latin typeface="Calibri"/>
+              </a:rPr>
+              <a:t>22/10/20</a:t>
+            </a:fld>
+            <a:endParaRPr b="0" lang="pt-BR" sz="1200" spc="-1" strike="noStrike">
+              <a:latin typeface="Times New Roman"/>
+            </a:endParaRPr>
+          </a:p>
+        </p:txBody>
+      </p:sp>
+      <p:sp>
+        <p:nvSpPr>
+          <p:cNvPr id="84" name="PlaceHolder 3"/>
+          <p:cNvSpPr>
+            <a:spLocks noGrp="1"/>
+          </p:cNvSpPr>
+          <p:nvPr>
+            <p:ph type="ftr"/>
+          </p:nvPr>
+        </p:nvSpPr>
+        <p:spPr>
+          <a:xfrm>
+            <a:off x="4038480" y="6356520"/>
+            <a:ext cx="4114440" cy="364680"/>
+          </a:xfrm>
+          <a:prstGeom prst="rect">
+            <a:avLst/>
+          </a:prstGeom>
+        </p:spPr>
+        <p:txBody>
+          <a:bodyPr anchor="ctr">
+            <a:noAutofit/>
+          </a:bodyPr>
+          <a:p>
+            <a:endParaRPr b="0" lang="pt-BR" sz="2400" spc="-1" strike="noStrike">
+              <a:latin typeface="Times New Roman"/>
+            </a:endParaRPr>
+          </a:p>
+        </p:txBody>
+      </p:sp>
+      <p:sp>
+        <p:nvSpPr>
+          <p:cNvPr id="85" name="PlaceHolder 4"/>
+          <p:cNvSpPr>
+            <a:spLocks noGrp="1"/>
+          </p:cNvSpPr>
+          <p:nvPr>
+            <p:ph type="sldNum"/>
+          </p:nvPr>
+        </p:nvSpPr>
+        <p:spPr>
+          <a:xfrm>
+            <a:off x="8610480" y="6356520"/>
+            <a:ext cx="2742840" cy="364680"/>
+          </a:xfrm>
+          <a:prstGeom prst="rect">
+            <a:avLst/>
+          </a:prstGeom>
+        </p:spPr>
+        <p:txBody>
+          <a:bodyPr anchor="ctr">
+            <a:noAutofit/>
+          </a:bodyPr>
+          <a:p>
+            <a:pPr algn="r">
+              <a:lnSpc>
+                <a:spcPct val="100000"/>
+              </a:lnSpc>
+            </a:pPr>
+            <a:fld id="{422D466B-16AA-4713-A2CB-6140EF766A82}" type="slidenum">
+              <a:rPr b="0" lang="pt-BR" sz="1200" spc="-1" strike="noStrike">
+                <a:solidFill>
+                  <a:srgbClr val="8b8b8b"/>
+                </a:solidFill>
+                <a:latin typeface="Calibri"/>
+              </a:rPr>
+              <a:t>&lt;número&gt;</a:t>
+            </a:fld>
+            <a:endParaRPr b="0" lang="pt-BR" sz="1200" spc="-1" strike="noStrike">
+              <a:latin typeface="Times New Roman"/>
+            </a:endParaRPr>
+          </a:p>
+        </p:txBody>
+      </p:sp>
+      <p:sp>
+        <p:nvSpPr>
+          <p:cNvPr id="86" name="PlaceHolder 5"/>
+          <p:cNvSpPr>
+            <a:spLocks noGrp="1"/>
+          </p:cNvSpPr>
+          <p:nvPr>
+            <p:ph type="body"/>
+          </p:nvPr>
+        </p:nvSpPr>
+        <p:spPr>
+          <a:xfrm>
+            <a:off x="609480" y="1604520"/>
+            <a:ext cx="10972440" cy="3977280"/>
+          </a:xfrm>
+          <a:prstGeom prst="rect">
+            <a:avLst/>
+          </a:prstGeom>
+        </p:spPr>
+        <p:txBody>
+          <a:bodyPr lIns="0" rIns="0" tIns="0" bIns="0">
+            <a:normAutofit/>
+          </a:bodyPr>
+          <a:p>
+            <a:pPr marL="432000" indent="-324000">
+              <a:spcBef>
+                <a:spcPts val="1417"/>
+              </a:spcBef>
+              <a:buClr>
+                <a:srgbClr val="000000"/>
+              </a:buClr>
+              <a:buSzPct val="45000"/>
+              <a:buFont typeface="Wingdings" charset="2"/>
+              <a:buChar char=""/>
+            </a:pPr>
+            <a:r>
+              <a:rPr b="0" lang="pt-BR" sz="2800" spc="-1" strike="noStrike">
+                <a:solidFill>
+                  <a:srgbClr val="000000"/>
+                </a:solidFill>
+                <a:latin typeface="Calibri"/>
+              </a:rPr>
+              <a:t>Clique para editar o formato do texto da estrutura de tópicos</a:t>
+            </a:r>
+            <a:endParaRPr b="0" lang="pt-BR" sz="2800" spc="-1" strike="noStrike">
+              <a:solidFill>
+                <a:srgbClr val="000000"/>
+              </a:solidFill>
+              <a:latin typeface="Calibri"/>
+            </a:endParaRPr>
+          </a:p>
+          <a:p>
+            <a:pPr lvl="1" marL="864000" indent="-324000">
+              <a:spcBef>
+                <a:spcPts val="1134"/>
+              </a:spcBef>
+              <a:buClr>
+                <a:srgbClr val="000000"/>
+              </a:buClr>
+              <a:buSzPct val="75000"/>
+              <a:buFont typeface="Symbol" charset="2"/>
+              <a:buChar char=""/>
+            </a:pPr>
+            <a:r>
+              <a:rPr b="0" lang="pt-BR" sz="2000" spc="-1" strike="noStrike">
+                <a:solidFill>
+                  <a:srgbClr val="000000"/>
+                </a:solidFill>
+                <a:latin typeface="Calibri"/>
+              </a:rPr>
+              <a:t>2.º nível da estrutura de tópicos</a:t>
+            </a:r>
+            <a:endParaRPr b="0" lang="pt-BR" sz="2000" spc="-1" strike="noStrike">
+              <a:solidFill>
+                <a:srgbClr val="000000"/>
+              </a:solidFill>
+              <a:latin typeface="Calibri"/>
+            </a:endParaRPr>
+          </a:p>
+          <a:p>
+            <a:pPr lvl="2" marL="1296000" indent="-288000">
+              <a:spcBef>
+                <a:spcPts val="850"/>
+              </a:spcBef>
+              <a:buClr>
+                <a:srgbClr val="000000"/>
+              </a:buClr>
+              <a:buSzPct val="45000"/>
+              <a:buFont typeface="Wingdings" charset="2"/>
+              <a:buChar char=""/>
+            </a:pPr>
+            <a:r>
+              <a:rPr b="0" lang="pt-BR" sz="1800" spc="-1" strike="noStrike">
+                <a:solidFill>
+                  <a:srgbClr val="000000"/>
+                </a:solidFill>
+                <a:latin typeface="Calibri"/>
+              </a:rPr>
+              <a:t>3.º nível da estrutura de tópicos</a:t>
+            </a:r>
+            <a:endParaRPr b="0" lang="pt-BR" sz="1800" spc="-1" strike="noStrike">
+              <a:solidFill>
+                <a:srgbClr val="000000"/>
+              </a:solidFill>
+              <a:latin typeface="Calibri"/>
+            </a:endParaRPr>
+          </a:p>
+          <a:p>
+            <a:pPr lvl="3" marL="1728000" indent="-216000">
+              <a:spcBef>
+                <a:spcPts val="567"/>
+              </a:spcBef>
+              <a:buClr>
+                <a:srgbClr val="000000"/>
+              </a:buClr>
+              <a:buSzPct val="75000"/>
+              <a:buFont typeface="Symbol" charset="2"/>
+              <a:buChar char=""/>
+            </a:pPr>
+            <a:r>
+              <a:rPr b="0" lang="pt-BR" sz="1800" spc="-1" strike="noStrike">
+                <a:solidFill>
+                  <a:srgbClr val="000000"/>
+                </a:solidFill>
+                <a:latin typeface="Calibri"/>
+              </a:rPr>
+              <a:t>4.º nível da estrutura de tópicos</a:t>
+            </a:r>
+            <a:endParaRPr b="0" lang="pt-BR" sz="1800" spc="-1" strike="noStrike">
+              <a:solidFill>
+                <a:srgbClr val="000000"/>
+              </a:solidFill>
+              <a:latin typeface="Calibri"/>
+            </a:endParaRPr>
+          </a:p>
+          <a:p>
+            <a:pPr lvl="4" marL="2160000" indent="-216000">
+              <a:spcBef>
+                <a:spcPts val="283"/>
+              </a:spcBef>
+              <a:buClr>
+                <a:srgbClr val="000000"/>
+              </a:buClr>
+              <a:buSzPct val="45000"/>
+              <a:buFont typeface="Wingdings" charset="2"/>
+              <a:buChar char=""/>
+            </a:pPr>
+            <a:r>
+              <a:rPr b="0" lang="pt-BR" sz="2000" spc="-1" strike="noStrike">
+                <a:solidFill>
+                  <a:srgbClr val="000000"/>
+                </a:solidFill>
+                <a:latin typeface="Calibri"/>
+              </a:rPr>
+              <a:t>5.º nível da estrutura de tópicos</a:t>
+            </a:r>
+            <a:endParaRPr b="0" lang="pt-BR" sz="2000" spc="-1" strike="noStrike">
+              <a:solidFill>
+                <a:srgbClr val="000000"/>
+              </a:solidFill>
+              <a:latin typeface="Calibri"/>
+            </a:endParaRPr>
+          </a:p>
+          <a:p>
+            <a:pPr lvl="5" marL="2592000" indent="-216000">
+              <a:spcBef>
+                <a:spcPts val="283"/>
+              </a:spcBef>
+              <a:buClr>
+                <a:srgbClr val="000000"/>
+              </a:buClr>
+              <a:buSzPct val="45000"/>
+              <a:buFont typeface="Wingdings" charset="2"/>
+              <a:buChar char=""/>
+            </a:pPr>
+            <a:r>
+              <a:rPr b="0" lang="pt-BR" sz="2000" spc="-1" strike="noStrike">
+                <a:solidFill>
+                  <a:srgbClr val="000000"/>
+                </a:solidFill>
+                <a:latin typeface="Calibri"/>
+              </a:rPr>
+              <a:t>6.º nível da estrutura de tópicos</a:t>
+            </a:r>
+            <a:endParaRPr b="0" lang="pt-BR" sz="2000" spc="-1" strike="noStrike">
+              <a:solidFill>
+                <a:srgbClr val="000000"/>
+              </a:solidFill>
+              <a:latin typeface="Calibri"/>
+            </a:endParaRPr>
+          </a:p>
+          <a:p>
+            <a:pPr lvl="6" marL="3024000" indent="-216000">
+              <a:spcBef>
+                <a:spcPts val="283"/>
+              </a:spcBef>
+              <a:buClr>
+                <a:srgbClr val="000000"/>
+              </a:buClr>
+              <a:buSzPct val="45000"/>
+              <a:buFont typeface="Wingdings" charset="2"/>
+              <a:buChar char=""/>
+            </a:pPr>
+            <a:r>
+              <a:rPr b="0" lang="pt-BR" sz="2000" spc="-1" strike="noStrike">
+                <a:solidFill>
+                  <a:srgbClr val="000000"/>
+                </a:solidFill>
+                <a:latin typeface="Calibri"/>
+              </a:rPr>
+              <a:t>7.º nível da estrutura de tópicos</a:t>
+            </a:r>
+            <a:endParaRPr b="0" lang="pt-BR" sz="2000" spc="-1" strike="noStrike">
+              <a:solidFill>
+                <a:srgbClr val="000000"/>
+              </a:solidFill>
+              <a:latin typeface="Calibri"/>
+            </a:endParaRPr>
+          </a:p>
+        </p:txBody>
+      </p:sp>
+    </p:spTree>
+  </p:cSld>
+  <p:clrMap bg1="lt1" bg2="lt2" tx1="dk1" tx2="dk2" accent1="accent1" accent2="accent2" accent3="accent3" accent4="accent4" accent5="accent5" accent6="accent6" hlink="hlink" folHlink="folHlink"/>
+  <p:sldLayoutIdLst>
+    <p:sldLayoutId id="2147483675" r:id="rId2"/>
+    <p:sldLayoutId id="2147483676" r:id="rId3"/>
+    <p:sldLayoutId id="2147483677" r:id="rId4"/>
+    <p:sldLayoutId id="2147483678" r:id="rId5"/>
+    <p:sldLayoutId id="2147483679" r:id="rId6"/>
+    <p:sldLayoutId id="2147483680" r:id="rId7"/>
+    <p:sldLayoutId id="2147483681" r:id="rId8"/>
+    <p:sldLayoutId id="2147483682" r:id="rId9"/>
+    <p:sldLayoutId id="2147483683" r:id="rId10"/>
+    <p:sldLayoutId id="2147483684" r:id="rId11"/>
+    <p:sldLayoutId id="2147483685" r:id="rId12"/>
+    <p:sldLayoutId id="2147483686" r:id="rId13"/>
+  </p:sldLayoutIdLst>
+</p:sldMaster>
+</file>
+
+<file path=ppt/slideMasters/slideMaster4.xml><?xml version="1.0" encoding="utf-8"?>
+<p:sldMaster xmlns:a="http://schemas.openxmlformats.org/drawingml/2006/main" xmlns:p="http://schemas.openxmlformats.org/presentationml/2006/main" xmlns:r="http://schemas.openxmlformats.org/officeDocument/2006/relationships" xmlns:p14="http://schemas.microsoft.com/office/powerpoint/2010/main" xmlns:p15="http://schemas.microsoft.com/office/powerpoint/2012/main" xmlns:mc="http://schemas.openxmlformats.org/markup-compatibility/2006">
+  <p:cSld>
+    <p:bg>
+      <p:bgPr>
+        <a:solidFill>
+          <a:srgbClr val="ffffff"/>
+        </a:solidFill>
+      </p:bgPr>
+    </p:bg>
+    <p:spTree>
+      <p:nvGrpSpPr>
+        <p:cNvPr id="1" name=""/>
+        <p:cNvGrpSpPr/>
+        <p:nvPr/>
+      </p:nvGrpSpPr>
+      <p:grpSpPr>
+        <a:xfrm>
+          <a:off x="0" y="0"/>
+          <a:ext cx="0" cy="0"/>
+          <a:chOff x="0" y="0"/>
+          <a:chExt cx="0" cy="0"/>
+        </a:xfrm>
+      </p:grpSpPr>
+      <p:sp>
+        <p:nvSpPr>
+          <p:cNvPr id="123" name="PlaceHolder 1"/>
+          <p:cNvSpPr>
+            <a:spLocks noGrp="1"/>
+          </p:cNvSpPr>
+          <p:nvPr>
+            <p:ph type="title"/>
+          </p:nvPr>
+        </p:nvSpPr>
+        <p:spPr>
+          <a:xfrm>
+            <a:off x="839880" y="365040"/>
+            <a:ext cx="10515240" cy="1325160"/>
+          </a:xfrm>
+          <a:prstGeom prst="rect">
+            <a:avLst/>
+          </a:prstGeom>
+        </p:spPr>
+        <p:txBody>
+          <a:bodyPr anchor="ctr">
+            <a:noAutofit/>
+          </a:bodyPr>
+          <a:p>
+            <a:pPr>
+              <a:lnSpc>
+                <a:spcPct val="90000"/>
+              </a:lnSpc>
+            </a:pPr>
+            <a:r>
+              <a:rPr b="0" lang="pt-BR" sz="4400" spc="-1" strike="noStrike">
+                <a:solidFill>
+                  <a:srgbClr val="000000"/>
+                </a:solidFill>
+                <a:latin typeface="Calibri Light"/>
+              </a:rPr>
+              <a:t>Clique para editar o título Mestre</a:t>
+            </a:r>
+            <a:endParaRPr b="0" lang="pt-BR" sz="4400" spc="-1" strike="noStrike">
+              <a:solidFill>
+                <a:srgbClr val="000000"/>
+              </a:solidFill>
+              <a:latin typeface="Calibri"/>
+            </a:endParaRPr>
+          </a:p>
+        </p:txBody>
+      </p:sp>
+      <p:sp>
+        <p:nvSpPr>
+          <p:cNvPr id="124" name="PlaceHolder 2"/>
+          <p:cNvSpPr>
+            <a:spLocks noGrp="1"/>
+          </p:cNvSpPr>
+          <p:nvPr>
+            <p:ph type="body"/>
+          </p:nvPr>
+        </p:nvSpPr>
+        <p:spPr>
+          <a:xfrm>
+            <a:off x="839880" y="1681200"/>
+            <a:ext cx="5157360" cy="823680"/>
+          </a:xfrm>
+          <a:prstGeom prst="rect">
+            <a:avLst/>
+          </a:prstGeom>
+        </p:spPr>
+        <p:txBody>
+          <a:bodyPr anchor="b">
+            <a:noAutofit/>
+          </a:bodyPr>
+          <a:p>
+            <a:pPr>
+              <a:lnSpc>
+                <a:spcPct val="90000"/>
+              </a:lnSpc>
+              <a:spcBef>
+                <a:spcPts val="1001"/>
+              </a:spcBef>
+            </a:pPr>
+            <a:r>
+              <a:rPr b="1" lang="pt-BR" sz="2400" spc="-1" strike="noStrike">
+                <a:solidFill>
+                  <a:srgbClr val="000000"/>
+                </a:solidFill>
+                <a:latin typeface="Calibri"/>
+              </a:rPr>
+              <a:t>Clique para editar os estilos de texto Mestres</a:t>
+            </a:r>
+            <a:endParaRPr b="0" lang="pt-BR" sz="2400" spc="-1" strike="noStrike">
+              <a:solidFill>
+                <a:srgbClr val="000000"/>
+              </a:solidFill>
+              <a:latin typeface="Calibri"/>
+            </a:endParaRPr>
+          </a:p>
+        </p:txBody>
+      </p:sp>
+      <p:sp>
+        <p:nvSpPr>
+          <p:cNvPr id="125" name="PlaceHolder 3"/>
+          <p:cNvSpPr>
+            <a:spLocks noGrp="1"/>
+          </p:cNvSpPr>
+          <p:nvPr>
+            <p:ph type="body"/>
+          </p:nvPr>
+        </p:nvSpPr>
+        <p:spPr>
+          <a:xfrm>
+            <a:off x="839880" y="2505240"/>
+            <a:ext cx="5157360" cy="3684240"/>
+          </a:xfrm>
+          <a:prstGeom prst="rect">
+            <a:avLst/>
+          </a:prstGeom>
+        </p:spPr>
+        <p:txBody>
+          <a:bodyPr>
+            <a:noAutofit/>
+          </a:bodyPr>
+          <a:p>
+            <a:pPr marL="228600" indent="-228240">
+              <a:lnSpc>
+                <a:spcPct val="90000"/>
+              </a:lnSpc>
+              <a:spcBef>
+                <a:spcPts val="1001"/>
+              </a:spcBef>
+              <a:buClr>
+                <a:srgbClr val="000000"/>
+              </a:buClr>
+              <a:buFont typeface="Arial"/>
+              <a:buChar char="•"/>
+            </a:pPr>
+            <a:r>
+              <a:rPr b="0" lang="pt-BR" sz="2800" spc="-1" strike="noStrike">
+                <a:solidFill>
+                  <a:srgbClr val="000000"/>
+                </a:solidFill>
+                <a:latin typeface="Calibri"/>
+              </a:rPr>
+              <a:t>Clique para editar os estilos de texto Mestres</a:t>
+            </a:r>
+            <a:endParaRPr b="0" lang="pt-BR" sz="2800" spc="-1" strike="noStrike">
+              <a:solidFill>
+                <a:srgbClr val="000000"/>
+              </a:solidFill>
+              <a:latin typeface="Calibri"/>
+            </a:endParaRPr>
+          </a:p>
+          <a:p>
+            <a:pPr lvl="1" marL="685800" indent="-228240">
+              <a:lnSpc>
+                <a:spcPct val="90000"/>
+              </a:lnSpc>
+              <a:spcBef>
+                <a:spcPts val="499"/>
+              </a:spcBef>
+              <a:buClr>
+                <a:srgbClr val="000000"/>
+              </a:buClr>
+              <a:buFont typeface="Arial"/>
+              <a:buChar char="•"/>
+            </a:pPr>
+            <a:r>
+              <a:rPr b="0" lang="pt-BR" sz="2400" spc="-1" strike="noStrike">
+                <a:solidFill>
+                  <a:srgbClr val="000000"/>
+                </a:solidFill>
+                <a:latin typeface="Calibri"/>
+              </a:rPr>
+              <a:t>Segundo nível</a:t>
+            </a:r>
+            <a:endParaRPr b="0" lang="pt-BR" sz="2400" spc="-1" strike="noStrike">
+              <a:solidFill>
+                <a:srgbClr val="000000"/>
+              </a:solidFill>
+              <a:latin typeface="Calibri"/>
+            </a:endParaRPr>
+          </a:p>
+          <a:p>
+            <a:pPr lvl="2" marL="1143000" indent="-228240">
+              <a:lnSpc>
+                <a:spcPct val="90000"/>
+              </a:lnSpc>
+              <a:spcBef>
+                <a:spcPts val="499"/>
+              </a:spcBef>
+              <a:buClr>
+                <a:srgbClr val="000000"/>
+              </a:buClr>
+              <a:buFont typeface="Arial"/>
+              <a:buChar char="•"/>
+            </a:pPr>
+            <a:r>
+              <a:rPr b="0" lang="pt-BR" sz="2000" spc="-1" strike="noStrike">
+                <a:solidFill>
+                  <a:srgbClr val="000000"/>
+                </a:solidFill>
+                <a:latin typeface="Calibri"/>
+              </a:rPr>
+              <a:t>Terceiro nível</a:t>
+            </a:r>
+            <a:endParaRPr b="0" lang="pt-BR" sz="2000" spc="-1" strike="noStrike">
+              <a:solidFill>
+                <a:srgbClr val="000000"/>
+              </a:solidFill>
+              <a:latin typeface="Calibri"/>
+            </a:endParaRPr>
+          </a:p>
+          <a:p>
+            <a:pPr lvl="3" marL="1600200" indent="-228240">
+              <a:lnSpc>
+                <a:spcPct val="90000"/>
+              </a:lnSpc>
+              <a:spcBef>
+                <a:spcPts val="499"/>
+              </a:spcBef>
+              <a:buClr>
+                <a:srgbClr val="000000"/>
+              </a:buClr>
+              <a:buFont typeface="Arial"/>
+              <a:buChar char="•"/>
+            </a:pPr>
+            <a:r>
+              <a:rPr b="0" lang="pt-BR" sz="1800" spc="-1" strike="noStrike">
+                <a:solidFill>
+                  <a:srgbClr val="000000"/>
+                </a:solidFill>
+                <a:latin typeface="Calibri"/>
+              </a:rPr>
+              <a:t>Quarto nível</a:t>
+            </a:r>
+            <a:endParaRPr b="0" lang="pt-BR" sz="1800" spc="-1" strike="noStrike">
+              <a:solidFill>
+                <a:srgbClr val="000000"/>
+              </a:solidFill>
+              <a:latin typeface="Calibri"/>
+            </a:endParaRPr>
+          </a:p>
+          <a:p>
+            <a:pPr lvl="4" marL="2057400" indent="-228240">
+              <a:lnSpc>
+                <a:spcPct val="90000"/>
+              </a:lnSpc>
+              <a:spcBef>
+                <a:spcPts val="499"/>
+              </a:spcBef>
+              <a:buClr>
+                <a:srgbClr val="000000"/>
+              </a:buClr>
+              <a:buFont typeface="Arial"/>
+              <a:buChar char="•"/>
+            </a:pPr>
+            <a:r>
+              <a:rPr b="0" lang="pt-BR" sz="1800" spc="-1" strike="noStrike">
+                <a:solidFill>
+                  <a:srgbClr val="000000"/>
+                </a:solidFill>
+                <a:latin typeface="Calibri"/>
+              </a:rPr>
+              <a:t>Quinto nível</a:t>
+            </a:r>
+            <a:endParaRPr b="0" lang="pt-BR" sz="1800" spc="-1" strike="noStrike">
+              <a:solidFill>
+                <a:srgbClr val="000000"/>
+              </a:solidFill>
+              <a:latin typeface="Calibri"/>
+            </a:endParaRPr>
+          </a:p>
+        </p:txBody>
+      </p:sp>
+      <p:sp>
+        <p:nvSpPr>
+          <p:cNvPr id="126" name="PlaceHolder 4"/>
+          <p:cNvSpPr>
+            <a:spLocks noGrp="1"/>
+          </p:cNvSpPr>
+          <p:nvPr>
+            <p:ph type="body"/>
+          </p:nvPr>
+        </p:nvSpPr>
+        <p:spPr>
+          <a:xfrm>
+            <a:off x="6172200" y="1681200"/>
+            <a:ext cx="5182920" cy="823680"/>
+          </a:xfrm>
+          <a:prstGeom prst="rect">
+            <a:avLst/>
+          </a:prstGeom>
+        </p:spPr>
+        <p:txBody>
+          <a:bodyPr anchor="b">
+            <a:noAutofit/>
+          </a:bodyPr>
+          <a:p>
+            <a:pPr>
+              <a:lnSpc>
+                <a:spcPct val="90000"/>
+              </a:lnSpc>
+              <a:spcBef>
+                <a:spcPts val="1001"/>
+              </a:spcBef>
+            </a:pPr>
+            <a:r>
+              <a:rPr b="1" lang="pt-BR" sz="2400" spc="-1" strike="noStrike">
+                <a:solidFill>
+                  <a:srgbClr val="000000"/>
+                </a:solidFill>
+                <a:latin typeface="Calibri"/>
+              </a:rPr>
+              <a:t>Clique para editar os estilos de texto Mestres</a:t>
+            </a:r>
+            <a:endParaRPr b="0" lang="pt-BR" sz="2400" spc="-1" strike="noStrike">
+              <a:solidFill>
+                <a:srgbClr val="000000"/>
+              </a:solidFill>
+              <a:latin typeface="Calibri"/>
+            </a:endParaRPr>
+          </a:p>
+        </p:txBody>
+      </p:sp>
+      <p:sp>
+        <p:nvSpPr>
+          <p:cNvPr id="127" name="PlaceHolder 5"/>
+          <p:cNvSpPr>
+            <a:spLocks noGrp="1"/>
+          </p:cNvSpPr>
+          <p:nvPr>
+            <p:ph type="body"/>
+          </p:nvPr>
+        </p:nvSpPr>
+        <p:spPr>
+          <a:xfrm>
+            <a:off x="6172200" y="2505240"/>
+            <a:ext cx="5182920" cy="3684240"/>
+          </a:xfrm>
+          <a:prstGeom prst="rect">
+            <a:avLst/>
+          </a:prstGeom>
+        </p:spPr>
+        <p:txBody>
+          <a:bodyPr>
+            <a:noAutofit/>
+          </a:bodyPr>
+          <a:p>
+            <a:pPr marL="228600" indent="-228240">
+              <a:lnSpc>
+                <a:spcPct val="90000"/>
+              </a:lnSpc>
+              <a:spcBef>
+                <a:spcPts val="1001"/>
+              </a:spcBef>
+              <a:buClr>
+                <a:srgbClr val="000000"/>
+              </a:buClr>
+              <a:buFont typeface="Arial"/>
+              <a:buChar char="•"/>
+            </a:pPr>
+            <a:r>
+              <a:rPr b="0" lang="pt-BR" sz="2800" spc="-1" strike="noStrike">
+                <a:solidFill>
+                  <a:srgbClr val="000000"/>
+                </a:solidFill>
+                <a:latin typeface="Calibri"/>
+              </a:rPr>
+              <a:t>Clique para editar os estilos de texto Mestres</a:t>
+            </a:r>
+            <a:endParaRPr b="0" lang="pt-BR" sz="2800" spc="-1" strike="noStrike">
+              <a:solidFill>
+                <a:srgbClr val="000000"/>
+              </a:solidFill>
+              <a:latin typeface="Calibri"/>
+            </a:endParaRPr>
+          </a:p>
+          <a:p>
+            <a:pPr lvl="1" marL="685800" indent="-228240">
+              <a:lnSpc>
+                <a:spcPct val="90000"/>
+              </a:lnSpc>
+              <a:spcBef>
+                <a:spcPts val="499"/>
+              </a:spcBef>
+              <a:buClr>
+                <a:srgbClr val="000000"/>
+              </a:buClr>
+              <a:buFont typeface="Arial"/>
+              <a:buChar char="•"/>
+            </a:pPr>
+            <a:r>
+              <a:rPr b="0" lang="pt-BR" sz="2400" spc="-1" strike="noStrike">
+                <a:solidFill>
+                  <a:srgbClr val="000000"/>
+                </a:solidFill>
+                <a:latin typeface="Calibri"/>
+              </a:rPr>
+              <a:t>Segundo nível</a:t>
+            </a:r>
+            <a:endParaRPr b="0" lang="pt-BR" sz="2400" spc="-1" strike="noStrike">
+              <a:solidFill>
+                <a:srgbClr val="000000"/>
+              </a:solidFill>
+              <a:latin typeface="Calibri"/>
+            </a:endParaRPr>
+          </a:p>
+          <a:p>
+            <a:pPr lvl="2" marL="1143000" indent="-228240">
+              <a:lnSpc>
+                <a:spcPct val="90000"/>
+              </a:lnSpc>
+              <a:spcBef>
+                <a:spcPts val="499"/>
+              </a:spcBef>
+              <a:buClr>
+                <a:srgbClr val="000000"/>
+              </a:buClr>
+              <a:buFont typeface="Arial"/>
+              <a:buChar char="•"/>
+            </a:pPr>
+            <a:r>
+              <a:rPr b="0" lang="pt-BR" sz="2000" spc="-1" strike="noStrike">
+                <a:solidFill>
+                  <a:srgbClr val="000000"/>
+                </a:solidFill>
+                <a:latin typeface="Calibri"/>
+              </a:rPr>
+              <a:t>Terceiro nível</a:t>
+            </a:r>
+            <a:endParaRPr b="0" lang="pt-BR" sz="2000" spc="-1" strike="noStrike">
+              <a:solidFill>
+                <a:srgbClr val="000000"/>
+              </a:solidFill>
+              <a:latin typeface="Calibri"/>
+            </a:endParaRPr>
+          </a:p>
+          <a:p>
+            <a:pPr lvl="3" marL="1600200" indent="-228240">
+              <a:lnSpc>
+                <a:spcPct val="90000"/>
+              </a:lnSpc>
+              <a:spcBef>
+                <a:spcPts val="499"/>
+              </a:spcBef>
+              <a:buClr>
+                <a:srgbClr val="000000"/>
+              </a:buClr>
+              <a:buFont typeface="Arial"/>
+              <a:buChar char="•"/>
+            </a:pPr>
+            <a:r>
+              <a:rPr b="0" lang="pt-BR" sz="1800" spc="-1" strike="noStrike">
+                <a:solidFill>
+                  <a:srgbClr val="000000"/>
+                </a:solidFill>
+                <a:latin typeface="Calibri"/>
+              </a:rPr>
+              <a:t>Quarto nível</a:t>
+            </a:r>
+            <a:endParaRPr b="0" lang="pt-BR" sz="1800" spc="-1" strike="noStrike">
+              <a:solidFill>
+                <a:srgbClr val="000000"/>
+              </a:solidFill>
+              <a:latin typeface="Calibri"/>
+            </a:endParaRPr>
+          </a:p>
+          <a:p>
+            <a:pPr lvl="4" marL="2057400" indent="-228240">
+              <a:lnSpc>
+                <a:spcPct val="90000"/>
+              </a:lnSpc>
+              <a:spcBef>
+                <a:spcPts val="499"/>
+              </a:spcBef>
+              <a:buClr>
+                <a:srgbClr val="000000"/>
+              </a:buClr>
+              <a:buFont typeface="Arial"/>
+              <a:buChar char="•"/>
+            </a:pPr>
+            <a:r>
+              <a:rPr b="0" lang="pt-BR" sz="1800" spc="-1" strike="noStrike">
+                <a:solidFill>
+                  <a:srgbClr val="000000"/>
+                </a:solidFill>
+                <a:latin typeface="Calibri"/>
+              </a:rPr>
+              <a:t>Quinto nível</a:t>
+            </a:r>
+            <a:endParaRPr b="0" lang="pt-BR" sz="1800" spc="-1" strike="noStrike">
+              <a:solidFill>
+                <a:srgbClr val="000000"/>
+              </a:solidFill>
+              <a:latin typeface="Calibri"/>
+            </a:endParaRPr>
+          </a:p>
+        </p:txBody>
+      </p:sp>
+      <p:sp>
+        <p:nvSpPr>
+          <p:cNvPr id="128" name="PlaceHolder 6"/>
+          <p:cNvSpPr>
+            <a:spLocks noGrp="1"/>
+          </p:cNvSpPr>
+          <p:nvPr>
+            <p:ph type="dt"/>
+          </p:nvPr>
+        </p:nvSpPr>
+        <p:spPr>
+          <a:xfrm>
+            <a:off x="838080" y="6356520"/>
+            <a:ext cx="2742840" cy="364680"/>
+          </a:xfrm>
+          <a:prstGeom prst="rect">
+            <a:avLst/>
+          </a:prstGeom>
+        </p:spPr>
+        <p:txBody>
+          <a:bodyPr anchor="ctr">
+            <a:noAutofit/>
+          </a:bodyPr>
+          <a:p>
+            <a:pPr>
+              <a:lnSpc>
+                <a:spcPct val="100000"/>
+              </a:lnSpc>
+            </a:pPr>
+            <a:fld id="{5D9B51A1-1776-4BCD-A9A8-F6DCEC7892E0}" type="datetime">
+              <a:rPr b="0" lang="pt-BR" sz="1200" spc="-1" strike="noStrike">
+                <a:solidFill>
+                  <a:srgbClr val="8b8b8b"/>
+                </a:solidFill>
+                <a:latin typeface="Calibri"/>
+              </a:rPr>
+              <a:t>22/10/20</a:t>
+            </a:fld>
+            <a:endParaRPr b="0" lang="pt-BR" sz="1200" spc="-1" strike="noStrike">
+              <a:latin typeface="Times New Roman"/>
+            </a:endParaRPr>
+          </a:p>
+        </p:txBody>
+      </p:sp>
+      <p:sp>
+        <p:nvSpPr>
+          <p:cNvPr id="129" name="PlaceHolder 7"/>
+          <p:cNvSpPr>
+            <a:spLocks noGrp="1"/>
+          </p:cNvSpPr>
+          <p:nvPr>
+            <p:ph type="ftr"/>
+          </p:nvPr>
+        </p:nvSpPr>
+        <p:spPr>
+          <a:xfrm>
+            <a:off x="4038480" y="6356520"/>
+            <a:ext cx="4114440" cy="364680"/>
+          </a:xfrm>
+          <a:prstGeom prst="rect">
+            <a:avLst/>
+          </a:prstGeom>
+        </p:spPr>
+        <p:txBody>
+          <a:bodyPr anchor="ctr">
+            <a:noAutofit/>
+          </a:bodyPr>
+          <a:p>
+            <a:endParaRPr b="0" lang="pt-BR" sz="2400" spc="-1" strike="noStrike">
+              <a:latin typeface="Times New Roman"/>
+            </a:endParaRPr>
+          </a:p>
+        </p:txBody>
+      </p:sp>
+      <p:sp>
+        <p:nvSpPr>
+          <p:cNvPr id="130" name="PlaceHolder 8"/>
+          <p:cNvSpPr>
+            <a:spLocks noGrp="1"/>
+          </p:cNvSpPr>
+          <p:nvPr>
+            <p:ph type="sldNum"/>
+          </p:nvPr>
+        </p:nvSpPr>
+        <p:spPr>
+          <a:xfrm>
+            <a:off x="8610480" y="6356520"/>
+            <a:ext cx="2742840" cy="364680"/>
+          </a:xfrm>
+          <a:prstGeom prst="rect">
+            <a:avLst/>
+          </a:prstGeom>
+        </p:spPr>
+        <p:txBody>
+          <a:bodyPr anchor="ctr">
+            <a:noAutofit/>
+          </a:bodyPr>
+          <a:p>
+            <a:pPr algn="r">
+              <a:lnSpc>
+                <a:spcPct val="100000"/>
+              </a:lnSpc>
+            </a:pPr>
+            <a:fld id="{81E98956-2B3E-4367-ACA6-3D34BECF8F5C}" type="slidenum">
+              <a:rPr b="0" lang="pt-BR" sz="1200" spc="-1" strike="noStrike">
+                <a:solidFill>
+                  <a:srgbClr val="8b8b8b"/>
+                </a:solidFill>
+                <a:latin typeface="Calibri"/>
+              </a:rPr>
+              <a:t>&lt;número&gt;</a:t>
+            </a:fld>
+            <a:endParaRPr b="0" lang="pt-BR" sz="1200" spc="-1" strike="noStrike">
+              <a:latin typeface="Times New Roman"/>
+            </a:endParaRPr>
+          </a:p>
+        </p:txBody>
+      </p:sp>
+    </p:spTree>
+  </p:cSld>
+  <p:clrMap bg1="lt1" bg2="lt2" tx1="dk1" tx2="dk2" accent1="accent1" accent2="accent2" accent3="accent3" accent4="accent4" accent5="accent5" accent6="accent6" hlink="hlink" folHlink="folHlink"/>
+  <p:sldLayoutIdLst>
+    <p:sldLayoutId id="2147483688" r:id="rId2"/>
+    <p:sldLayoutId id="2147483689" r:id="rId3"/>
+    <p:sldLayoutId id="2147483690" r:id="rId4"/>
+    <p:sldLayoutId id="2147483691" r:id="rId5"/>
+    <p:sldLayoutId id="2147483692" r:id="rId6"/>
+    <p:sldLayoutId id="2147483693" r:id="rId7"/>
+    <p:sldLayoutId id="2147483694" r:id="rId8"/>
+    <p:sldLayoutId id="2147483695" r:id="rId9"/>
+    <p:sldLayoutId id="2147483696" r:id="rId10"/>
+    <p:sldLayoutId id="2147483697" r:id="rId11"/>
+    <p:sldLayoutId id="2147483698" r:id="rId12"/>
+    <p:sldLayoutId id="2147483699" r:id="rId13"/>
   </p:sldLayoutIdLst>
 </p:sldMaster>
 </file>
@@ -1647,14 +7738,14 @@
       </p:grpSpPr>
       <p:sp>
         <p:nvSpPr>
-          <p:cNvPr id="38" name="CustomShape 1"/>
-          <p:cNvSpPr/>
+          <p:cNvPr id="167" name="TextShape 1"/>
+          <p:cNvSpPr txBox="1"/>
           <p:nvPr/>
         </p:nvSpPr>
         <p:spPr>
           <a:xfrm>
-            <a:off x="692640" y="301680"/>
-            <a:ext cx="8692200" cy="1093680"/>
+            <a:off x="838080" y="365040"/>
+            <a:ext cx="10515240" cy="1325160"/>
           </a:xfrm>
           <a:prstGeom prst="rect">
             <a:avLst/>
@@ -1664,16 +7755,37 @@
             <a:noFill/>
           </a:ln>
         </p:spPr>
-        <p:style>
-          <a:lnRef idx="0"/>
-          <a:fillRef idx="0"/>
-          <a:effectRef idx="0"/>
-          <a:fontRef idx="minor"/>
-        </p:style>
+        <p:txBody>
+          <a:bodyPr anchor="ctr">
+            <a:noAutofit/>
+          </a:bodyPr>
+          <a:p>
+            <a:pPr>
+              <a:lnSpc>
+                <a:spcPct val="90000"/>
+              </a:lnSpc>
+            </a:pPr>
+            <a:r>
+              <a:rPr b="0" lang="pt-BR" sz="4400" spc="-1" strike="noStrike">
+                <a:solidFill>
+                  <a:srgbClr val="000000"/>
+                </a:solidFill>
+                <a:latin typeface="Calibri Light"/>
+              </a:rPr>
+              <a:t>Ciclo de Vida de Traje a Rigor</a:t>
+            </a:r>
+            <a:endParaRPr b="0" lang="pt-BR" sz="4400" spc="-1" strike="noStrike">
+              <a:solidFill>
+                <a:srgbClr val="000000"/>
+              </a:solidFill>
+              <a:latin typeface="Calibri"/>
+            </a:endParaRPr>
+          </a:p>
+        </p:txBody>
       </p:sp>
       <p:pic>
         <p:nvPicPr>
-          <p:cNvPr id="39" name="" descr=""/>
+          <p:cNvPr id="168" name="" descr=""/>
           <p:cNvPicPr/>
           <p:nvPr/>
         </p:nvPicPr>
@@ -1683,8 +7795,8 @@
         </p:blipFill>
         <p:spPr>
           <a:xfrm>
-            <a:off x="855720" y="216000"/>
-            <a:ext cx="8108280" cy="5425920"/>
+            <a:off x="4792680" y="1639080"/>
+            <a:ext cx="2691360" cy="4794840"/>
           </a:xfrm>
           <a:prstGeom prst="rect">
             <a:avLst/>
@@ -1696,14 +7808,14 @@
       </p:pic>
       <p:sp>
         <p:nvSpPr>
-          <p:cNvPr id="40" name="CustomShape 2"/>
+          <p:cNvPr id="169" name="CustomShape 2"/>
           <p:cNvSpPr/>
           <p:nvPr/>
         </p:nvSpPr>
         <p:spPr>
           <a:xfrm>
-            <a:off x="231120" y="219600"/>
-            <a:ext cx="2719800" cy="202320"/>
+            <a:off x="159120" y="214200"/>
+            <a:ext cx="4232880" cy="201240"/>
           </a:xfrm>
           <a:prstGeom prst="rect">
             <a:avLst/>
@@ -1729,6 +7841,16 @@
                 <a:spcPct val="90000"/>
               </a:lnSpc>
             </a:pPr>
+            <a:r>
+              <a:rPr b="0" lang="pt-BR" sz="1400" spc="-1" strike="noStrike">
+                <a:solidFill>
+                  <a:srgbClr val="000000"/>
+                </a:solidFill>
+                <a:latin typeface="Calibri Light"/>
+                <a:ea typeface="DejaVu Sans"/>
+              </a:rPr>
+              <a:t>Capacidade – Tratar Escolha do Traje a Rigo</a:t>
+            </a:r>
             <a:r>
               <a:rPr b="0" lang="pt-BR" sz="1000" spc="-1" strike="noStrike">
                 <a:solidFill>
@@ -1737,24 +7859,1463 @@
                 <a:latin typeface="Calibri Light"/>
                 <a:ea typeface="DejaVu Sans"/>
               </a:rPr>
-              <a:t>Cenário: Locar Traje a Rigor</a:t>
+              <a:t>r</a:t>
             </a:r>
             <a:endParaRPr b="0" lang="pt-BR" sz="1000" spc="-1" strike="noStrike">
               <a:latin typeface="Arial"/>
             </a:endParaRPr>
           </a:p>
+        </p:txBody>
+      </p:sp>
+    </p:spTree>
+  </p:cSld>
+  <mc:AlternateContent>
+    <mc:Choice Requires="p14">
+      <p:transition spd="slow" p14:dur="2000"/>
+    </mc:Choice>
+    <mc:Fallback>
+      <p:transition spd="slow"/>
+    </mc:Fallback>
+  </mc:AlternateContent>
+</p:sld>
+</file>
+
+<file path=ppt/slides/slide10.xml><?xml version="1.0" encoding="utf-8"?>
+<p:sld xmlns:a="http://schemas.openxmlformats.org/drawingml/2006/main" xmlns:p="http://schemas.openxmlformats.org/presentationml/2006/main" xmlns:r="http://schemas.openxmlformats.org/officeDocument/2006/relationships" xmlns:p14="http://schemas.microsoft.com/office/powerpoint/2010/main" xmlns:p15="http://schemas.microsoft.com/office/powerpoint/2012/main" xmlns:mc="http://schemas.openxmlformats.org/markup-compatibility/2006">
+  <p:cSld>
+    <p:spTree>
+      <p:nvGrpSpPr>
+        <p:cNvPr id="1" name=""/>
+        <p:cNvGrpSpPr/>
+        <p:nvPr/>
+      </p:nvGrpSpPr>
+      <p:grpSpPr>
+        <a:xfrm>
+          <a:off x="0" y="0"/>
+          <a:ext cx="0" cy="0"/>
+          <a:chOff x="0" y="0"/>
+          <a:chExt cx="0" cy="0"/>
+        </a:xfrm>
+      </p:grpSpPr>
+      <p:sp>
+        <p:nvSpPr>
+          <p:cNvPr id="194" name="TextShape 1"/>
+          <p:cNvSpPr txBox="1"/>
+          <p:nvPr/>
+        </p:nvSpPr>
+        <p:spPr>
+          <a:xfrm>
+            <a:off x="838080" y="365040"/>
+            <a:ext cx="10515240" cy="1325160"/>
+          </a:xfrm>
+          <a:prstGeom prst="rect">
+            <a:avLst/>
+          </a:prstGeom>
+          <a:noFill/>
+          <a:ln>
+            <a:noFill/>
+          </a:ln>
+        </p:spPr>
+        <p:txBody>
+          <a:bodyPr anchor="ctr">
+            <a:noAutofit/>
+          </a:bodyPr>
           <a:p>
             <a:pPr>
               <a:lnSpc>
                 <a:spcPct val="90000"/>
               </a:lnSpc>
             </a:pPr>
+            <a:r>
+              <a:rPr b="0" lang="pt-BR" sz="4400" spc="-1" strike="noStrike">
+                <a:solidFill>
+                  <a:srgbClr val="000000"/>
+                </a:solidFill>
+                <a:latin typeface="Calibri Light"/>
+              </a:rPr>
+              <a:t>Ciclo de Vida de Contrato Assinado</a:t>
+            </a:r>
+            <a:endParaRPr b="0" lang="pt-BR" sz="4400" spc="-1" strike="noStrike">
+              <a:solidFill>
+                <a:srgbClr val="000000"/>
+              </a:solidFill>
+              <a:latin typeface="Calibri"/>
+            </a:endParaRPr>
+          </a:p>
+        </p:txBody>
+      </p:sp>
+      <p:sp>
+        <p:nvSpPr>
+          <p:cNvPr id="195" name="CustomShape 2"/>
+          <p:cNvSpPr/>
+          <p:nvPr/>
+        </p:nvSpPr>
+        <p:spPr>
+          <a:xfrm>
+            <a:off x="159120" y="200160"/>
+            <a:ext cx="4232880" cy="201240"/>
+          </a:xfrm>
+          <a:prstGeom prst="rect">
+            <a:avLst/>
+          </a:prstGeom>
+          <a:noFill/>
+          <a:ln>
+            <a:noFill/>
+          </a:ln>
+        </p:spPr>
+        <p:style>
+          <a:lnRef idx="0"/>
+          <a:fillRef idx="0"/>
+          <a:effectRef idx="0"/>
+          <a:fontRef idx="minor"/>
+        </p:style>
+        <p:txBody>
+          <a:bodyPr lIns="90000" rIns="90000" tIns="45000" bIns="45000">
+            <a:noAutofit/>
+          </a:bodyPr>
+          <a:p>
+            <a:pPr>
+              <a:lnSpc>
+                <a:spcPct val="90000"/>
+              </a:lnSpc>
+            </a:pPr>
+            <a:r>
+              <a:rPr b="0" lang="pt-BR" sz="1400" spc="-1" strike="noStrike">
+                <a:solidFill>
+                  <a:srgbClr val="000000"/>
+                </a:solidFill>
+                <a:latin typeface="Calibri Light"/>
+                <a:ea typeface="DejaVu Sans"/>
+              </a:rPr>
+              <a:t>Capacidade – </a:t>
+            </a:r>
+            <a:r>
+              <a:rPr b="0" lang="pt-BR" sz="1400" spc="-1" strike="noStrike">
+                <a:solidFill>
+                  <a:srgbClr val="000000"/>
+                </a:solidFill>
+                <a:latin typeface="Calibri Light"/>
+                <a:ea typeface="DejaVu Sans"/>
+              </a:rPr>
+              <a:t>Tratar retirada traje a rigor</a:t>
+            </a:r>
+            <a:endParaRPr b="0" lang="pt-BR" sz="1400" spc="-1" strike="noStrike">
+              <a:latin typeface="Arial"/>
+            </a:endParaRPr>
+          </a:p>
+        </p:txBody>
+      </p:sp>
+      <p:pic>
+        <p:nvPicPr>
+          <p:cNvPr id="196" name="" descr=""/>
+          <p:cNvPicPr/>
+          <p:nvPr/>
+        </p:nvPicPr>
+        <p:blipFill>
+          <a:blip r:embed="rId1"/>
+          <a:stretch/>
+        </p:blipFill>
+        <p:spPr>
+          <a:xfrm>
+            <a:off x="4228560" y="1476000"/>
+            <a:ext cx="3404160" cy="5256000"/>
+          </a:xfrm>
+          <a:prstGeom prst="rect">
+            <a:avLst/>
+          </a:prstGeom>
+          <a:ln>
+            <a:noFill/>
+          </a:ln>
+        </p:spPr>
+      </p:pic>
+    </p:spTree>
+  </p:cSld>
+  <mc:AlternateContent>
+    <mc:Choice Requires="p14">
+      <p:transition spd="slow" p14:dur="2000"/>
+    </mc:Choice>
+    <mc:Fallback>
+      <p:transition spd="slow"/>
+    </mc:Fallback>
+  </mc:AlternateContent>
+</p:sld>
+</file>
+
+<file path=ppt/slides/slide2.xml><?xml version="1.0" encoding="utf-8"?>
+<p:sld xmlns:a="http://schemas.openxmlformats.org/drawingml/2006/main" xmlns:p="http://schemas.openxmlformats.org/presentationml/2006/main" xmlns:r="http://schemas.openxmlformats.org/officeDocument/2006/relationships" xmlns:p14="http://schemas.microsoft.com/office/powerpoint/2010/main" xmlns:p15="http://schemas.microsoft.com/office/powerpoint/2012/main" xmlns:mc="http://schemas.openxmlformats.org/markup-compatibility/2006">
+  <p:cSld>
+    <p:spTree>
+      <p:nvGrpSpPr>
+        <p:cNvPr id="1" name=""/>
+        <p:cNvGrpSpPr/>
+        <p:nvPr/>
+      </p:nvGrpSpPr>
+      <p:grpSpPr>
+        <a:xfrm>
+          <a:off x="0" y="0"/>
+          <a:ext cx="0" cy="0"/>
+          <a:chOff x="0" y="0"/>
+          <a:chExt cx="0" cy="0"/>
+        </a:xfrm>
+      </p:grpSpPr>
+      <p:sp>
+        <p:nvSpPr>
+          <p:cNvPr id="170" name="TextShape 1"/>
+          <p:cNvSpPr txBox="1"/>
+          <p:nvPr/>
+        </p:nvSpPr>
+        <p:spPr>
+          <a:xfrm>
+            <a:off x="838080" y="365040"/>
+            <a:ext cx="10515240" cy="1325160"/>
+          </a:xfrm>
+          <a:prstGeom prst="rect">
+            <a:avLst/>
+          </a:prstGeom>
+          <a:noFill/>
+          <a:ln>
+            <a:noFill/>
+          </a:ln>
+        </p:spPr>
+        <p:txBody>
+          <a:bodyPr anchor="ctr">
+            <a:noAutofit/>
+          </a:bodyPr>
+          <a:p>
+            <a:pPr>
+              <a:lnSpc>
+                <a:spcPct val="90000"/>
+              </a:lnSpc>
+            </a:pPr>
+            <a:r>
+              <a:rPr b="0" lang="pt-BR" sz="4400" spc="-1" strike="noStrike">
+                <a:solidFill>
+                  <a:srgbClr val="000000"/>
+                </a:solidFill>
+                <a:latin typeface="Calibri Light"/>
+              </a:rPr>
+              <a:t>Ciclo de Vida de Locação</a:t>
+            </a:r>
+            <a:endParaRPr b="0" lang="pt-BR" sz="4400" spc="-1" strike="noStrike">
+              <a:solidFill>
+                <a:srgbClr val="000000"/>
+              </a:solidFill>
+              <a:latin typeface="Calibri"/>
+            </a:endParaRPr>
+          </a:p>
+        </p:txBody>
+      </p:sp>
+      <p:pic>
+        <p:nvPicPr>
+          <p:cNvPr id="171" name="" descr=""/>
+          <p:cNvPicPr/>
+          <p:nvPr/>
+        </p:nvPicPr>
+        <p:blipFill>
+          <a:blip r:embed="rId1"/>
+          <a:stretch/>
+        </p:blipFill>
+        <p:spPr>
+          <a:xfrm>
+            <a:off x="3403440" y="1429920"/>
+            <a:ext cx="5848560" cy="5292000"/>
+          </a:xfrm>
+          <a:prstGeom prst="rect">
+            <a:avLst/>
+          </a:prstGeom>
+          <a:ln>
+            <a:noFill/>
+          </a:ln>
+        </p:spPr>
+      </p:pic>
+      <p:sp>
+        <p:nvSpPr>
+          <p:cNvPr id="172" name="CustomShape 2"/>
+          <p:cNvSpPr/>
+          <p:nvPr/>
+        </p:nvSpPr>
+        <p:spPr>
+          <a:xfrm>
+            <a:off x="159120" y="214200"/>
+            <a:ext cx="4232880" cy="201240"/>
+          </a:xfrm>
+          <a:prstGeom prst="rect">
+            <a:avLst/>
+          </a:prstGeom>
+          <a:noFill/>
+          <a:ln>
+            <a:noFill/>
+          </a:ln>
+        </p:spPr>
+        <p:style>
+          <a:lnRef idx="0"/>
+          <a:fillRef idx="0"/>
+          <a:effectRef idx="0"/>
+          <a:fontRef idx="minor"/>
+        </p:style>
+        <p:txBody>
+          <a:bodyPr lIns="90000" rIns="90000" tIns="45000" bIns="45000">
+            <a:noAutofit/>
+          </a:bodyPr>
+          <a:p>
+            <a:pPr>
+              <a:lnSpc>
+                <a:spcPct val="90000"/>
+              </a:lnSpc>
+            </a:pPr>
+            <a:r>
+              <a:rPr b="0" lang="pt-BR" sz="1400" spc="-1" strike="noStrike">
+                <a:solidFill>
+                  <a:srgbClr val="000000"/>
+                </a:solidFill>
+                <a:latin typeface="Calibri Light"/>
+                <a:ea typeface="DejaVu Sans"/>
+              </a:rPr>
+              <a:t>Capacidade – Tratar Escolha do Traje a Rigo</a:t>
+            </a:r>
+            <a:r>
+              <a:rPr b="0" lang="pt-BR" sz="1000" spc="-1" strike="noStrike">
+                <a:solidFill>
+                  <a:srgbClr val="000000"/>
+                </a:solidFill>
+                <a:latin typeface="Calibri Light"/>
+                <a:ea typeface="DejaVu Sans"/>
+              </a:rPr>
+              <a:t>r</a:t>
+            </a:r>
             <a:endParaRPr b="0" lang="pt-BR" sz="1000" spc="-1" strike="noStrike">
               <a:latin typeface="Arial"/>
             </a:endParaRPr>
           </a:p>
         </p:txBody>
       </p:sp>
+    </p:spTree>
+  </p:cSld>
+  <mc:AlternateContent>
+    <mc:Choice Requires="p14">
+      <p:transition spd="slow" p14:dur="2000"/>
+    </mc:Choice>
+    <mc:Fallback>
+      <p:transition spd="slow"/>
+    </mc:Fallback>
+  </mc:AlternateContent>
+</p:sld>
+</file>
+
+<file path=ppt/slides/slide3.xml><?xml version="1.0" encoding="utf-8"?>
+<p:sld xmlns:a="http://schemas.openxmlformats.org/drawingml/2006/main" xmlns:p="http://schemas.openxmlformats.org/presentationml/2006/main" xmlns:r="http://schemas.openxmlformats.org/officeDocument/2006/relationships" xmlns:p14="http://schemas.microsoft.com/office/powerpoint/2010/main" xmlns:p15="http://schemas.microsoft.com/office/powerpoint/2012/main" xmlns:mc="http://schemas.openxmlformats.org/markup-compatibility/2006">
+  <p:cSld>
+    <p:spTree>
+      <p:nvGrpSpPr>
+        <p:cNvPr id="1" name=""/>
+        <p:cNvGrpSpPr/>
+        <p:nvPr/>
+      </p:nvGrpSpPr>
+      <p:grpSpPr>
+        <a:xfrm>
+          <a:off x="0" y="0"/>
+          <a:ext cx="0" cy="0"/>
+          <a:chOff x="0" y="0"/>
+          <a:chExt cx="0" cy="0"/>
+        </a:xfrm>
+      </p:grpSpPr>
+      <p:sp>
+        <p:nvSpPr>
+          <p:cNvPr id="173" name="TextShape 1"/>
+          <p:cNvSpPr txBox="1"/>
+          <p:nvPr/>
+        </p:nvSpPr>
+        <p:spPr>
+          <a:xfrm>
+            <a:off x="838080" y="365040"/>
+            <a:ext cx="10515240" cy="1325160"/>
+          </a:xfrm>
+          <a:prstGeom prst="rect">
+            <a:avLst/>
+          </a:prstGeom>
+          <a:noFill/>
+          <a:ln>
+            <a:noFill/>
+          </a:ln>
+        </p:spPr>
+        <p:txBody>
+          <a:bodyPr anchor="ctr">
+            <a:noAutofit/>
+          </a:bodyPr>
+          <a:p>
+            <a:pPr>
+              <a:lnSpc>
+                <a:spcPct val="90000"/>
+              </a:lnSpc>
+            </a:pPr>
+            <a:r>
+              <a:rPr b="0" lang="pt-BR" sz="4400" spc="-1" strike="noStrike">
+                <a:solidFill>
+                  <a:srgbClr val="000000"/>
+                </a:solidFill>
+                <a:latin typeface="Calibri Light"/>
+              </a:rPr>
+              <a:t>Ciclo de Vida de Ficha de Medidas</a:t>
+            </a:r>
+            <a:endParaRPr b="0" lang="pt-BR" sz="4400" spc="-1" strike="noStrike">
+              <a:solidFill>
+                <a:srgbClr val="000000"/>
+              </a:solidFill>
+              <a:latin typeface="Calibri"/>
+            </a:endParaRPr>
+          </a:p>
+        </p:txBody>
+      </p:sp>
+      <p:pic>
+        <p:nvPicPr>
+          <p:cNvPr id="174" name="" descr=""/>
+          <p:cNvPicPr/>
+          <p:nvPr/>
+        </p:nvPicPr>
+        <p:blipFill>
+          <a:blip r:embed="rId1"/>
+          <a:stretch/>
+        </p:blipFill>
+        <p:spPr>
+          <a:xfrm>
+            <a:off x="4422600" y="1471320"/>
+            <a:ext cx="3101400" cy="5128200"/>
+          </a:xfrm>
+          <a:prstGeom prst="rect">
+            <a:avLst/>
+          </a:prstGeom>
+          <a:ln>
+            <a:noFill/>
+          </a:ln>
+        </p:spPr>
+      </p:pic>
+      <p:sp>
+        <p:nvSpPr>
+          <p:cNvPr id="175" name="CustomShape 2"/>
+          <p:cNvSpPr/>
+          <p:nvPr/>
+        </p:nvSpPr>
+        <p:spPr>
+          <a:xfrm>
+            <a:off x="159120" y="214200"/>
+            <a:ext cx="4232880" cy="201240"/>
+          </a:xfrm>
+          <a:prstGeom prst="rect">
+            <a:avLst/>
+          </a:prstGeom>
+          <a:noFill/>
+          <a:ln>
+            <a:noFill/>
+          </a:ln>
+        </p:spPr>
+        <p:style>
+          <a:lnRef idx="0"/>
+          <a:fillRef idx="0"/>
+          <a:effectRef idx="0"/>
+          <a:fontRef idx="minor"/>
+        </p:style>
+        <p:txBody>
+          <a:bodyPr lIns="90000" rIns="90000" tIns="45000" bIns="45000">
+            <a:noAutofit/>
+          </a:bodyPr>
+          <a:p>
+            <a:pPr>
+              <a:lnSpc>
+                <a:spcPct val="90000"/>
+              </a:lnSpc>
+            </a:pPr>
+            <a:r>
+              <a:rPr b="0" lang="pt-BR" sz="1400" spc="-1" strike="noStrike">
+                <a:solidFill>
+                  <a:srgbClr val="000000"/>
+                </a:solidFill>
+                <a:latin typeface="Calibri Light"/>
+                <a:ea typeface="DejaVu Sans"/>
+              </a:rPr>
+              <a:t>Capacidade – Tratar Escolha do Traje a Rigo</a:t>
+            </a:r>
+            <a:r>
+              <a:rPr b="0" lang="pt-BR" sz="1000" spc="-1" strike="noStrike">
+                <a:solidFill>
+                  <a:srgbClr val="000000"/>
+                </a:solidFill>
+                <a:latin typeface="Calibri Light"/>
+                <a:ea typeface="DejaVu Sans"/>
+              </a:rPr>
+              <a:t>r</a:t>
+            </a:r>
+            <a:endParaRPr b="0" lang="pt-BR" sz="1000" spc="-1" strike="noStrike">
+              <a:latin typeface="Arial"/>
+            </a:endParaRPr>
+          </a:p>
+        </p:txBody>
+      </p:sp>
+    </p:spTree>
+  </p:cSld>
+  <mc:AlternateContent>
+    <mc:Choice Requires="p14">
+      <p:transition spd="slow" p14:dur="2000"/>
+    </mc:Choice>
+    <mc:Fallback>
+      <p:transition spd="slow"/>
+    </mc:Fallback>
+  </mc:AlternateContent>
+</p:sld>
+</file>
+
+<file path=ppt/slides/slide4.xml><?xml version="1.0" encoding="utf-8"?>
+<p:sld xmlns:a="http://schemas.openxmlformats.org/drawingml/2006/main" xmlns:p="http://schemas.openxmlformats.org/presentationml/2006/main" xmlns:r="http://schemas.openxmlformats.org/officeDocument/2006/relationships" xmlns:p14="http://schemas.microsoft.com/office/powerpoint/2010/main" xmlns:p15="http://schemas.microsoft.com/office/powerpoint/2012/main" xmlns:mc="http://schemas.openxmlformats.org/markup-compatibility/2006">
+  <p:cSld>
+    <p:spTree>
+      <p:nvGrpSpPr>
+        <p:cNvPr id="1" name=""/>
+        <p:cNvGrpSpPr/>
+        <p:nvPr/>
+      </p:nvGrpSpPr>
+      <p:grpSpPr>
+        <a:xfrm>
+          <a:off x="0" y="0"/>
+          <a:ext cx="0" cy="0"/>
+          <a:chOff x="0" y="0"/>
+          <a:chExt cx="0" cy="0"/>
+        </a:xfrm>
+      </p:grpSpPr>
+      <p:sp>
+        <p:nvSpPr>
+          <p:cNvPr id="176" name="TextShape 1"/>
+          <p:cNvSpPr txBox="1"/>
+          <p:nvPr/>
+        </p:nvSpPr>
+        <p:spPr>
+          <a:xfrm>
+            <a:off x="838080" y="365040"/>
+            <a:ext cx="10515240" cy="1325160"/>
+          </a:xfrm>
+          <a:prstGeom prst="rect">
+            <a:avLst/>
+          </a:prstGeom>
+          <a:noFill/>
+          <a:ln>
+            <a:noFill/>
+          </a:ln>
+        </p:spPr>
+        <p:txBody>
+          <a:bodyPr anchor="ctr">
+            <a:noAutofit/>
+          </a:bodyPr>
+          <a:p>
+            <a:pPr>
+              <a:lnSpc>
+                <a:spcPct val="90000"/>
+              </a:lnSpc>
+            </a:pPr>
+            <a:r>
+              <a:rPr b="0" lang="pt-BR" sz="4400" spc="-1" strike="noStrike">
+                <a:solidFill>
+                  <a:srgbClr val="000000"/>
+                </a:solidFill>
+                <a:latin typeface="Calibri Light"/>
+              </a:rPr>
+              <a:t>Ciclo de Vida de Contrato Assinado</a:t>
+            </a:r>
+            <a:endParaRPr b="0" lang="pt-BR" sz="4400" spc="-1" strike="noStrike">
+              <a:solidFill>
+                <a:srgbClr val="000000"/>
+              </a:solidFill>
+              <a:latin typeface="Calibri"/>
+            </a:endParaRPr>
+          </a:p>
+        </p:txBody>
+      </p:sp>
+      <p:pic>
+        <p:nvPicPr>
+          <p:cNvPr id="177" name="" descr=""/>
+          <p:cNvPicPr/>
+          <p:nvPr/>
+        </p:nvPicPr>
+        <p:blipFill>
+          <a:blip r:embed="rId1"/>
+          <a:stretch/>
+        </p:blipFill>
+        <p:spPr>
+          <a:xfrm>
+            <a:off x="4484520" y="1623600"/>
+            <a:ext cx="3106800" cy="5000400"/>
+          </a:xfrm>
+          <a:prstGeom prst="rect">
+            <a:avLst/>
+          </a:prstGeom>
+          <a:ln>
+            <a:noFill/>
+          </a:ln>
+        </p:spPr>
+      </p:pic>
+      <p:sp>
+        <p:nvSpPr>
+          <p:cNvPr id="178" name="CustomShape 2"/>
+          <p:cNvSpPr/>
+          <p:nvPr/>
+        </p:nvSpPr>
+        <p:spPr>
+          <a:xfrm>
+            <a:off x="159120" y="214200"/>
+            <a:ext cx="4232880" cy="201240"/>
+          </a:xfrm>
+          <a:prstGeom prst="rect">
+            <a:avLst/>
+          </a:prstGeom>
+          <a:noFill/>
+          <a:ln>
+            <a:noFill/>
+          </a:ln>
+        </p:spPr>
+        <p:style>
+          <a:lnRef idx="0"/>
+          <a:fillRef idx="0"/>
+          <a:effectRef idx="0"/>
+          <a:fontRef idx="minor"/>
+        </p:style>
+        <p:txBody>
+          <a:bodyPr lIns="90000" rIns="90000" tIns="45000" bIns="45000">
+            <a:noAutofit/>
+          </a:bodyPr>
+          <a:p>
+            <a:pPr>
+              <a:lnSpc>
+                <a:spcPct val="90000"/>
+              </a:lnSpc>
+            </a:pPr>
+            <a:r>
+              <a:rPr b="0" lang="pt-BR" sz="1400" spc="-1" strike="noStrike">
+                <a:solidFill>
+                  <a:srgbClr val="000000"/>
+                </a:solidFill>
+                <a:latin typeface="Calibri Light"/>
+                <a:ea typeface="DejaVu Sans"/>
+              </a:rPr>
+              <a:t>Capacidade – Tratar Escolha do Traje a Rigo</a:t>
+            </a:r>
+            <a:r>
+              <a:rPr b="0" lang="pt-BR" sz="1000" spc="-1" strike="noStrike">
+                <a:solidFill>
+                  <a:srgbClr val="000000"/>
+                </a:solidFill>
+                <a:latin typeface="Calibri Light"/>
+                <a:ea typeface="DejaVu Sans"/>
+              </a:rPr>
+              <a:t>r</a:t>
+            </a:r>
+            <a:endParaRPr b="0" lang="pt-BR" sz="1000" spc="-1" strike="noStrike">
+              <a:latin typeface="Arial"/>
+            </a:endParaRPr>
+          </a:p>
+        </p:txBody>
+      </p:sp>
+    </p:spTree>
+  </p:cSld>
+  <mc:AlternateContent>
+    <mc:Choice Requires="p14">
+      <p:transition spd="slow" p14:dur="2000"/>
+    </mc:Choice>
+    <mc:Fallback>
+      <p:transition spd="slow"/>
+    </mc:Fallback>
+  </mc:AlternateContent>
+</p:sld>
+</file>
+
+<file path=ppt/slides/slide5.xml><?xml version="1.0" encoding="utf-8"?>
+<p:sld xmlns:a="http://schemas.openxmlformats.org/drawingml/2006/main" xmlns:p="http://schemas.openxmlformats.org/presentationml/2006/main" xmlns:r="http://schemas.openxmlformats.org/officeDocument/2006/relationships" xmlns:p14="http://schemas.microsoft.com/office/powerpoint/2010/main" xmlns:p15="http://schemas.microsoft.com/office/powerpoint/2012/main" xmlns:mc="http://schemas.openxmlformats.org/markup-compatibility/2006">
+  <p:cSld>
+    <p:spTree>
+      <p:nvGrpSpPr>
+        <p:cNvPr id="1" name=""/>
+        <p:cNvGrpSpPr/>
+        <p:nvPr/>
+      </p:nvGrpSpPr>
+      <p:grpSpPr>
+        <a:xfrm>
+          <a:off x="0" y="0"/>
+          <a:ext cx="0" cy="0"/>
+          <a:chOff x="0" y="0"/>
+          <a:chExt cx="0" cy="0"/>
+        </a:xfrm>
+      </p:grpSpPr>
+      <p:sp>
+        <p:nvSpPr>
+          <p:cNvPr id="179" name="TextShape 1"/>
+          <p:cNvSpPr txBox="1"/>
+          <p:nvPr/>
+        </p:nvSpPr>
+        <p:spPr>
+          <a:xfrm>
+            <a:off x="838080" y="365040"/>
+            <a:ext cx="10515240" cy="1325160"/>
+          </a:xfrm>
+          <a:prstGeom prst="rect">
+            <a:avLst/>
+          </a:prstGeom>
+          <a:noFill/>
+          <a:ln>
+            <a:noFill/>
+          </a:ln>
+        </p:spPr>
+        <p:txBody>
+          <a:bodyPr anchor="ctr">
+            <a:noAutofit/>
+          </a:bodyPr>
+          <a:p>
+            <a:pPr>
+              <a:lnSpc>
+                <a:spcPct val="90000"/>
+              </a:lnSpc>
+            </a:pPr>
+            <a:r>
+              <a:rPr b="0" lang="pt-BR" sz="4400" spc="-1" strike="noStrike">
+                <a:solidFill>
+                  <a:srgbClr val="000000"/>
+                </a:solidFill>
+                <a:latin typeface="Calibri Light"/>
+              </a:rPr>
+              <a:t>Ciclo de Vida de Lançamento</a:t>
+            </a:r>
+            <a:endParaRPr b="0" lang="pt-BR" sz="4400" spc="-1" strike="noStrike">
+              <a:solidFill>
+                <a:srgbClr val="000000"/>
+              </a:solidFill>
+              <a:latin typeface="Calibri"/>
+            </a:endParaRPr>
+          </a:p>
+        </p:txBody>
+      </p:sp>
+      <p:pic>
+        <p:nvPicPr>
+          <p:cNvPr id="180" name="" descr=""/>
+          <p:cNvPicPr/>
+          <p:nvPr/>
+        </p:nvPicPr>
+        <p:blipFill>
+          <a:blip r:embed="rId1"/>
+          <a:stretch/>
+        </p:blipFill>
+        <p:spPr>
+          <a:xfrm>
+            <a:off x="4248000" y="1440000"/>
+            <a:ext cx="3575880" cy="5256000"/>
+          </a:xfrm>
+          <a:prstGeom prst="rect">
+            <a:avLst/>
+          </a:prstGeom>
+          <a:ln>
+            <a:noFill/>
+          </a:ln>
+        </p:spPr>
+      </p:pic>
+      <p:sp>
+        <p:nvSpPr>
+          <p:cNvPr id="181" name="CustomShape 2"/>
+          <p:cNvSpPr/>
+          <p:nvPr/>
+        </p:nvSpPr>
+        <p:spPr>
+          <a:xfrm>
+            <a:off x="159120" y="200160"/>
+            <a:ext cx="4232880" cy="201240"/>
+          </a:xfrm>
+          <a:prstGeom prst="rect">
+            <a:avLst/>
+          </a:prstGeom>
+          <a:noFill/>
+          <a:ln>
+            <a:noFill/>
+          </a:ln>
+        </p:spPr>
+        <p:style>
+          <a:lnRef idx="0"/>
+          <a:fillRef idx="0"/>
+          <a:effectRef idx="0"/>
+          <a:fontRef idx="minor"/>
+        </p:style>
+        <p:txBody>
+          <a:bodyPr lIns="90000" rIns="90000" tIns="45000" bIns="45000">
+            <a:noAutofit/>
+          </a:bodyPr>
+          <a:p>
+            <a:pPr>
+              <a:lnSpc>
+                <a:spcPct val="90000"/>
+              </a:lnSpc>
+            </a:pPr>
+            <a:r>
+              <a:rPr b="0" lang="pt-BR" sz="1400" spc="-1" strike="noStrike">
+                <a:solidFill>
+                  <a:srgbClr val="000000"/>
+                </a:solidFill>
+                <a:latin typeface="Calibri Light"/>
+                <a:ea typeface="DejaVu Sans"/>
+              </a:rPr>
+              <a:t>Capacidade – Tratar Escolha do Traje a Rigo</a:t>
+            </a:r>
+            <a:r>
+              <a:rPr b="0" lang="pt-BR" sz="1000" spc="-1" strike="noStrike">
+                <a:solidFill>
+                  <a:srgbClr val="000000"/>
+                </a:solidFill>
+                <a:latin typeface="Calibri Light"/>
+                <a:ea typeface="DejaVu Sans"/>
+              </a:rPr>
+              <a:t>r</a:t>
+            </a:r>
+            <a:endParaRPr b="0" lang="pt-BR" sz="1000" spc="-1" strike="noStrike">
+              <a:latin typeface="Arial"/>
+            </a:endParaRPr>
+          </a:p>
+        </p:txBody>
+      </p:sp>
+    </p:spTree>
+  </p:cSld>
+  <mc:AlternateContent>
+    <mc:Choice Requires="p14">
+      <p:transition spd="slow" p14:dur="2000"/>
+    </mc:Choice>
+    <mc:Fallback>
+      <p:transition spd="slow"/>
+    </mc:Fallback>
+  </mc:AlternateContent>
+</p:sld>
+</file>
+
+<file path=ppt/slides/slide6.xml><?xml version="1.0" encoding="utf-8"?>
+<p:sld xmlns:a="http://schemas.openxmlformats.org/drawingml/2006/main" xmlns:p="http://schemas.openxmlformats.org/presentationml/2006/main" xmlns:r="http://schemas.openxmlformats.org/officeDocument/2006/relationships" xmlns:p14="http://schemas.microsoft.com/office/powerpoint/2010/main" xmlns:p15="http://schemas.microsoft.com/office/powerpoint/2012/main" xmlns:mc="http://schemas.openxmlformats.org/markup-compatibility/2006">
+  <p:cSld>
+    <p:spTree>
+      <p:nvGrpSpPr>
+        <p:cNvPr id="1" name=""/>
+        <p:cNvGrpSpPr/>
+        <p:nvPr/>
+      </p:nvGrpSpPr>
+      <p:grpSpPr>
+        <a:xfrm>
+          <a:off x="0" y="0"/>
+          <a:ext cx="0" cy="0"/>
+          <a:chOff x="0" y="0"/>
+          <a:chExt cx="0" cy="0"/>
+        </a:xfrm>
+      </p:grpSpPr>
+      <p:sp>
+        <p:nvSpPr>
+          <p:cNvPr id="182" name="TextShape 1"/>
+          <p:cNvSpPr txBox="1"/>
+          <p:nvPr/>
+        </p:nvSpPr>
+        <p:spPr>
+          <a:xfrm>
+            <a:off x="838080" y="365040"/>
+            <a:ext cx="10515240" cy="1325160"/>
+          </a:xfrm>
+          <a:prstGeom prst="rect">
+            <a:avLst/>
+          </a:prstGeom>
+          <a:noFill/>
+          <a:ln>
+            <a:noFill/>
+          </a:ln>
+        </p:spPr>
+        <p:txBody>
+          <a:bodyPr anchor="ctr">
+            <a:noAutofit/>
+          </a:bodyPr>
+          <a:p>
+            <a:pPr>
+              <a:lnSpc>
+                <a:spcPct val="90000"/>
+              </a:lnSpc>
+            </a:pPr>
+            <a:r>
+              <a:rPr b="0" lang="pt-BR" sz="4400" spc="-1" strike="noStrike">
+                <a:solidFill>
+                  <a:srgbClr val="000000"/>
+                </a:solidFill>
+                <a:latin typeface="Calibri Light"/>
+              </a:rPr>
+              <a:t>Ciclo de Vida de Locação</a:t>
+            </a:r>
+            <a:endParaRPr b="0" lang="pt-BR" sz="4400" spc="-1" strike="noStrike">
+              <a:solidFill>
+                <a:srgbClr val="000000"/>
+              </a:solidFill>
+              <a:latin typeface="Calibri"/>
+            </a:endParaRPr>
+          </a:p>
+        </p:txBody>
+      </p:sp>
+      <p:sp>
+        <p:nvSpPr>
+          <p:cNvPr id="183" name="CustomShape 2"/>
+          <p:cNvSpPr/>
+          <p:nvPr/>
+        </p:nvSpPr>
+        <p:spPr>
+          <a:xfrm>
+            <a:off x="159120" y="200160"/>
+            <a:ext cx="4232880" cy="201240"/>
+          </a:xfrm>
+          <a:prstGeom prst="rect">
+            <a:avLst/>
+          </a:prstGeom>
+          <a:noFill/>
+          <a:ln>
+            <a:noFill/>
+          </a:ln>
+        </p:spPr>
+        <p:style>
+          <a:lnRef idx="0"/>
+          <a:fillRef idx="0"/>
+          <a:effectRef idx="0"/>
+          <a:fontRef idx="minor"/>
+        </p:style>
+        <p:txBody>
+          <a:bodyPr lIns="90000" rIns="90000" tIns="45000" bIns="45000">
+            <a:noAutofit/>
+          </a:bodyPr>
+          <a:p>
+            <a:pPr>
+              <a:lnSpc>
+                <a:spcPct val="90000"/>
+              </a:lnSpc>
+            </a:pPr>
+            <a:r>
+              <a:rPr b="0" lang="pt-BR" sz="1400" spc="-1" strike="noStrike">
+                <a:solidFill>
+                  <a:srgbClr val="000000"/>
+                </a:solidFill>
+                <a:latin typeface="Calibri Light"/>
+                <a:ea typeface="DejaVu Sans"/>
+              </a:rPr>
+              <a:t>Capacidade – </a:t>
+            </a:r>
+            <a:r>
+              <a:rPr b="0" lang="pt-BR" sz="1400" spc="-1" strike="noStrike">
+                <a:solidFill>
+                  <a:srgbClr val="000000"/>
+                </a:solidFill>
+                <a:latin typeface="Calibri Light"/>
+                <a:ea typeface="DejaVu Sans"/>
+              </a:rPr>
+              <a:t>Tratar ajuste do Traje a Rigor</a:t>
+            </a:r>
+            <a:endParaRPr b="0" lang="pt-BR" sz="1400" spc="-1" strike="noStrike">
+              <a:latin typeface="Arial"/>
+            </a:endParaRPr>
+          </a:p>
+        </p:txBody>
+      </p:sp>
+      <p:pic>
+        <p:nvPicPr>
+          <p:cNvPr id="184" name="" descr=""/>
+          <p:cNvPicPr/>
+          <p:nvPr/>
+        </p:nvPicPr>
+        <p:blipFill>
+          <a:blip r:embed="rId1"/>
+          <a:stretch/>
+        </p:blipFill>
+        <p:spPr>
+          <a:xfrm>
+            <a:off x="4581720" y="1481040"/>
+            <a:ext cx="2618280" cy="5149800"/>
+          </a:xfrm>
+          <a:prstGeom prst="rect">
+            <a:avLst/>
+          </a:prstGeom>
+          <a:ln>
+            <a:noFill/>
+          </a:ln>
+        </p:spPr>
+      </p:pic>
+    </p:spTree>
+  </p:cSld>
+  <mc:AlternateContent>
+    <mc:Choice Requires="p14">
+      <p:transition spd="slow" p14:dur="2000"/>
+    </mc:Choice>
+    <mc:Fallback>
+      <p:transition spd="slow"/>
+    </mc:Fallback>
+  </mc:AlternateContent>
+</p:sld>
+</file>
+
+<file path=ppt/slides/slide7.xml><?xml version="1.0" encoding="utf-8"?>
+<p:sld xmlns:a="http://schemas.openxmlformats.org/drawingml/2006/main" xmlns:p="http://schemas.openxmlformats.org/presentationml/2006/main" xmlns:r="http://schemas.openxmlformats.org/officeDocument/2006/relationships" xmlns:p14="http://schemas.microsoft.com/office/powerpoint/2010/main" xmlns:p15="http://schemas.microsoft.com/office/powerpoint/2012/main" xmlns:mc="http://schemas.openxmlformats.org/markup-compatibility/2006">
+  <p:cSld>
+    <p:spTree>
+      <p:nvGrpSpPr>
+        <p:cNvPr id="1" name=""/>
+        <p:cNvGrpSpPr/>
+        <p:nvPr/>
+      </p:nvGrpSpPr>
+      <p:grpSpPr>
+        <a:xfrm>
+          <a:off x="0" y="0"/>
+          <a:ext cx="0" cy="0"/>
+          <a:chOff x="0" y="0"/>
+          <a:chExt cx="0" cy="0"/>
+        </a:xfrm>
+      </p:grpSpPr>
+      <p:sp>
+        <p:nvSpPr>
+          <p:cNvPr id="185" name="TextShape 1"/>
+          <p:cNvSpPr txBox="1"/>
+          <p:nvPr/>
+        </p:nvSpPr>
+        <p:spPr>
+          <a:xfrm>
+            <a:off x="838080" y="365040"/>
+            <a:ext cx="10515240" cy="1325160"/>
+          </a:xfrm>
+          <a:prstGeom prst="rect">
+            <a:avLst/>
+          </a:prstGeom>
+          <a:noFill/>
+          <a:ln>
+            <a:noFill/>
+          </a:ln>
+        </p:spPr>
+        <p:txBody>
+          <a:bodyPr anchor="ctr">
+            <a:noAutofit/>
+          </a:bodyPr>
+          <a:p>
+            <a:pPr>
+              <a:lnSpc>
+                <a:spcPct val="90000"/>
+              </a:lnSpc>
+            </a:pPr>
+            <a:r>
+              <a:rPr b="0" lang="pt-BR" sz="4400" spc="-1" strike="noStrike">
+                <a:solidFill>
+                  <a:srgbClr val="000000"/>
+                </a:solidFill>
+                <a:latin typeface="Calibri Light"/>
+              </a:rPr>
+              <a:t>Ciclo de Vida de Ficha de Medidas</a:t>
+            </a:r>
+            <a:endParaRPr b="0" lang="pt-BR" sz="4400" spc="-1" strike="noStrike">
+              <a:solidFill>
+                <a:srgbClr val="000000"/>
+              </a:solidFill>
+              <a:latin typeface="Calibri"/>
+            </a:endParaRPr>
+          </a:p>
+        </p:txBody>
+      </p:sp>
+      <p:sp>
+        <p:nvSpPr>
+          <p:cNvPr id="186" name="CustomShape 2"/>
+          <p:cNvSpPr/>
+          <p:nvPr/>
+        </p:nvSpPr>
+        <p:spPr>
+          <a:xfrm>
+            <a:off x="159120" y="200160"/>
+            <a:ext cx="4232880" cy="201240"/>
+          </a:xfrm>
+          <a:prstGeom prst="rect">
+            <a:avLst/>
+          </a:prstGeom>
+          <a:noFill/>
+          <a:ln>
+            <a:noFill/>
+          </a:ln>
+        </p:spPr>
+        <p:style>
+          <a:lnRef idx="0"/>
+          <a:fillRef idx="0"/>
+          <a:effectRef idx="0"/>
+          <a:fontRef idx="minor"/>
+        </p:style>
+        <p:txBody>
+          <a:bodyPr lIns="90000" rIns="90000" tIns="45000" bIns="45000">
+            <a:noAutofit/>
+          </a:bodyPr>
+          <a:p>
+            <a:pPr>
+              <a:lnSpc>
+                <a:spcPct val="90000"/>
+              </a:lnSpc>
+            </a:pPr>
+            <a:r>
+              <a:rPr b="0" lang="pt-BR" sz="1400" spc="-1" strike="noStrike">
+                <a:solidFill>
+                  <a:srgbClr val="000000"/>
+                </a:solidFill>
+                <a:latin typeface="Calibri Light"/>
+                <a:ea typeface="DejaVu Sans"/>
+              </a:rPr>
+              <a:t>Capacidade – </a:t>
+            </a:r>
+            <a:r>
+              <a:rPr b="0" lang="pt-BR" sz="1400" spc="-1" strike="noStrike">
+                <a:solidFill>
+                  <a:srgbClr val="000000"/>
+                </a:solidFill>
+                <a:latin typeface="Calibri Light"/>
+                <a:ea typeface="DejaVu Sans"/>
+              </a:rPr>
+              <a:t>Tratar ajuste do Traje a Rigor</a:t>
+            </a:r>
+            <a:endParaRPr b="0" lang="pt-BR" sz="1400" spc="-1" strike="noStrike">
+              <a:latin typeface="Arial"/>
+            </a:endParaRPr>
+          </a:p>
+        </p:txBody>
+      </p:sp>
+      <p:pic>
+        <p:nvPicPr>
+          <p:cNvPr id="187" name="" descr=""/>
+          <p:cNvPicPr/>
+          <p:nvPr/>
+        </p:nvPicPr>
+        <p:blipFill>
+          <a:blip r:embed="rId1"/>
+          <a:stretch/>
+        </p:blipFill>
+        <p:spPr>
+          <a:xfrm>
+            <a:off x="4752000" y="1512000"/>
+            <a:ext cx="2594520" cy="5088240"/>
+          </a:xfrm>
+          <a:prstGeom prst="rect">
+            <a:avLst/>
+          </a:prstGeom>
+          <a:ln>
+            <a:noFill/>
+          </a:ln>
+        </p:spPr>
+      </p:pic>
+    </p:spTree>
+  </p:cSld>
+  <mc:AlternateContent>
+    <mc:Choice Requires="p14">
+      <p:transition spd="slow" p14:dur="2000"/>
+    </mc:Choice>
+    <mc:Fallback>
+      <p:transition spd="slow"/>
+    </mc:Fallback>
+  </mc:AlternateContent>
+</p:sld>
+</file>
+
+<file path=ppt/slides/slide8.xml><?xml version="1.0" encoding="utf-8"?>
+<p:sld xmlns:a="http://schemas.openxmlformats.org/drawingml/2006/main" xmlns:p="http://schemas.openxmlformats.org/presentationml/2006/main" xmlns:r="http://schemas.openxmlformats.org/officeDocument/2006/relationships" xmlns:p14="http://schemas.microsoft.com/office/powerpoint/2010/main" xmlns:p15="http://schemas.microsoft.com/office/powerpoint/2012/main" xmlns:mc="http://schemas.openxmlformats.org/markup-compatibility/2006">
+  <p:cSld>
+    <p:spTree>
+      <p:nvGrpSpPr>
+        <p:cNvPr id="1" name=""/>
+        <p:cNvGrpSpPr/>
+        <p:nvPr/>
+      </p:nvGrpSpPr>
+      <p:grpSpPr>
+        <a:xfrm>
+          <a:off x="0" y="0"/>
+          <a:ext cx="0" cy="0"/>
+          <a:chOff x="0" y="0"/>
+          <a:chExt cx="0" cy="0"/>
+        </a:xfrm>
+      </p:grpSpPr>
+      <p:sp>
+        <p:nvSpPr>
+          <p:cNvPr id="188" name="TextShape 1"/>
+          <p:cNvSpPr txBox="1"/>
+          <p:nvPr/>
+        </p:nvSpPr>
+        <p:spPr>
+          <a:xfrm>
+            <a:off x="838080" y="365040"/>
+            <a:ext cx="10515240" cy="1325160"/>
+          </a:xfrm>
+          <a:prstGeom prst="rect">
+            <a:avLst/>
+          </a:prstGeom>
+          <a:noFill/>
+          <a:ln>
+            <a:noFill/>
+          </a:ln>
+        </p:spPr>
+        <p:txBody>
+          <a:bodyPr anchor="ctr">
+            <a:noAutofit/>
+          </a:bodyPr>
+          <a:p>
+            <a:pPr>
+              <a:lnSpc>
+                <a:spcPct val="90000"/>
+              </a:lnSpc>
+            </a:pPr>
+            <a:r>
+              <a:rPr b="0" lang="pt-BR" sz="4400" spc="-1" strike="noStrike">
+                <a:solidFill>
+                  <a:srgbClr val="000000"/>
+                </a:solidFill>
+                <a:latin typeface="Calibri Light"/>
+              </a:rPr>
+              <a:t>Ciclo de Vida de Ficha de Medidas</a:t>
+            </a:r>
+            <a:endParaRPr b="0" lang="pt-BR" sz="4400" spc="-1" strike="noStrike">
+              <a:solidFill>
+                <a:srgbClr val="000000"/>
+              </a:solidFill>
+              <a:latin typeface="Calibri"/>
+            </a:endParaRPr>
+          </a:p>
+        </p:txBody>
+      </p:sp>
+      <p:sp>
+        <p:nvSpPr>
+          <p:cNvPr id="189" name="CustomShape 2"/>
+          <p:cNvSpPr/>
+          <p:nvPr/>
+        </p:nvSpPr>
+        <p:spPr>
+          <a:xfrm>
+            <a:off x="159120" y="200160"/>
+            <a:ext cx="4232880" cy="201240"/>
+          </a:xfrm>
+          <a:prstGeom prst="rect">
+            <a:avLst/>
+          </a:prstGeom>
+          <a:noFill/>
+          <a:ln>
+            <a:noFill/>
+          </a:ln>
+        </p:spPr>
+        <p:style>
+          <a:lnRef idx="0"/>
+          <a:fillRef idx="0"/>
+          <a:effectRef idx="0"/>
+          <a:fontRef idx="minor"/>
+        </p:style>
+        <p:txBody>
+          <a:bodyPr lIns="90000" rIns="90000" tIns="45000" bIns="45000">
+            <a:noAutofit/>
+          </a:bodyPr>
+          <a:p>
+            <a:pPr>
+              <a:lnSpc>
+                <a:spcPct val="90000"/>
+              </a:lnSpc>
+            </a:pPr>
+            <a:r>
+              <a:rPr b="0" lang="pt-BR" sz="1400" spc="-1" strike="noStrike">
+                <a:solidFill>
+                  <a:srgbClr val="000000"/>
+                </a:solidFill>
+                <a:latin typeface="Calibri Light"/>
+                <a:ea typeface="DejaVu Sans"/>
+              </a:rPr>
+              <a:t>Capacidade – </a:t>
+            </a:r>
+            <a:r>
+              <a:rPr b="0" lang="pt-BR" sz="1400" spc="-1" strike="noStrike">
+                <a:solidFill>
+                  <a:srgbClr val="000000"/>
+                </a:solidFill>
+                <a:latin typeface="Calibri Light"/>
+                <a:ea typeface="DejaVu Sans"/>
+              </a:rPr>
+              <a:t>Tratar retirada traje a rigor</a:t>
+            </a:r>
+            <a:endParaRPr b="0" lang="pt-BR" sz="1400" spc="-1" strike="noStrike">
+              <a:latin typeface="Arial"/>
+            </a:endParaRPr>
+          </a:p>
+        </p:txBody>
+      </p:sp>
+      <p:pic>
+        <p:nvPicPr>
+          <p:cNvPr id="190" name="" descr=""/>
+          <p:cNvPicPr/>
+          <p:nvPr/>
+        </p:nvPicPr>
+        <p:blipFill>
+          <a:blip r:embed="rId1"/>
+          <a:stretch/>
+        </p:blipFill>
+        <p:spPr>
+          <a:xfrm>
+            <a:off x="2836440" y="1618920"/>
+            <a:ext cx="6725880" cy="5005080"/>
+          </a:xfrm>
+          <a:prstGeom prst="rect">
+            <a:avLst/>
+          </a:prstGeom>
+          <a:ln>
+            <a:noFill/>
+          </a:ln>
+        </p:spPr>
+      </p:pic>
+    </p:spTree>
+  </p:cSld>
+  <mc:AlternateContent>
+    <mc:Choice Requires="p14">
+      <p:transition spd="slow" p14:dur="2000"/>
+    </mc:Choice>
+    <mc:Fallback>
+      <p:transition spd="slow"/>
+    </mc:Fallback>
+  </mc:AlternateContent>
+</p:sld>
+</file>
+
+<file path=ppt/slides/slide9.xml><?xml version="1.0" encoding="utf-8"?>
+<p:sld xmlns:a="http://schemas.openxmlformats.org/drawingml/2006/main" xmlns:p="http://schemas.openxmlformats.org/presentationml/2006/main" xmlns:r="http://schemas.openxmlformats.org/officeDocument/2006/relationships" xmlns:p14="http://schemas.microsoft.com/office/powerpoint/2010/main" xmlns:p15="http://schemas.microsoft.com/office/powerpoint/2012/main" xmlns:mc="http://schemas.openxmlformats.org/markup-compatibility/2006">
+  <p:cSld>
+    <p:spTree>
+      <p:nvGrpSpPr>
+        <p:cNvPr id="1" name=""/>
+        <p:cNvGrpSpPr/>
+        <p:nvPr/>
+      </p:nvGrpSpPr>
+      <p:grpSpPr>
+        <a:xfrm>
+          <a:off x="0" y="0"/>
+          <a:ext cx="0" cy="0"/>
+          <a:chOff x="0" y="0"/>
+          <a:chExt cx="0" cy="0"/>
+        </a:xfrm>
+      </p:grpSpPr>
+      <p:sp>
+        <p:nvSpPr>
+          <p:cNvPr id="191" name="TextShape 1"/>
+          <p:cNvSpPr txBox="1"/>
+          <p:nvPr/>
+        </p:nvSpPr>
+        <p:spPr>
+          <a:xfrm>
+            <a:off x="838080" y="365040"/>
+            <a:ext cx="10515240" cy="1325160"/>
+          </a:xfrm>
+          <a:prstGeom prst="rect">
+            <a:avLst/>
+          </a:prstGeom>
+          <a:noFill/>
+          <a:ln>
+            <a:noFill/>
+          </a:ln>
+        </p:spPr>
+        <p:txBody>
+          <a:bodyPr anchor="ctr">
+            <a:noAutofit/>
+          </a:bodyPr>
+          <a:p>
+            <a:pPr>
+              <a:lnSpc>
+                <a:spcPct val="90000"/>
+              </a:lnSpc>
+            </a:pPr>
+            <a:r>
+              <a:rPr b="0" lang="pt-BR" sz="4400" spc="-1" strike="noStrike">
+                <a:solidFill>
+                  <a:srgbClr val="000000"/>
+                </a:solidFill>
+                <a:latin typeface="Calibri Light"/>
+              </a:rPr>
+              <a:t>Ciclo de Vida de Locação</a:t>
+            </a:r>
+            <a:endParaRPr b="0" lang="pt-BR" sz="4400" spc="-1" strike="noStrike">
+              <a:solidFill>
+                <a:srgbClr val="000000"/>
+              </a:solidFill>
+              <a:latin typeface="Calibri"/>
+            </a:endParaRPr>
+          </a:p>
+        </p:txBody>
+      </p:sp>
+      <p:sp>
+        <p:nvSpPr>
+          <p:cNvPr id="192" name="CustomShape 2"/>
+          <p:cNvSpPr/>
+          <p:nvPr/>
+        </p:nvSpPr>
+        <p:spPr>
+          <a:xfrm>
+            <a:off x="159120" y="200160"/>
+            <a:ext cx="4232880" cy="201240"/>
+          </a:xfrm>
+          <a:prstGeom prst="rect">
+            <a:avLst/>
+          </a:prstGeom>
+          <a:noFill/>
+          <a:ln>
+            <a:noFill/>
+          </a:ln>
+        </p:spPr>
+        <p:style>
+          <a:lnRef idx="0"/>
+          <a:fillRef idx="0"/>
+          <a:effectRef idx="0"/>
+          <a:fontRef idx="minor"/>
+        </p:style>
+        <p:txBody>
+          <a:bodyPr lIns="90000" rIns="90000" tIns="45000" bIns="45000">
+            <a:noAutofit/>
+          </a:bodyPr>
+          <a:p>
+            <a:pPr>
+              <a:lnSpc>
+                <a:spcPct val="90000"/>
+              </a:lnSpc>
+            </a:pPr>
+            <a:r>
+              <a:rPr b="0" lang="pt-BR" sz="1400" spc="-1" strike="noStrike">
+                <a:solidFill>
+                  <a:srgbClr val="000000"/>
+                </a:solidFill>
+                <a:latin typeface="Calibri Light"/>
+                <a:ea typeface="DejaVu Sans"/>
+              </a:rPr>
+              <a:t>Capacidade – </a:t>
+            </a:r>
+            <a:r>
+              <a:rPr b="0" lang="pt-BR" sz="1400" spc="-1" strike="noStrike">
+                <a:solidFill>
+                  <a:srgbClr val="000000"/>
+                </a:solidFill>
+                <a:latin typeface="Calibri Light"/>
+                <a:ea typeface="DejaVu Sans"/>
+              </a:rPr>
+              <a:t>Tratar retirada traje a rigor</a:t>
+            </a:r>
+            <a:endParaRPr b="0" lang="pt-BR" sz="1400" spc="-1" strike="noStrike">
+              <a:latin typeface="Arial"/>
+            </a:endParaRPr>
+          </a:p>
+        </p:txBody>
+      </p:sp>
+      <p:pic>
+        <p:nvPicPr>
+          <p:cNvPr id="193" name="" descr=""/>
+          <p:cNvPicPr/>
+          <p:nvPr/>
+        </p:nvPicPr>
+        <p:blipFill>
+          <a:blip r:embed="rId1"/>
+          <a:stretch/>
+        </p:blipFill>
+        <p:spPr>
+          <a:xfrm>
+            <a:off x="2939760" y="1595160"/>
+            <a:ext cx="6528240" cy="4911840"/>
+          </a:xfrm>
+          <a:prstGeom prst="rect">
+            <a:avLst/>
+          </a:prstGeom>
+          <a:ln>
+            <a:noFill/>
+          </a:ln>
+        </p:spPr>
+      </p:pic>
     </p:spTree>
   </p:cSld>
   <mc:AlternateContent>
@@ -1779,34 +9340,712 @@
         <a:sysClr val="window" lastClr="FFFFFF"/>
       </a:lt1>
       <a:dk2>
-        <a:srgbClr val="1f497d"/>
+        <a:srgbClr val="44546a"/>
       </a:dk2>
       <a:lt2>
-        <a:srgbClr val="eeece1"/>
+        <a:srgbClr val="e7e6e6"/>
       </a:lt2>
       <a:accent1>
-        <a:srgbClr val="4f81bd"/>
+        <a:srgbClr val="4472c4"/>
       </a:accent1>
       <a:accent2>
-        <a:srgbClr val="c0504d"/>
+        <a:srgbClr val="ed7d31"/>
       </a:accent2>
       <a:accent3>
-        <a:srgbClr val="9bbb59"/>
+        <a:srgbClr val="a5a5a5"/>
       </a:accent3>
       <a:accent4>
-        <a:srgbClr val="8064a2"/>
+        <a:srgbClr val="ffc000"/>
       </a:accent4>
       <a:accent5>
-        <a:srgbClr val="4bacc6"/>
+        <a:srgbClr val="5b9bd5"/>
       </a:accent5>
       <a:accent6>
-        <a:srgbClr val="f79646"/>
+        <a:srgbClr val="70ad47"/>
       </a:accent6>
       <a:hlink>
-        <a:srgbClr val="0000ff"/>
+        <a:srgbClr val="0563c1"/>
       </a:hlink>
       <a:folHlink>
-        <a:srgbClr val="800080"/>
+        <a:srgbClr val="954f72"/>
+      </a:folHlink>
+    </a:clrScheme>
+    <a:fontScheme name="Office">
+      <a:majorFont>
+        <a:latin typeface="Arial"/>
+        <a:ea typeface="DejaVu Sans"/>
+        <a:cs typeface="DejaVu Sans"/>
+      </a:majorFont>
+      <a:minorFont>
+        <a:latin typeface="Arial"/>
+        <a:ea typeface="DejaVu Sans"/>
+        <a:cs typeface="DejaVu Sans"/>
+      </a:minorFont>
+    </a:fontScheme>
+    <a:fmtScheme name="Office">
+      <a:fillStyleLst>
+        <a:solidFill>
+          <a:schemeClr val="phClr"/>
+        </a:solidFill>
+        <a:gradFill rotWithShape="1">
+          <a:gsLst>
+            <a:gs pos="0">
+              <a:schemeClr val="phClr">
+                <a:tint val="50000"/>
+                <a:satMod val="300000"/>
+              </a:schemeClr>
+            </a:gs>
+            <a:gs pos="35000">
+              <a:schemeClr val="phClr">
+                <a:tint val="37000"/>
+                <a:satMod val="300000"/>
+              </a:schemeClr>
+            </a:gs>
+            <a:gs pos="100000">
+              <a:schemeClr val="phClr">
+                <a:tint val="15000"/>
+                <a:satMod val="350000"/>
+              </a:schemeClr>
+            </a:gs>
+          </a:gsLst>
+          <a:lin ang="16200000" scaled="1"/>
+        </a:gradFill>
+        <a:gradFill rotWithShape="1">
+          <a:gsLst>
+            <a:gs pos="0">
+              <a:schemeClr val="phClr">
+                <a:shade val="51000"/>
+                <a:satMod val="130000"/>
+              </a:schemeClr>
+            </a:gs>
+            <a:gs pos="80000">
+              <a:schemeClr val="phClr">
+                <a:shade val="93000"/>
+                <a:satMod val="130000"/>
+              </a:schemeClr>
+            </a:gs>
+            <a:gs pos="100000">
+              <a:schemeClr val="phClr">
+                <a:shade val="94000"/>
+                <a:satMod val="135000"/>
+              </a:schemeClr>
+            </a:gs>
+          </a:gsLst>
+          <a:lin ang="16200000" scaled="0"/>
+        </a:gradFill>
+      </a:fillStyleLst>
+      <a:lnStyleLst>
+        <a:ln w="9525" cap="flat" cmpd="sng" algn="ctr">
+          <a:solidFill>
+            <a:schemeClr val="phClr">
+              <a:shade val="95000"/>
+              <a:satMod val="105000"/>
+            </a:schemeClr>
+          </a:solidFill>
+          <a:prstDash val="solid"/>
+          <a:miter/>
+        </a:ln>
+        <a:ln w="25400" cap="flat" cmpd="sng" algn="ctr">
+          <a:solidFill>
+            <a:schemeClr val="phClr"/>
+          </a:solidFill>
+          <a:prstDash val="solid"/>
+          <a:miter/>
+        </a:ln>
+        <a:ln w="38100" cap="flat" cmpd="sng" algn="ctr">
+          <a:solidFill>
+            <a:schemeClr val="phClr"/>
+          </a:solidFill>
+          <a:prstDash val="solid"/>
+          <a:miter/>
+        </a:ln>
+      </a:lnStyleLst>
+      <a:effectStyleLst>
+        <a:effectStyle>
+          <a:effectLst>
+            <a:outerShdw blurRad="40000" dist="20000" dir="5400000" rotWithShape="0">
+              <a:srgbClr val="000000">
+                <a:alpha val="38000"/>
+              </a:srgbClr>
+            </a:outerShdw>
+          </a:effectLst>
+        </a:effectStyle>
+        <a:effectStyle>
+          <a:effectLst>
+            <a:outerShdw blurRad="40000" dist="23000" dir="5400000" rotWithShape="0">
+              <a:srgbClr val="000000">
+                <a:alpha val="35000"/>
+              </a:srgbClr>
+            </a:outerShdw>
+          </a:effectLst>
+        </a:effectStyle>
+        <a:effectStyle>
+          <a:effectLst>
+            <a:outerShdw blurRad="40000" dist="23000" dir="5400000" rotWithShape="0">
+              <a:srgbClr val="000000">
+                <a:alpha val="35000"/>
+              </a:srgbClr>
+            </a:outerShdw>
+          </a:effectLst>
+          <a:scene3d>
+            <a:camera prst="orthographicFront">
+              <a:rot lat="0" lon="0" rev="0"/>
+            </a:camera>
+            <a:lightRig rig="threePt" dir="t">
+              <a:rot lat="0" lon="0" rev="1200000"/>
+            </a:lightRig>
+          </a:scene3d>
+          <a:sp3d>
+            <a:bevelT w="63500" h="25400"/>
+          </a:sp3d>
+        </a:effectStyle>
+      </a:effectStyleLst>
+      <a:bgFillStyleLst>
+        <a:solidFill>
+          <a:schemeClr val="phClr"/>
+        </a:solidFill>
+        <a:gradFill rotWithShape="1">
+          <a:gsLst>
+            <a:gs pos="0">
+              <a:schemeClr val="phClr">
+                <a:tint val="40000"/>
+                <a:satMod val="350000"/>
+              </a:schemeClr>
+            </a:gs>
+            <a:gs pos="40000">
+              <a:schemeClr val="phClr">
+                <a:tint val="45000"/>
+                <a:shade val="99000"/>
+                <a:satMod val="350000"/>
+              </a:schemeClr>
+            </a:gs>
+            <a:gs pos="100000">
+              <a:schemeClr val="phClr">
+                <a:shade val="20000"/>
+                <a:satMod val="255000"/>
+              </a:schemeClr>
+            </a:gs>
+          </a:gsLst>
+          <a:path path="circle">
+            <a:fillToRect l="50000" t="-80000" r="50000" b="180000"/>
+          </a:path>
+        </a:gradFill>
+        <a:gradFill rotWithShape="1">
+          <a:gsLst>
+            <a:gs pos="0">
+              <a:schemeClr val="phClr">
+                <a:tint val="80000"/>
+                <a:satMod val="300000"/>
+              </a:schemeClr>
+            </a:gs>
+            <a:gs pos="100000">
+              <a:schemeClr val="phClr">
+                <a:shade val="30000"/>
+                <a:satMod val="200000"/>
+              </a:schemeClr>
+            </a:gs>
+          </a:gsLst>
+          <a:path path="circle">
+            <a:fillToRect l="50000" t="50000" r="50000" b="50000"/>
+          </a:path>
+        </a:gradFill>
+      </a:bgFillStyleLst>
+    </a:fmtScheme>
+  </a:themeElements>
+</a:theme>
+</file>
+
+<file path=ppt/theme/theme2.xml><?xml version="1.0" encoding="utf-8"?>
+<a:theme xmlns:a="http://schemas.openxmlformats.org/drawingml/2006/main" name="Office Theme">
+  <a:themeElements>
+    <a:clrScheme name="Office">
+      <a:dk1>
+        <a:sysClr val="windowText" lastClr="000000"/>
+      </a:dk1>
+      <a:lt1>
+        <a:sysClr val="window" lastClr="FFFFFF"/>
+      </a:lt1>
+      <a:dk2>
+        <a:srgbClr val="44546a"/>
+      </a:dk2>
+      <a:lt2>
+        <a:srgbClr val="e7e6e6"/>
+      </a:lt2>
+      <a:accent1>
+        <a:srgbClr val="4472c4"/>
+      </a:accent1>
+      <a:accent2>
+        <a:srgbClr val="ed7d31"/>
+      </a:accent2>
+      <a:accent3>
+        <a:srgbClr val="a5a5a5"/>
+      </a:accent3>
+      <a:accent4>
+        <a:srgbClr val="ffc000"/>
+      </a:accent4>
+      <a:accent5>
+        <a:srgbClr val="5b9bd5"/>
+      </a:accent5>
+      <a:accent6>
+        <a:srgbClr val="70ad47"/>
+      </a:accent6>
+      <a:hlink>
+        <a:srgbClr val="0563c1"/>
+      </a:hlink>
+      <a:folHlink>
+        <a:srgbClr val="954f72"/>
+      </a:folHlink>
+    </a:clrScheme>
+    <a:fontScheme name="Office">
+      <a:majorFont>
+        <a:latin typeface="Arial"/>
+        <a:ea typeface="DejaVu Sans"/>
+        <a:cs typeface="DejaVu Sans"/>
+      </a:majorFont>
+      <a:minorFont>
+        <a:latin typeface="Arial"/>
+        <a:ea typeface="DejaVu Sans"/>
+        <a:cs typeface="DejaVu Sans"/>
+      </a:minorFont>
+    </a:fontScheme>
+    <a:fmtScheme name="Office">
+      <a:fillStyleLst>
+        <a:solidFill>
+          <a:schemeClr val="phClr"/>
+        </a:solidFill>
+        <a:gradFill rotWithShape="1">
+          <a:gsLst>
+            <a:gs pos="0">
+              <a:schemeClr val="phClr">
+                <a:tint val="50000"/>
+                <a:satMod val="300000"/>
+              </a:schemeClr>
+            </a:gs>
+            <a:gs pos="35000">
+              <a:schemeClr val="phClr">
+                <a:tint val="37000"/>
+                <a:satMod val="300000"/>
+              </a:schemeClr>
+            </a:gs>
+            <a:gs pos="100000">
+              <a:schemeClr val="phClr">
+                <a:tint val="15000"/>
+                <a:satMod val="350000"/>
+              </a:schemeClr>
+            </a:gs>
+          </a:gsLst>
+          <a:lin ang="16200000" scaled="1"/>
+        </a:gradFill>
+        <a:gradFill rotWithShape="1">
+          <a:gsLst>
+            <a:gs pos="0">
+              <a:schemeClr val="phClr">
+                <a:shade val="51000"/>
+                <a:satMod val="130000"/>
+              </a:schemeClr>
+            </a:gs>
+            <a:gs pos="80000">
+              <a:schemeClr val="phClr">
+                <a:shade val="93000"/>
+                <a:satMod val="130000"/>
+              </a:schemeClr>
+            </a:gs>
+            <a:gs pos="100000">
+              <a:schemeClr val="phClr">
+                <a:shade val="94000"/>
+                <a:satMod val="135000"/>
+              </a:schemeClr>
+            </a:gs>
+          </a:gsLst>
+          <a:lin ang="16200000" scaled="0"/>
+        </a:gradFill>
+      </a:fillStyleLst>
+      <a:lnStyleLst>
+        <a:ln w="9525" cap="flat" cmpd="sng" algn="ctr">
+          <a:solidFill>
+            <a:schemeClr val="phClr">
+              <a:shade val="95000"/>
+              <a:satMod val="105000"/>
+            </a:schemeClr>
+          </a:solidFill>
+          <a:prstDash val="solid"/>
+          <a:miter/>
+        </a:ln>
+        <a:ln w="25400" cap="flat" cmpd="sng" algn="ctr">
+          <a:solidFill>
+            <a:schemeClr val="phClr"/>
+          </a:solidFill>
+          <a:prstDash val="solid"/>
+          <a:miter/>
+        </a:ln>
+        <a:ln w="38100" cap="flat" cmpd="sng" algn="ctr">
+          <a:solidFill>
+            <a:schemeClr val="phClr"/>
+          </a:solidFill>
+          <a:prstDash val="solid"/>
+          <a:miter/>
+        </a:ln>
+      </a:lnStyleLst>
+      <a:effectStyleLst>
+        <a:effectStyle>
+          <a:effectLst>
+            <a:outerShdw blurRad="40000" dist="20000" dir="5400000" rotWithShape="0">
+              <a:srgbClr val="000000">
+                <a:alpha val="38000"/>
+              </a:srgbClr>
+            </a:outerShdw>
+          </a:effectLst>
+        </a:effectStyle>
+        <a:effectStyle>
+          <a:effectLst>
+            <a:outerShdw blurRad="40000" dist="23000" dir="5400000" rotWithShape="0">
+              <a:srgbClr val="000000">
+                <a:alpha val="35000"/>
+              </a:srgbClr>
+            </a:outerShdw>
+          </a:effectLst>
+        </a:effectStyle>
+        <a:effectStyle>
+          <a:effectLst>
+            <a:outerShdw blurRad="40000" dist="23000" dir="5400000" rotWithShape="0">
+              <a:srgbClr val="000000">
+                <a:alpha val="35000"/>
+              </a:srgbClr>
+            </a:outerShdw>
+          </a:effectLst>
+          <a:scene3d>
+            <a:camera prst="orthographicFront">
+              <a:rot lat="0" lon="0" rev="0"/>
+            </a:camera>
+            <a:lightRig rig="threePt" dir="t">
+              <a:rot lat="0" lon="0" rev="1200000"/>
+            </a:lightRig>
+          </a:scene3d>
+          <a:sp3d>
+            <a:bevelT w="63500" h="25400"/>
+          </a:sp3d>
+        </a:effectStyle>
+      </a:effectStyleLst>
+      <a:bgFillStyleLst>
+        <a:solidFill>
+          <a:schemeClr val="phClr"/>
+        </a:solidFill>
+        <a:gradFill rotWithShape="1">
+          <a:gsLst>
+            <a:gs pos="0">
+              <a:schemeClr val="phClr">
+                <a:tint val="40000"/>
+                <a:satMod val="350000"/>
+              </a:schemeClr>
+            </a:gs>
+            <a:gs pos="40000">
+              <a:schemeClr val="phClr">
+                <a:tint val="45000"/>
+                <a:shade val="99000"/>
+                <a:satMod val="350000"/>
+              </a:schemeClr>
+            </a:gs>
+            <a:gs pos="100000">
+              <a:schemeClr val="phClr">
+                <a:shade val="20000"/>
+                <a:satMod val="255000"/>
+              </a:schemeClr>
+            </a:gs>
+          </a:gsLst>
+          <a:path path="circle">
+            <a:fillToRect l="50000" t="-80000" r="50000" b="180000"/>
+          </a:path>
+        </a:gradFill>
+        <a:gradFill rotWithShape="1">
+          <a:gsLst>
+            <a:gs pos="0">
+              <a:schemeClr val="phClr">
+                <a:tint val="80000"/>
+                <a:satMod val="300000"/>
+              </a:schemeClr>
+            </a:gs>
+            <a:gs pos="100000">
+              <a:schemeClr val="phClr">
+                <a:shade val="30000"/>
+                <a:satMod val="200000"/>
+              </a:schemeClr>
+            </a:gs>
+          </a:gsLst>
+          <a:path path="circle">
+            <a:fillToRect l="50000" t="50000" r="50000" b="50000"/>
+          </a:path>
+        </a:gradFill>
+      </a:bgFillStyleLst>
+    </a:fmtScheme>
+  </a:themeElements>
+</a:theme>
+</file>
+
+<file path=ppt/theme/theme3.xml><?xml version="1.0" encoding="utf-8"?>
+<a:theme xmlns:a="http://schemas.openxmlformats.org/drawingml/2006/main" name="Office Theme">
+  <a:themeElements>
+    <a:clrScheme name="Office">
+      <a:dk1>
+        <a:sysClr val="windowText" lastClr="000000"/>
+      </a:dk1>
+      <a:lt1>
+        <a:sysClr val="window" lastClr="FFFFFF"/>
+      </a:lt1>
+      <a:dk2>
+        <a:srgbClr val="44546a"/>
+      </a:dk2>
+      <a:lt2>
+        <a:srgbClr val="e7e6e6"/>
+      </a:lt2>
+      <a:accent1>
+        <a:srgbClr val="4472c4"/>
+      </a:accent1>
+      <a:accent2>
+        <a:srgbClr val="ed7d31"/>
+      </a:accent2>
+      <a:accent3>
+        <a:srgbClr val="a5a5a5"/>
+      </a:accent3>
+      <a:accent4>
+        <a:srgbClr val="ffc000"/>
+      </a:accent4>
+      <a:accent5>
+        <a:srgbClr val="5b9bd5"/>
+      </a:accent5>
+      <a:accent6>
+        <a:srgbClr val="70ad47"/>
+      </a:accent6>
+      <a:hlink>
+        <a:srgbClr val="0563c1"/>
+      </a:hlink>
+      <a:folHlink>
+        <a:srgbClr val="954f72"/>
+      </a:folHlink>
+    </a:clrScheme>
+    <a:fontScheme name="Office">
+      <a:majorFont>
+        <a:latin typeface="Arial"/>
+        <a:ea typeface="DejaVu Sans"/>
+        <a:cs typeface="DejaVu Sans"/>
+      </a:majorFont>
+      <a:minorFont>
+        <a:latin typeface="Arial"/>
+        <a:ea typeface="DejaVu Sans"/>
+        <a:cs typeface="DejaVu Sans"/>
+      </a:minorFont>
+    </a:fontScheme>
+    <a:fmtScheme name="Office">
+      <a:fillStyleLst>
+        <a:solidFill>
+          <a:schemeClr val="phClr"/>
+        </a:solidFill>
+        <a:gradFill rotWithShape="1">
+          <a:gsLst>
+            <a:gs pos="0">
+              <a:schemeClr val="phClr">
+                <a:tint val="50000"/>
+                <a:satMod val="300000"/>
+              </a:schemeClr>
+            </a:gs>
+            <a:gs pos="35000">
+              <a:schemeClr val="phClr">
+                <a:tint val="37000"/>
+                <a:satMod val="300000"/>
+              </a:schemeClr>
+            </a:gs>
+            <a:gs pos="100000">
+              <a:schemeClr val="phClr">
+                <a:tint val="15000"/>
+                <a:satMod val="350000"/>
+              </a:schemeClr>
+            </a:gs>
+          </a:gsLst>
+          <a:lin ang="16200000" scaled="1"/>
+        </a:gradFill>
+        <a:gradFill rotWithShape="1">
+          <a:gsLst>
+            <a:gs pos="0">
+              <a:schemeClr val="phClr">
+                <a:shade val="51000"/>
+                <a:satMod val="130000"/>
+              </a:schemeClr>
+            </a:gs>
+            <a:gs pos="80000">
+              <a:schemeClr val="phClr">
+                <a:shade val="93000"/>
+                <a:satMod val="130000"/>
+              </a:schemeClr>
+            </a:gs>
+            <a:gs pos="100000">
+              <a:schemeClr val="phClr">
+                <a:shade val="94000"/>
+                <a:satMod val="135000"/>
+              </a:schemeClr>
+            </a:gs>
+          </a:gsLst>
+          <a:lin ang="16200000" scaled="0"/>
+        </a:gradFill>
+      </a:fillStyleLst>
+      <a:lnStyleLst>
+        <a:ln w="9525" cap="flat" cmpd="sng" algn="ctr">
+          <a:solidFill>
+            <a:schemeClr val="phClr">
+              <a:shade val="95000"/>
+              <a:satMod val="105000"/>
+            </a:schemeClr>
+          </a:solidFill>
+          <a:prstDash val="solid"/>
+          <a:miter/>
+        </a:ln>
+        <a:ln w="25400" cap="flat" cmpd="sng" algn="ctr">
+          <a:solidFill>
+            <a:schemeClr val="phClr"/>
+          </a:solidFill>
+          <a:prstDash val="solid"/>
+          <a:miter/>
+        </a:ln>
+        <a:ln w="38100" cap="flat" cmpd="sng" algn="ctr">
+          <a:solidFill>
+            <a:schemeClr val="phClr"/>
+          </a:solidFill>
+          <a:prstDash val="solid"/>
+          <a:miter/>
+        </a:ln>
+      </a:lnStyleLst>
+      <a:effectStyleLst>
+        <a:effectStyle>
+          <a:effectLst>
+            <a:outerShdw blurRad="40000" dist="20000" dir="5400000" rotWithShape="0">
+              <a:srgbClr val="000000">
+                <a:alpha val="38000"/>
+              </a:srgbClr>
+            </a:outerShdw>
+          </a:effectLst>
+        </a:effectStyle>
+        <a:effectStyle>
+          <a:effectLst>
+            <a:outerShdw blurRad="40000" dist="23000" dir="5400000" rotWithShape="0">
+              <a:srgbClr val="000000">
+                <a:alpha val="35000"/>
+              </a:srgbClr>
+            </a:outerShdw>
+          </a:effectLst>
+        </a:effectStyle>
+        <a:effectStyle>
+          <a:effectLst>
+            <a:outerShdw blurRad="40000" dist="23000" dir="5400000" rotWithShape="0">
+              <a:srgbClr val="000000">
+                <a:alpha val="35000"/>
+              </a:srgbClr>
+            </a:outerShdw>
+          </a:effectLst>
+          <a:scene3d>
+            <a:camera prst="orthographicFront">
+              <a:rot lat="0" lon="0" rev="0"/>
+            </a:camera>
+            <a:lightRig rig="threePt" dir="t">
+              <a:rot lat="0" lon="0" rev="1200000"/>
+            </a:lightRig>
+          </a:scene3d>
+          <a:sp3d>
+            <a:bevelT w="63500" h="25400"/>
+          </a:sp3d>
+        </a:effectStyle>
+      </a:effectStyleLst>
+      <a:bgFillStyleLst>
+        <a:solidFill>
+          <a:schemeClr val="phClr"/>
+        </a:solidFill>
+        <a:gradFill rotWithShape="1">
+          <a:gsLst>
+            <a:gs pos="0">
+              <a:schemeClr val="phClr">
+                <a:tint val="40000"/>
+                <a:satMod val="350000"/>
+              </a:schemeClr>
+            </a:gs>
+            <a:gs pos="40000">
+              <a:schemeClr val="phClr">
+                <a:tint val="45000"/>
+                <a:shade val="99000"/>
+                <a:satMod val="350000"/>
+              </a:schemeClr>
+            </a:gs>
+            <a:gs pos="100000">
+              <a:schemeClr val="phClr">
+                <a:shade val="20000"/>
+                <a:satMod val="255000"/>
+              </a:schemeClr>
+            </a:gs>
+          </a:gsLst>
+          <a:path path="circle">
+            <a:fillToRect l="50000" t="-80000" r="50000" b="180000"/>
+          </a:path>
+        </a:gradFill>
+        <a:gradFill rotWithShape="1">
+          <a:gsLst>
+            <a:gs pos="0">
+              <a:schemeClr val="phClr">
+                <a:tint val="80000"/>
+                <a:satMod val="300000"/>
+              </a:schemeClr>
+            </a:gs>
+            <a:gs pos="100000">
+              <a:schemeClr val="phClr">
+                <a:shade val="30000"/>
+                <a:satMod val="200000"/>
+              </a:schemeClr>
+            </a:gs>
+          </a:gsLst>
+          <a:path path="circle">
+            <a:fillToRect l="50000" t="50000" r="50000" b="50000"/>
+          </a:path>
+        </a:gradFill>
+      </a:bgFillStyleLst>
+    </a:fmtScheme>
+  </a:themeElements>
+</a:theme>
+</file>
+
+<file path=ppt/theme/theme4.xml><?xml version="1.0" encoding="utf-8"?>
+<a:theme xmlns:a="http://schemas.openxmlformats.org/drawingml/2006/main" name="Office Theme">
+  <a:themeElements>
+    <a:clrScheme name="Office">
+      <a:dk1>
+        <a:sysClr val="windowText" lastClr="000000"/>
+      </a:dk1>
+      <a:lt1>
+        <a:sysClr val="window" lastClr="FFFFFF"/>
+      </a:lt1>
+      <a:dk2>
+        <a:srgbClr val="44546a"/>
+      </a:dk2>
+      <a:lt2>
+        <a:srgbClr val="e7e6e6"/>
+      </a:lt2>
+      <a:accent1>
+        <a:srgbClr val="4472c4"/>
+      </a:accent1>
+      <a:accent2>
+        <a:srgbClr val="ed7d31"/>
+      </a:accent2>
+      <a:accent3>
+        <a:srgbClr val="a5a5a5"/>
+      </a:accent3>
+      <a:accent4>
+        <a:srgbClr val="ffc000"/>
+      </a:accent4>
+      <a:accent5>
+        <a:srgbClr val="5b9bd5"/>
+      </a:accent5>
+      <a:accent6>
+        <a:srgbClr val="70ad47"/>
+      </a:accent6>
+      <a:hlink>
+        <a:srgbClr val="0563c1"/>
+      </a:hlink>
+      <a:folHlink>
+        <a:srgbClr val="954f72"/>
       </a:folHlink>
     </a:clrScheme>
     <a:fontScheme name="Office">
